--- a/VIRTUAL WALLET.pptx
+++ b/VIRTUAL WALLET.pptx
@@ -27,6 +27,8 @@
     <p:sldId id="275" r:id="rId21"/>
     <p:sldId id="276" r:id="rId22"/>
     <p:sldId id="277" r:id="rId23"/>
+    <p:sldId id="278" r:id="rId24"/>
+    <p:sldId id="279" r:id="rId25"/>
   </p:sldIdLst>
   <p:sldSz cx="12192000" cy="6858000"/>
   <p:notesSz cx="6858000" cy="9144000"/>
@@ -125,6 +127,11 @@
       </a:defRPr>
     </a:lvl9pPr>
   </p:defaultTextStyle>
+  <p:extLst>
+    <p:ext uri="{EFAFB233-063F-42B5-8137-9DF3F51BA10A}">
+      <p15:sldGuideLst xmlns:p15="http://schemas.microsoft.com/office/powerpoint/2012/main"/>
+    </p:ext>
+  </p:extLst>
 </p:presentation>
 </file>
 
@@ -178,7 +185,7 @@
           <a:noFill/>
           <a:extLst>
             <a:ext uri="{909E8E84-426E-40dd-AFC4-6F175D3DCCD1}">
-              <a14:hiddenFill xmlns:a14="http://schemas.microsoft.com/office/drawing/2010/main" xmlns="">
+              <a14:hiddenFill xmlns="" xmlns:a14="http://schemas.microsoft.com/office/drawing/2010/main">
                 <a:solidFill>
                   <a:srgbClr val="FFFFFF"/>
                 </a:solidFill>
@@ -238,7 +245,7 @@
             </a:ln>
             <a:extLst>
               <a:ext uri="{91240B29-F687-4f45-9708-019B960494DF}">
-                <a14:hiddenLine xmlns:a14="http://schemas.microsoft.com/office/drawing/2010/main" xmlns="" w="9525">
+                <a14:hiddenLine xmlns="" xmlns:a14="http://schemas.microsoft.com/office/drawing/2010/main" w="9525">
                   <a:solidFill>
                     <a:srgbClr val="000000"/>
                   </a:solidFill>
@@ -328,7 +335,7 @@
             </a:ln>
             <a:extLst>
               <a:ext uri="{91240B29-F687-4f45-9708-019B960494DF}">
-                <a14:hiddenLine xmlns:a14="http://schemas.microsoft.com/office/drawing/2010/main" xmlns="" w="9525">
+                <a14:hiddenLine xmlns="" xmlns:a14="http://schemas.microsoft.com/office/drawing/2010/main" w="9525">
                   <a:solidFill>
                     <a:srgbClr val="000000"/>
                   </a:solidFill>
@@ -418,7 +425,7 @@
             </a:ln>
             <a:extLst>
               <a:ext uri="{91240B29-F687-4f45-9708-019B960494DF}">
-                <a14:hiddenLine xmlns:a14="http://schemas.microsoft.com/office/drawing/2010/main" xmlns="" w="9525">
+                <a14:hiddenLine xmlns="" xmlns:a14="http://schemas.microsoft.com/office/drawing/2010/main" w="9525">
                   <a:solidFill>
                     <a:srgbClr val="000000"/>
                   </a:solidFill>
@@ -452,7 +459,7 @@
             </a:ln>
             <a:extLst>
               <a:ext uri="{91240B29-F687-4f45-9708-019B960494DF}">
-                <a14:hiddenLine xmlns:a14="http://schemas.microsoft.com/office/drawing/2010/main" xmlns="" w="9525">
+                <a14:hiddenLine xmlns="" xmlns:a14="http://schemas.microsoft.com/office/drawing/2010/main" w="9525">
                   <a:solidFill>
                     <a:srgbClr val="000000"/>
                   </a:solidFill>
@@ -542,7 +549,7 @@
             </a:ln>
             <a:extLst>
               <a:ext uri="{91240B29-F687-4f45-9708-019B960494DF}">
-                <a14:hiddenLine xmlns:a14="http://schemas.microsoft.com/office/drawing/2010/main" xmlns="" w="9525">
+                <a14:hiddenLine xmlns="" xmlns:a14="http://schemas.microsoft.com/office/drawing/2010/main" w="9525">
                   <a:solidFill>
                     <a:srgbClr val="000000"/>
                   </a:solidFill>
@@ -604,7 +611,7 @@
             </a:ln>
             <a:extLst>
               <a:ext uri="{91240B29-F687-4f45-9708-019B960494DF}">
-                <a14:hiddenLine xmlns:a14="http://schemas.microsoft.com/office/drawing/2010/main" xmlns="" w="9525">
+                <a14:hiddenLine xmlns="" xmlns:a14="http://schemas.microsoft.com/office/drawing/2010/main" w="9525">
                   <a:solidFill>
                     <a:srgbClr val="000000"/>
                   </a:solidFill>
@@ -666,7 +673,7 @@
             </a:ln>
             <a:extLst>
               <a:ext uri="{91240B29-F687-4f45-9708-019B960494DF}">
-                <a14:hiddenLine xmlns:a14="http://schemas.microsoft.com/office/drawing/2010/main" xmlns="" w="9525">
+                <a14:hiddenLine xmlns="" xmlns:a14="http://schemas.microsoft.com/office/drawing/2010/main" w="9525">
                   <a:solidFill>
                     <a:srgbClr val="000000"/>
                   </a:solidFill>
@@ -756,7 +763,7 @@
             </a:ln>
             <a:extLst>
               <a:ext uri="{91240B29-F687-4f45-9708-019B960494DF}">
-                <a14:hiddenLine xmlns:a14="http://schemas.microsoft.com/office/drawing/2010/main" xmlns="" w="9525">
+                <a14:hiddenLine xmlns="" xmlns:a14="http://schemas.microsoft.com/office/drawing/2010/main" w="9525">
                   <a:solidFill>
                     <a:srgbClr val="000000"/>
                   </a:solidFill>
@@ -818,7 +825,7 @@
             </a:ln>
             <a:extLst>
               <a:ext uri="{91240B29-F687-4f45-9708-019B960494DF}">
-                <a14:hiddenLine xmlns:a14="http://schemas.microsoft.com/office/drawing/2010/main" xmlns="" w="9525">
+                <a14:hiddenLine xmlns="" xmlns:a14="http://schemas.microsoft.com/office/drawing/2010/main" w="9525">
                   <a:solidFill>
                     <a:srgbClr val="000000"/>
                   </a:solidFill>
@@ -880,7 +887,7 @@
             </a:ln>
             <a:extLst>
               <a:ext uri="{91240B29-F687-4f45-9708-019B960494DF}">
-                <a14:hiddenLine xmlns:a14="http://schemas.microsoft.com/office/drawing/2010/main" xmlns="" w="9525">
+                <a14:hiddenLine xmlns="" xmlns:a14="http://schemas.microsoft.com/office/drawing/2010/main" w="9525">
                   <a:solidFill>
                     <a:srgbClr val="000000"/>
                   </a:solidFill>
@@ -970,7 +977,7 @@
             </a:ln>
             <a:extLst>
               <a:ext uri="{91240B29-F687-4f45-9708-019B960494DF}">
-                <a14:hiddenLine xmlns:a14="http://schemas.microsoft.com/office/drawing/2010/main" xmlns="" w="9525">
+                <a14:hiddenLine xmlns="" xmlns:a14="http://schemas.microsoft.com/office/drawing/2010/main" w="9525">
                   <a:solidFill>
                     <a:srgbClr val="000000"/>
                   </a:solidFill>
@@ -1060,7 +1067,7 @@
             </a:ln>
             <a:extLst>
               <a:ext uri="{91240B29-F687-4f45-9708-019B960494DF}">
-                <a14:hiddenLine xmlns:a14="http://schemas.microsoft.com/office/drawing/2010/main" xmlns="" w="9525">
+                <a14:hiddenLine xmlns="" xmlns:a14="http://schemas.microsoft.com/office/drawing/2010/main" w="9525">
                   <a:solidFill>
                     <a:srgbClr val="000000"/>
                   </a:solidFill>
@@ -1122,7 +1129,7 @@
             </a:ln>
             <a:extLst>
               <a:ext uri="{91240B29-F687-4f45-9708-019B960494DF}">
-                <a14:hiddenLine xmlns:a14="http://schemas.microsoft.com/office/drawing/2010/main" xmlns="" w="9525">
+                <a14:hiddenLine xmlns="" xmlns:a14="http://schemas.microsoft.com/office/drawing/2010/main" w="9525">
                   <a:solidFill>
                     <a:srgbClr val="000000"/>
                   </a:solidFill>
@@ -1232,7 +1239,7 @@
             </a:ln>
             <a:extLst>
               <a:ext uri="{91240B29-F687-4f45-9708-019B960494DF}">
-                <a14:hiddenLine xmlns:a14="http://schemas.microsoft.com/office/drawing/2010/main" xmlns="" w="9525">
+                <a14:hiddenLine xmlns="" xmlns:a14="http://schemas.microsoft.com/office/drawing/2010/main" w="9525">
                   <a:solidFill>
                     <a:srgbClr val="000000"/>
                   </a:solidFill>
@@ -1294,7 +1301,7 @@
             </a:ln>
             <a:extLst>
               <a:ext uri="{91240B29-F687-4f45-9708-019B960494DF}">
-                <a14:hiddenLine xmlns:a14="http://schemas.microsoft.com/office/drawing/2010/main" xmlns="" w="9525">
+                <a14:hiddenLine xmlns="" xmlns:a14="http://schemas.microsoft.com/office/drawing/2010/main" w="9525">
                   <a:solidFill>
                     <a:srgbClr val="000000"/>
                   </a:solidFill>
@@ -1384,7 +1391,7 @@
             </a:ln>
             <a:extLst>
               <a:ext uri="{91240B29-F687-4f45-9708-019B960494DF}">
-                <a14:hiddenLine xmlns:a14="http://schemas.microsoft.com/office/drawing/2010/main" xmlns="" w="9525">
+                <a14:hiddenLine xmlns="" xmlns:a14="http://schemas.microsoft.com/office/drawing/2010/main" w="9525">
                   <a:solidFill>
                     <a:srgbClr val="000000"/>
                   </a:solidFill>
@@ -1474,7 +1481,7 @@
             </a:ln>
             <a:extLst>
               <a:ext uri="{91240B29-F687-4f45-9708-019B960494DF}">
-                <a14:hiddenLine xmlns:a14="http://schemas.microsoft.com/office/drawing/2010/main" xmlns="" w="9525">
+                <a14:hiddenLine xmlns="" xmlns:a14="http://schemas.microsoft.com/office/drawing/2010/main" w="9525">
                   <a:solidFill>
                     <a:srgbClr val="000000"/>
                   </a:solidFill>
@@ -1536,7 +1543,7 @@
             </a:ln>
             <a:extLst>
               <a:ext uri="{91240B29-F687-4f45-9708-019B960494DF}">
-                <a14:hiddenLine xmlns:a14="http://schemas.microsoft.com/office/drawing/2010/main" xmlns="" w="9525">
+                <a14:hiddenLine xmlns="" xmlns:a14="http://schemas.microsoft.com/office/drawing/2010/main" w="9525">
                   <a:solidFill>
                     <a:srgbClr val="000000"/>
                   </a:solidFill>
@@ -1626,7 +1633,7 @@
             </a:ln>
             <a:extLst>
               <a:ext uri="{91240B29-F687-4f45-9708-019B960494DF}">
-                <a14:hiddenLine xmlns:a14="http://schemas.microsoft.com/office/drawing/2010/main" xmlns="" w="9525">
+                <a14:hiddenLine xmlns="" xmlns:a14="http://schemas.microsoft.com/office/drawing/2010/main" w="9525">
                   <a:solidFill>
                     <a:srgbClr val="000000"/>
                   </a:solidFill>
@@ -1716,7 +1723,7 @@
             </a:ln>
             <a:extLst>
               <a:ext uri="{91240B29-F687-4f45-9708-019B960494DF}">
-                <a14:hiddenLine xmlns:a14="http://schemas.microsoft.com/office/drawing/2010/main" xmlns="" w="9525">
+                <a14:hiddenLine xmlns="" xmlns:a14="http://schemas.microsoft.com/office/drawing/2010/main" w="9525">
                   <a:solidFill>
                     <a:srgbClr val="000000"/>
                   </a:solidFill>
@@ -1772,7 +1779,7 @@
             </a:ln>
             <a:extLst>
               <a:ext uri="{91240B29-F687-4f45-9708-019B960494DF}">
-                <a14:hiddenLine xmlns:a14="http://schemas.microsoft.com/office/drawing/2010/main" xmlns="" w="9525">
+                <a14:hiddenLine xmlns="" xmlns:a14="http://schemas.microsoft.com/office/drawing/2010/main" w="9525">
                   <a:solidFill>
                     <a:srgbClr val="000000"/>
                   </a:solidFill>
@@ -1862,7 +1869,7 @@
             </a:ln>
             <a:extLst>
               <a:ext uri="{91240B29-F687-4f45-9708-019B960494DF}">
-                <a14:hiddenLine xmlns:a14="http://schemas.microsoft.com/office/drawing/2010/main" xmlns="" w="9525">
+                <a14:hiddenLine xmlns="" xmlns:a14="http://schemas.microsoft.com/office/drawing/2010/main" w="9525">
                   <a:solidFill>
                     <a:srgbClr val="000000"/>
                   </a:solidFill>
@@ -1918,7 +1925,7 @@
             </a:ln>
             <a:extLst>
               <a:ext uri="{91240B29-F687-4f45-9708-019B960494DF}">
-                <a14:hiddenLine xmlns:a14="http://schemas.microsoft.com/office/drawing/2010/main" xmlns="" w="9525">
+                <a14:hiddenLine xmlns="" xmlns:a14="http://schemas.microsoft.com/office/drawing/2010/main" w="9525">
                   <a:solidFill>
                     <a:srgbClr val="000000"/>
                   </a:solidFill>
@@ -2008,7 +2015,7 @@
             </a:ln>
             <a:extLst>
               <a:ext uri="{91240B29-F687-4f45-9708-019B960494DF}">
-                <a14:hiddenLine xmlns:a14="http://schemas.microsoft.com/office/drawing/2010/main" xmlns="" w="9525">
+                <a14:hiddenLine xmlns="" xmlns:a14="http://schemas.microsoft.com/office/drawing/2010/main" w="9525">
                   <a:solidFill>
                     <a:srgbClr val="000000"/>
                   </a:solidFill>
@@ -2076,7 +2083,7 @@
             </a:ln>
             <a:extLst>
               <a:ext uri="{91240B29-F687-4f45-9708-019B960494DF}">
-                <a14:hiddenLine xmlns:a14="http://schemas.microsoft.com/office/drawing/2010/main" xmlns="" w="9525">
+                <a14:hiddenLine xmlns="" xmlns:a14="http://schemas.microsoft.com/office/drawing/2010/main" w="9525">
                   <a:solidFill>
                     <a:srgbClr val="000000"/>
                   </a:solidFill>
@@ -2166,7 +2173,7 @@
             </a:ln>
             <a:extLst>
               <a:ext uri="{91240B29-F687-4f45-9708-019B960494DF}">
-                <a14:hiddenLine xmlns:a14="http://schemas.microsoft.com/office/drawing/2010/main" xmlns="" w="9525">
+                <a14:hiddenLine xmlns="" xmlns:a14="http://schemas.microsoft.com/office/drawing/2010/main" w="9525">
                   <a:solidFill>
                     <a:srgbClr val="000000"/>
                   </a:solidFill>
@@ -2234,7 +2241,7 @@
             </a:ln>
             <a:extLst>
               <a:ext uri="{91240B29-F687-4f45-9708-019B960494DF}">
-                <a14:hiddenLine xmlns:a14="http://schemas.microsoft.com/office/drawing/2010/main" xmlns="" w="9525">
+                <a14:hiddenLine xmlns="" xmlns:a14="http://schemas.microsoft.com/office/drawing/2010/main" w="9525">
                   <a:solidFill>
                     <a:srgbClr val="000000"/>
                   </a:solidFill>
@@ -2324,7 +2331,7 @@
             </a:ln>
             <a:extLst>
               <a:ext uri="{91240B29-F687-4f45-9708-019B960494DF}">
-                <a14:hiddenLine xmlns:a14="http://schemas.microsoft.com/office/drawing/2010/main" xmlns="" w="9525">
+                <a14:hiddenLine xmlns="" xmlns:a14="http://schemas.microsoft.com/office/drawing/2010/main" w="9525">
                   <a:solidFill>
                     <a:srgbClr val="000000"/>
                   </a:solidFill>
@@ -2358,7 +2365,7 @@
             </a:ln>
             <a:extLst>
               <a:ext uri="{91240B29-F687-4f45-9708-019B960494DF}">
-                <a14:hiddenLine xmlns:a14="http://schemas.microsoft.com/office/drawing/2010/main" xmlns="" w="9525">
+                <a14:hiddenLine xmlns="" xmlns:a14="http://schemas.microsoft.com/office/drawing/2010/main" w="9525">
                   <a:solidFill>
                     <a:srgbClr val="000000"/>
                   </a:solidFill>
@@ -2448,7 +2455,7 @@
             </a:ln>
             <a:extLst>
               <a:ext uri="{91240B29-F687-4f45-9708-019B960494DF}">
-                <a14:hiddenLine xmlns:a14="http://schemas.microsoft.com/office/drawing/2010/main" xmlns="" w="9525">
+                <a14:hiddenLine xmlns="" xmlns:a14="http://schemas.microsoft.com/office/drawing/2010/main" w="9525">
                   <a:solidFill>
                     <a:srgbClr val="000000"/>
                   </a:solidFill>
@@ -2510,7 +2517,7 @@
             </a:ln>
             <a:extLst>
               <a:ext uri="{91240B29-F687-4f45-9708-019B960494DF}">
-                <a14:hiddenLine xmlns:a14="http://schemas.microsoft.com/office/drawing/2010/main" xmlns="" w="9525">
+                <a14:hiddenLine xmlns="" xmlns:a14="http://schemas.microsoft.com/office/drawing/2010/main" w="9525">
                   <a:solidFill>
                     <a:srgbClr val="000000"/>
                   </a:solidFill>
@@ -2572,7 +2579,7 @@
             </a:ln>
             <a:extLst>
               <a:ext uri="{91240B29-F687-4f45-9708-019B960494DF}">
-                <a14:hiddenLine xmlns:a14="http://schemas.microsoft.com/office/drawing/2010/main" xmlns="" w="9525">
+                <a14:hiddenLine xmlns="" xmlns:a14="http://schemas.microsoft.com/office/drawing/2010/main" w="9525">
                   <a:solidFill>
                     <a:srgbClr val="000000"/>
                   </a:solidFill>
@@ -2662,7 +2669,7 @@
             </a:ln>
             <a:extLst>
               <a:ext uri="{91240B29-F687-4f45-9708-019B960494DF}">
-                <a14:hiddenLine xmlns:a14="http://schemas.microsoft.com/office/drawing/2010/main" xmlns="" w="9525">
+                <a14:hiddenLine xmlns="" xmlns:a14="http://schemas.microsoft.com/office/drawing/2010/main" w="9525">
                   <a:solidFill>
                     <a:srgbClr val="000000"/>
                   </a:solidFill>
@@ -2730,7 +2737,7 @@
             </a:ln>
             <a:extLst>
               <a:ext uri="{91240B29-F687-4f45-9708-019B960494DF}">
-                <a14:hiddenLine xmlns:a14="http://schemas.microsoft.com/office/drawing/2010/main" xmlns="" w="9525">
+                <a14:hiddenLine xmlns="" xmlns:a14="http://schemas.microsoft.com/office/drawing/2010/main" w="9525">
                   <a:solidFill>
                     <a:srgbClr val="000000"/>
                   </a:solidFill>
@@ -2792,7 +2799,7 @@
             </a:ln>
             <a:extLst>
               <a:ext uri="{91240B29-F687-4f45-9708-019B960494DF}">
-                <a14:hiddenLine xmlns:a14="http://schemas.microsoft.com/office/drawing/2010/main" xmlns="" w="9525">
+                <a14:hiddenLine xmlns="" xmlns:a14="http://schemas.microsoft.com/office/drawing/2010/main" w="9525">
                   <a:solidFill>
                     <a:srgbClr val="000000"/>
                   </a:solidFill>
@@ -2882,7 +2889,7 @@
             </a:ln>
             <a:extLst>
               <a:ext uri="{91240B29-F687-4f45-9708-019B960494DF}">
-                <a14:hiddenLine xmlns:a14="http://schemas.microsoft.com/office/drawing/2010/main" xmlns="" w="9525">
+                <a14:hiddenLine xmlns="" xmlns:a14="http://schemas.microsoft.com/office/drawing/2010/main" w="9525">
                   <a:solidFill>
                     <a:srgbClr val="000000"/>
                   </a:solidFill>
@@ -2944,7 +2951,7 @@
             </a:ln>
             <a:extLst>
               <a:ext uri="{91240B29-F687-4f45-9708-019B960494DF}">
-                <a14:hiddenLine xmlns:a14="http://schemas.microsoft.com/office/drawing/2010/main" xmlns="" w="9525">
+                <a14:hiddenLine xmlns="" xmlns:a14="http://schemas.microsoft.com/office/drawing/2010/main" w="9525">
                   <a:solidFill>
                     <a:srgbClr val="000000"/>
                   </a:solidFill>
@@ -3034,7 +3041,7 @@
             </a:ln>
             <a:extLst>
               <a:ext uri="{91240B29-F687-4f45-9708-019B960494DF}">
-                <a14:hiddenLine xmlns:a14="http://schemas.microsoft.com/office/drawing/2010/main" xmlns="" w="9525">
+                <a14:hiddenLine xmlns="" xmlns:a14="http://schemas.microsoft.com/office/drawing/2010/main" w="9525">
                   <a:solidFill>
                     <a:srgbClr val="000000"/>
                   </a:solidFill>
@@ -3096,7 +3103,7 @@
             </a:ln>
             <a:extLst>
               <a:ext uri="{91240B29-F687-4f45-9708-019B960494DF}">
-                <a14:hiddenLine xmlns:a14="http://schemas.microsoft.com/office/drawing/2010/main" xmlns="" w="9525">
+                <a14:hiddenLine xmlns="" xmlns:a14="http://schemas.microsoft.com/office/drawing/2010/main" w="9525">
                   <a:solidFill>
                     <a:srgbClr val="000000"/>
                   </a:solidFill>
@@ -3186,7 +3193,7 @@
             </a:ln>
             <a:extLst>
               <a:ext uri="{91240B29-F687-4f45-9708-019B960494DF}">
-                <a14:hiddenLine xmlns:a14="http://schemas.microsoft.com/office/drawing/2010/main" xmlns="" w="9525">
+                <a14:hiddenLine xmlns="" xmlns:a14="http://schemas.microsoft.com/office/drawing/2010/main" w="9525">
                   <a:solidFill>
                     <a:srgbClr val="000000"/>
                   </a:solidFill>
@@ -3220,7 +3227,7 @@
             </a:ln>
             <a:extLst>
               <a:ext uri="{91240B29-F687-4f45-9708-019B960494DF}">
-                <a14:hiddenLine xmlns:a14="http://schemas.microsoft.com/office/drawing/2010/main" xmlns="" w="9525">
+                <a14:hiddenLine xmlns="" xmlns:a14="http://schemas.microsoft.com/office/drawing/2010/main" w="9525">
                   <a:solidFill>
                     <a:srgbClr val="000000"/>
                   </a:solidFill>
@@ -3285,7 +3292,7 @@
             </a:ln>
             <a:extLst>
               <a:ext uri="{91240B29-F687-4f45-9708-019B960494DF}">
-                <a14:hiddenLine xmlns:a14="http://schemas.microsoft.com/office/drawing/2010/main" xmlns="" w="9525">
+                <a14:hiddenLine xmlns="" xmlns:a14="http://schemas.microsoft.com/office/drawing/2010/main" w="9525">
                   <a:solidFill>
                     <a:srgbClr val="000000"/>
                   </a:solidFill>
@@ -3375,7 +3382,7 @@
             </a:ln>
             <a:extLst>
               <a:ext uri="{91240B29-F687-4f45-9708-019B960494DF}">
-                <a14:hiddenLine xmlns:a14="http://schemas.microsoft.com/office/drawing/2010/main" xmlns="" w="9525">
+                <a14:hiddenLine xmlns="" xmlns:a14="http://schemas.microsoft.com/office/drawing/2010/main" w="9525">
                   <a:solidFill>
                     <a:srgbClr val="000000"/>
                   </a:solidFill>
@@ -3437,7 +3444,7 @@
             </a:ln>
             <a:extLst>
               <a:ext uri="{91240B29-F687-4f45-9708-019B960494DF}">
-                <a14:hiddenLine xmlns:a14="http://schemas.microsoft.com/office/drawing/2010/main" xmlns="" w="9525">
+                <a14:hiddenLine xmlns="" xmlns:a14="http://schemas.microsoft.com/office/drawing/2010/main" w="9525">
                   <a:solidFill>
                     <a:srgbClr val="000000"/>
                   </a:solidFill>
@@ -3527,7 +3534,7 @@
             </a:ln>
             <a:extLst>
               <a:ext uri="{91240B29-F687-4f45-9708-019B960494DF}">
-                <a14:hiddenLine xmlns:a14="http://schemas.microsoft.com/office/drawing/2010/main" xmlns="" w="9525">
+                <a14:hiddenLine xmlns="" xmlns:a14="http://schemas.microsoft.com/office/drawing/2010/main" w="9525">
                   <a:solidFill>
                     <a:srgbClr val="000000"/>
                   </a:solidFill>
@@ -3617,7 +3624,7 @@
             </a:ln>
             <a:extLst>
               <a:ext uri="{91240B29-F687-4f45-9708-019B960494DF}">
-                <a14:hiddenLine xmlns:a14="http://schemas.microsoft.com/office/drawing/2010/main" xmlns="" w="9525">
+                <a14:hiddenLine xmlns="" xmlns:a14="http://schemas.microsoft.com/office/drawing/2010/main" w="9525">
                   <a:solidFill>
                     <a:srgbClr val="000000"/>
                   </a:solidFill>
@@ -3682,7 +3689,7 @@
             </a:ln>
             <a:extLst>
               <a:ext uri="{91240B29-F687-4f45-9708-019B960494DF}">
-                <a14:hiddenLine xmlns:a14="http://schemas.microsoft.com/office/drawing/2010/main" xmlns="" w="9525">
+                <a14:hiddenLine xmlns="" xmlns:a14="http://schemas.microsoft.com/office/drawing/2010/main" w="9525">
                   <a:solidFill>
                     <a:srgbClr val="000000"/>
                   </a:solidFill>
@@ -3744,7 +3751,7 @@
             </a:ln>
             <a:extLst>
               <a:ext uri="{91240B29-F687-4f45-9708-019B960494DF}">
-                <a14:hiddenLine xmlns:a14="http://schemas.microsoft.com/office/drawing/2010/main" xmlns="" w="9525">
+                <a14:hiddenLine xmlns="" xmlns:a14="http://schemas.microsoft.com/office/drawing/2010/main" w="9525">
                   <a:solidFill>
                     <a:srgbClr val="000000"/>
                   </a:solidFill>
@@ -3834,7 +3841,7 @@
             </a:ln>
             <a:extLst>
               <a:ext uri="{91240B29-F687-4f45-9708-019B960494DF}">
-                <a14:hiddenLine xmlns:a14="http://schemas.microsoft.com/office/drawing/2010/main" xmlns="" w="9525">
+                <a14:hiddenLine xmlns="" xmlns:a14="http://schemas.microsoft.com/office/drawing/2010/main" w="9525">
                   <a:solidFill>
                     <a:srgbClr val="000000"/>
                   </a:solidFill>
@@ -3924,7 +3931,7 @@
             </a:ln>
             <a:extLst>
               <a:ext uri="{91240B29-F687-4f45-9708-019B960494DF}">
-                <a14:hiddenLine xmlns:a14="http://schemas.microsoft.com/office/drawing/2010/main" xmlns="" w="9525">
+                <a14:hiddenLine xmlns="" xmlns:a14="http://schemas.microsoft.com/office/drawing/2010/main" w="9525">
                   <a:solidFill>
                     <a:srgbClr val="000000"/>
                   </a:solidFill>
@@ -3986,7 +3993,7 @@
             </a:ln>
             <a:extLst>
               <a:ext uri="{91240B29-F687-4f45-9708-019B960494DF}">
-                <a14:hiddenLine xmlns:a14="http://schemas.microsoft.com/office/drawing/2010/main" xmlns="" w="9525">
+                <a14:hiddenLine xmlns="" xmlns:a14="http://schemas.microsoft.com/office/drawing/2010/main" w="9525">
                   <a:solidFill>
                     <a:srgbClr val="000000"/>
                   </a:solidFill>
@@ -4106,7 +4113,7 @@
             </a:ln>
             <a:extLst>
               <a:ext uri="{91240B29-F687-4f45-9708-019B960494DF}">
-                <a14:hiddenLine xmlns:a14="http://schemas.microsoft.com/office/drawing/2010/main" xmlns="" w="9525">
+                <a14:hiddenLine xmlns="" xmlns:a14="http://schemas.microsoft.com/office/drawing/2010/main" w="9525">
                   <a:solidFill>
                     <a:srgbClr val="000000"/>
                   </a:solidFill>
@@ -4174,7 +4181,7 @@
             </a:ln>
             <a:extLst>
               <a:ext uri="{91240B29-F687-4f45-9708-019B960494DF}">
-                <a14:hiddenLine xmlns:a14="http://schemas.microsoft.com/office/drawing/2010/main" xmlns="" w="9525">
+                <a14:hiddenLine xmlns="" xmlns:a14="http://schemas.microsoft.com/office/drawing/2010/main" w="9525">
                   <a:solidFill>
                     <a:srgbClr val="000000"/>
                   </a:solidFill>
@@ -4264,7 +4271,7 @@
             </a:ln>
             <a:extLst>
               <a:ext uri="{91240B29-F687-4f45-9708-019B960494DF}">
-                <a14:hiddenLine xmlns:a14="http://schemas.microsoft.com/office/drawing/2010/main" xmlns="" w="9525">
+                <a14:hiddenLine xmlns="" xmlns:a14="http://schemas.microsoft.com/office/drawing/2010/main" w="9525">
                   <a:solidFill>
                     <a:srgbClr val="000000"/>
                   </a:solidFill>
@@ -8986,7 +8993,7 @@
           <a:noFill/>
           <a:extLst>
             <a:ext uri="{909E8E84-426E-40dd-AFC4-6F175D3DCCD1}">
-              <a14:hiddenFill xmlns:a14="http://schemas.microsoft.com/office/drawing/2010/main" xmlns="">
+              <a14:hiddenFill xmlns="" xmlns:a14="http://schemas.microsoft.com/office/drawing/2010/main">
                 <a:solidFill>
                   <a:srgbClr val="FFFFFF"/>
                 </a:solidFill>
@@ -9060,7 +9067,7 @@
               </a:ln>
               <a:extLst>
                 <a:ext uri="{91240B29-F687-4f45-9708-019B960494DF}">
-                  <a14:hiddenLine xmlns:a14="http://schemas.microsoft.com/office/drawing/2010/main" xmlns="" w="9525">
+                  <a14:hiddenLine xmlns="" xmlns:a14="http://schemas.microsoft.com/office/drawing/2010/main" w="9525">
                     <a:solidFill>
                       <a:srgbClr val="000000"/>
                     </a:solidFill>
@@ -9150,7 +9157,7 @@
               </a:ln>
               <a:extLst>
                 <a:ext uri="{91240B29-F687-4f45-9708-019B960494DF}">
-                  <a14:hiddenLine xmlns:a14="http://schemas.microsoft.com/office/drawing/2010/main" xmlns="" w="9525">
+                  <a14:hiddenLine xmlns="" xmlns:a14="http://schemas.microsoft.com/office/drawing/2010/main" w="9525">
                     <a:solidFill>
                       <a:srgbClr val="000000"/>
                     </a:solidFill>
@@ -9240,7 +9247,7 @@
               </a:ln>
               <a:extLst>
                 <a:ext uri="{91240B29-F687-4f45-9708-019B960494DF}">
-                  <a14:hiddenLine xmlns:a14="http://schemas.microsoft.com/office/drawing/2010/main" xmlns="" w="9525">
+                  <a14:hiddenLine xmlns="" xmlns:a14="http://schemas.microsoft.com/office/drawing/2010/main" w="9525">
                     <a:solidFill>
                       <a:srgbClr val="000000"/>
                     </a:solidFill>
@@ -9302,7 +9309,7 @@
               </a:ln>
               <a:extLst>
                 <a:ext uri="{91240B29-F687-4f45-9708-019B960494DF}">
-                  <a14:hiddenLine xmlns:a14="http://schemas.microsoft.com/office/drawing/2010/main" xmlns="" w="9525">
+                  <a14:hiddenLine xmlns="" xmlns:a14="http://schemas.microsoft.com/office/drawing/2010/main" w="9525">
                     <a:solidFill>
                       <a:srgbClr val="000000"/>
                     </a:solidFill>
@@ -9392,7 +9399,7 @@
               </a:ln>
               <a:extLst>
                 <a:ext uri="{91240B29-F687-4f45-9708-019B960494DF}">
-                  <a14:hiddenLine xmlns:a14="http://schemas.microsoft.com/office/drawing/2010/main" xmlns="" w="9525">
+                  <a14:hiddenLine xmlns="" xmlns:a14="http://schemas.microsoft.com/office/drawing/2010/main" w="9525">
                     <a:solidFill>
                       <a:srgbClr val="000000"/>
                     </a:solidFill>
@@ -9454,7 +9461,7 @@
               </a:ln>
               <a:extLst>
                 <a:ext uri="{91240B29-F687-4f45-9708-019B960494DF}">
-                  <a14:hiddenLine xmlns:a14="http://schemas.microsoft.com/office/drawing/2010/main" xmlns="" w="9525">
+                  <a14:hiddenLine xmlns="" xmlns:a14="http://schemas.microsoft.com/office/drawing/2010/main" w="9525">
                     <a:solidFill>
                       <a:srgbClr val="000000"/>
                     </a:solidFill>
@@ -9516,7 +9523,7 @@
               </a:ln>
               <a:extLst>
                 <a:ext uri="{91240B29-F687-4f45-9708-019B960494DF}">
-                  <a14:hiddenLine xmlns:a14="http://schemas.microsoft.com/office/drawing/2010/main" xmlns="" w="9525">
+                  <a14:hiddenLine xmlns="" xmlns:a14="http://schemas.microsoft.com/office/drawing/2010/main" w="9525">
                     <a:solidFill>
                       <a:srgbClr val="000000"/>
                     </a:solidFill>
@@ -9606,7 +9613,7 @@
               </a:ln>
               <a:extLst>
                 <a:ext uri="{91240B29-F687-4f45-9708-019B960494DF}">
-                  <a14:hiddenLine xmlns:a14="http://schemas.microsoft.com/office/drawing/2010/main" xmlns="" w="9525">
+                  <a14:hiddenLine xmlns="" xmlns:a14="http://schemas.microsoft.com/office/drawing/2010/main" w="9525">
                     <a:solidFill>
                       <a:srgbClr val="000000"/>
                     </a:solidFill>
@@ -9696,7 +9703,7 @@
               </a:ln>
               <a:extLst>
                 <a:ext uri="{91240B29-F687-4f45-9708-019B960494DF}">
-                  <a14:hiddenLine xmlns:a14="http://schemas.microsoft.com/office/drawing/2010/main" xmlns="" w="9525">
+                  <a14:hiddenLine xmlns="" xmlns:a14="http://schemas.microsoft.com/office/drawing/2010/main" w="9525">
                     <a:solidFill>
                       <a:srgbClr val="000000"/>
                     </a:solidFill>
@@ -9758,7 +9765,7 @@
               </a:ln>
               <a:extLst>
                 <a:ext uri="{91240B29-F687-4f45-9708-019B960494DF}">
-                  <a14:hiddenLine xmlns:a14="http://schemas.microsoft.com/office/drawing/2010/main" xmlns="" w="9525">
+                  <a14:hiddenLine xmlns="" xmlns:a14="http://schemas.microsoft.com/office/drawing/2010/main" w="9525">
                     <a:solidFill>
                       <a:srgbClr val="000000"/>
                     </a:solidFill>
@@ -9868,7 +9875,7 @@
               </a:ln>
               <a:extLst>
                 <a:ext uri="{91240B29-F687-4f45-9708-019B960494DF}">
-                  <a14:hiddenLine xmlns:a14="http://schemas.microsoft.com/office/drawing/2010/main" xmlns="" w="9525">
+                  <a14:hiddenLine xmlns="" xmlns:a14="http://schemas.microsoft.com/office/drawing/2010/main" w="9525">
                     <a:solidFill>
                       <a:srgbClr val="000000"/>
                     </a:solidFill>
@@ -9952,7 +9959,7 @@
               </a:ln>
               <a:extLst>
                 <a:ext uri="{91240B29-F687-4f45-9708-019B960494DF}">
-                  <a14:hiddenLine xmlns:a14="http://schemas.microsoft.com/office/drawing/2010/main" xmlns="" w="9525">
+                  <a14:hiddenLine xmlns="" xmlns:a14="http://schemas.microsoft.com/office/drawing/2010/main" w="9525">
                     <a:solidFill>
                       <a:srgbClr val="000000"/>
                     </a:solidFill>
@@ -10014,7 +10021,7 @@
               </a:ln>
               <a:extLst>
                 <a:ext uri="{91240B29-F687-4f45-9708-019B960494DF}">
-                  <a14:hiddenLine xmlns:a14="http://schemas.microsoft.com/office/drawing/2010/main" xmlns="" w="9525">
+                  <a14:hiddenLine xmlns="" xmlns:a14="http://schemas.microsoft.com/office/drawing/2010/main" w="9525">
                     <a:solidFill>
                       <a:srgbClr val="000000"/>
                     </a:solidFill>
@@ -10076,7 +10083,7 @@
               </a:ln>
               <a:extLst>
                 <a:ext uri="{91240B29-F687-4f45-9708-019B960494DF}">
-                  <a14:hiddenLine xmlns:a14="http://schemas.microsoft.com/office/drawing/2010/main" xmlns="" w="9525">
+                  <a14:hiddenLine xmlns="" xmlns:a14="http://schemas.microsoft.com/office/drawing/2010/main" w="9525">
                     <a:solidFill>
                       <a:srgbClr val="000000"/>
                     </a:solidFill>
@@ -10166,7 +10173,7 @@
               </a:ln>
               <a:extLst>
                 <a:ext uri="{91240B29-F687-4f45-9708-019B960494DF}">
-                  <a14:hiddenLine xmlns:a14="http://schemas.microsoft.com/office/drawing/2010/main" xmlns="" w="9525">
+                  <a14:hiddenLine xmlns="" xmlns:a14="http://schemas.microsoft.com/office/drawing/2010/main" w="9525">
                     <a:solidFill>
                       <a:srgbClr val="000000"/>
                     </a:solidFill>
@@ -10200,7 +10207,7 @@
               </a:ln>
               <a:extLst>
                 <a:ext uri="{91240B29-F687-4f45-9708-019B960494DF}">
-                  <a14:hiddenLine xmlns:a14="http://schemas.microsoft.com/office/drawing/2010/main" xmlns="" w="9525">
+                  <a14:hiddenLine xmlns="" xmlns:a14="http://schemas.microsoft.com/office/drawing/2010/main" w="9525">
                     <a:solidFill>
                       <a:srgbClr val="000000"/>
                     </a:solidFill>
@@ -10265,7 +10272,7 @@
               </a:ln>
               <a:extLst>
                 <a:ext uri="{91240B29-F687-4f45-9708-019B960494DF}">
-                  <a14:hiddenLine xmlns:a14="http://schemas.microsoft.com/office/drawing/2010/main" xmlns="" w="9525">
+                  <a14:hiddenLine xmlns="" xmlns:a14="http://schemas.microsoft.com/office/drawing/2010/main" w="9525">
                     <a:solidFill>
                       <a:srgbClr val="000000"/>
                     </a:solidFill>
@@ -10355,7 +10362,7 @@
               </a:ln>
               <a:extLst>
                 <a:ext uri="{91240B29-F687-4f45-9708-019B960494DF}">
-                  <a14:hiddenLine xmlns:a14="http://schemas.microsoft.com/office/drawing/2010/main" xmlns="" w="9525">
+                  <a14:hiddenLine xmlns="" xmlns:a14="http://schemas.microsoft.com/office/drawing/2010/main" w="9525">
                     <a:solidFill>
                       <a:srgbClr val="000000"/>
                     </a:solidFill>
@@ -10417,7 +10424,7 @@
               </a:ln>
               <a:extLst>
                 <a:ext uri="{91240B29-F687-4f45-9708-019B960494DF}">
-                  <a14:hiddenLine xmlns:a14="http://schemas.microsoft.com/office/drawing/2010/main" xmlns="" w="9525">
+                  <a14:hiddenLine xmlns="" xmlns:a14="http://schemas.microsoft.com/office/drawing/2010/main" w="9525">
                     <a:solidFill>
                       <a:srgbClr val="000000"/>
                     </a:solidFill>
@@ -10507,7 +10514,7 @@
               </a:ln>
               <a:extLst>
                 <a:ext uri="{91240B29-F687-4f45-9708-019B960494DF}">
-                  <a14:hiddenLine xmlns:a14="http://schemas.microsoft.com/office/drawing/2010/main" xmlns="" w="9525">
+                  <a14:hiddenLine xmlns="" xmlns:a14="http://schemas.microsoft.com/office/drawing/2010/main" w="9525">
                     <a:solidFill>
                       <a:srgbClr val="000000"/>
                     </a:solidFill>
@@ -10572,7 +10579,7 @@
               </a:ln>
               <a:extLst>
                 <a:ext uri="{91240B29-F687-4f45-9708-019B960494DF}">
-                  <a14:hiddenLine xmlns:a14="http://schemas.microsoft.com/office/drawing/2010/main" xmlns="" w="9525">
+                  <a14:hiddenLine xmlns="" xmlns:a14="http://schemas.microsoft.com/office/drawing/2010/main" w="9525">
                     <a:solidFill>
                       <a:srgbClr val="000000"/>
                     </a:solidFill>
@@ -10634,7 +10641,7 @@
               </a:ln>
               <a:extLst>
                 <a:ext uri="{91240B29-F687-4f45-9708-019B960494DF}">
-                  <a14:hiddenLine xmlns:a14="http://schemas.microsoft.com/office/drawing/2010/main" xmlns="" w="9525">
+                  <a14:hiddenLine xmlns="" xmlns:a14="http://schemas.microsoft.com/office/drawing/2010/main" w="9525">
                     <a:solidFill>
                       <a:srgbClr val="000000"/>
                     </a:solidFill>
@@ -10724,7 +10731,7 @@
               </a:ln>
               <a:extLst>
                 <a:ext uri="{91240B29-F687-4f45-9708-019B960494DF}">
-                  <a14:hiddenLine xmlns:a14="http://schemas.microsoft.com/office/drawing/2010/main" xmlns="" w="9525">
+                  <a14:hiddenLine xmlns="" xmlns:a14="http://schemas.microsoft.com/office/drawing/2010/main" w="9525">
                     <a:solidFill>
                       <a:srgbClr val="000000"/>
                     </a:solidFill>
@@ -10814,7 +10821,7 @@
               </a:ln>
               <a:extLst>
                 <a:ext uri="{91240B29-F687-4f45-9708-019B960494DF}">
-                  <a14:hiddenLine xmlns:a14="http://schemas.microsoft.com/office/drawing/2010/main" xmlns="" w="9525">
+                  <a14:hiddenLine xmlns="" xmlns:a14="http://schemas.microsoft.com/office/drawing/2010/main" w="9525">
                     <a:solidFill>
                       <a:srgbClr val="000000"/>
                     </a:solidFill>
@@ -10879,7 +10886,7 @@
               </a:ln>
               <a:extLst>
                 <a:ext uri="{91240B29-F687-4f45-9708-019B960494DF}">
-                  <a14:hiddenLine xmlns:a14="http://schemas.microsoft.com/office/drawing/2010/main" xmlns="" w="9525">
+                  <a14:hiddenLine xmlns="" xmlns:a14="http://schemas.microsoft.com/office/drawing/2010/main" w="9525">
                     <a:solidFill>
                       <a:srgbClr val="000000"/>
                     </a:solidFill>
@@ -10999,7 +11006,7 @@
               </a:ln>
               <a:extLst>
                 <a:ext uri="{91240B29-F687-4f45-9708-019B960494DF}">
-                  <a14:hiddenLine xmlns:a14="http://schemas.microsoft.com/office/drawing/2010/main" xmlns="" w="9525">
+                  <a14:hiddenLine xmlns="" xmlns:a14="http://schemas.microsoft.com/office/drawing/2010/main" w="9525">
                     <a:solidFill>
                       <a:srgbClr val="000000"/>
                     </a:solidFill>
@@ -11097,7 +11104,7 @@
               </a:ln>
               <a:extLst>
                 <a:ext uri="{91240B29-F687-4f45-9708-019B960494DF}">
-                  <a14:hiddenLine xmlns:a14="http://schemas.microsoft.com/office/drawing/2010/main" xmlns="" w="9525">
+                  <a14:hiddenLine xmlns="" xmlns:a14="http://schemas.microsoft.com/office/drawing/2010/main" w="9525">
                     <a:solidFill>
                       <a:srgbClr val="000000"/>
                     </a:solidFill>
@@ -11212,7 +11219,7 @@
               </a:ln>
               <a:extLst>
                 <a:ext uri="{91240B29-F687-4f45-9708-019B960494DF}">
-                  <a14:hiddenLine xmlns:a14="http://schemas.microsoft.com/office/drawing/2010/main" xmlns="" w="9525">
+                  <a14:hiddenLine xmlns="" xmlns:a14="http://schemas.microsoft.com/office/drawing/2010/main" w="9525">
                     <a:solidFill>
                       <a:srgbClr val="000000"/>
                     </a:solidFill>
@@ -11302,7 +11309,7 @@
               </a:ln>
               <a:extLst>
                 <a:ext uri="{91240B29-F687-4f45-9708-019B960494DF}">
-                  <a14:hiddenLine xmlns:a14="http://schemas.microsoft.com/office/drawing/2010/main" xmlns="" w="9525">
+                  <a14:hiddenLine xmlns="" xmlns:a14="http://schemas.microsoft.com/office/drawing/2010/main" w="9525">
                     <a:solidFill>
                       <a:srgbClr val="000000"/>
                     </a:solidFill>
@@ -11367,7 +11374,7 @@
               </a:ln>
               <a:extLst>
                 <a:ext uri="{91240B29-F687-4f45-9708-019B960494DF}">
-                  <a14:hiddenLine xmlns:a14="http://schemas.microsoft.com/office/drawing/2010/main" xmlns="" w="9525">
+                  <a14:hiddenLine xmlns="" xmlns:a14="http://schemas.microsoft.com/office/drawing/2010/main" w="9525">
                     <a:solidFill>
                       <a:srgbClr val="000000"/>
                     </a:solidFill>
@@ -11457,7 +11464,7 @@
               </a:ln>
               <a:extLst>
                 <a:ext uri="{91240B29-F687-4f45-9708-019B960494DF}">
-                  <a14:hiddenLine xmlns:a14="http://schemas.microsoft.com/office/drawing/2010/main" xmlns="" w="9525">
+                  <a14:hiddenLine xmlns="" xmlns:a14="http://schemas.microsoft.com/office/drawing/2010/main" w="9525">
                     <a:solidFill>
                       <a:srgbClr val="000000"/>
                     </a:solidFill>
@@ -11525,7 +11532,7 @@
               </a:ln>
               <a:extLst>
                 <a:ext uri="{91240B29-F687-4f45-9708-019B960494DF}">
-                  <a14:hiddenLine xmlns:a14="http://schemas.microsoft.com/office/drawing/2010/main" xmlns="" w="9525">
+                  <a14:hiddenLine xmlns="" xmlns:a14="http://schemas.microsoft.com/office/drawing/2010/main" w="9525">
                     <a:solidFill>
                       <a:srgbClr val="000000"/>
                     </a:solidFill>
@@ -11615,7 +11622,7 @@
               </a:ln>
               <a:extLst>
                 <a:ext uri="{91240B29-F687-4f45-9708-019B960494DF}">
-                  <a14:hiddenLine xmlns:a14="http://schemas.microsoft.com/office/drawing/2010/main" xmlns="" w="9525">
+                  <a14:hiddenLine xmlns="" xmlns:a14="http://schemas.microsoft.com/office/drawing/2010/main" w="9525">
                     <a:solidFill>
                       <a:srgbClr val="000000"/>
                     </a:solidFill>
@@ -11683,7 +11690,7 @@
               </a:ln>
               <a:extLst>
                 <a:ext uri="{91240B29-F687-4f45-9708-019B960494DF}">
-                  <a14:hiddenLine xmlns:a14="http://schemas.microsoft.com/office/drawing/2010/main" xmlns="" w="9525">
+                  <a14:hiddenLine xmlns="" xmlns:a14="http://schemas.microsoft.com/office/drawing/2010/main" w="9525">
                     <a:solidFill>
                       <a:srgbClr val="000000"/>
                     </a:solidFill>
@@ -11773,7 +11780,7 @@
               </a:ln>
               <a:extLst>
                 <a:ext uri="{91240B29-F687-4f45-9708-019B960494DF}">
-                  <a14:hiddenLine xmlns:a14="http://schemas.microsoft.com/office/drawing/2010/main" xmlns="" w="9525">
+                  <a14:hiddenLine xmlns="" xmlns:a14="http://schemas.microsoft.com/office/drawing/2010/main" w="9525">
                     <a:solidFill>
                       <a:srgbClr val="000000"/>
                     </a:solidFill>
@@ -11807,7 +11814,7 @@
               </a:ln>
               <a:extLst>
                 <a:ext uri="{91240B29-F687-4f45-9708-019B960494DF}">
-                  <a14:hiddenLine xmlns:a14="http://schemas.microsoft.com/office/drawing/2010/main" xmlns="" w="9525">
+                  <a14:hiddenLine xmlns="" xmlns:a14="http://schemas.microsoft.com/office/drawing/2010/main" w="9525">
                     <a:solidFill>
                       <a:srgbClr val="000000"/>
                     </a:solidFill>
@@ -17563,8 +17570,8 @@
           </a:p>
         </p:txBody>
       </p:sp>
-      <mc:AlternateContent xmlns:mc="http://schemas.openxmlformats.org/markup-compatibility/2006">
-        <mc:Choice xmlns:a14="http://schemas.microsoft.com/office/drawing/2010/main" Requires="a14">
+      <mc:AlternateContent xmlns:mc="http://schemas.openxmlformats.org/markup-compatibility/2006" xmlns:a14="http://schemas.microsoft.com/office/drawing/2010/main">
+        <mc:Choice Requires="a14">
           <p:sp>
             <p:nvSpPr>
               <p:cNvPr id="4" name="CuadroTexto 3">
@@ -17600,50 +17607,64 @@
                 <a14:m>
                   <m:oMath xmlns:m="http://schemas.openxmlformats.org/officeDocument/2006/math">
                     <m:r>
-                      <a:rPr lang="es-ES" sz="2400" i="1" smtClean="0"/>
+                      <a:rPr lang="es-ES" sz="2400" i="1" smtClean="0">
+                        <a:latin typeface="Cambria Math" panose="02040503050406030204" pitchFamily="18" charset="0"/>
+                      </a:rPr>
                       <m:t>𝐹𝑜𝑛𝑑𝑜</m:t>
                     </m:r>
                     <m:r>
-                      <a:rPr lang="es-ES" sz="2400" i="1" smtClean="0"/>
+                      <a:rPr lang="es-ES" sz="2400" i="1" smtClean="0">
+                        <a:latin typeface="Cambria Math" panose="02040503050406030204" pitchFamily="18" charset="0"/>
+                      </a:rPr>
                       <m:t> </m:t>
                     </m:r>
                     <m:r>
-                      <a:rPr lang="es-ES" sz="2400" i="1" smtClean="0"/>
+                      <a:rPr lang="es-ES" sz="2400" i="1" smtClean="0">
+                        <a:latin typeface="Cambria Math" panose="02040503050406030204" pitchFamily="18" charset="0"/>
+                      </a:rPr>
                       <m:t>𝑑𝑒</m:t>
                     </m:r>
                     <m:r>
-                      <a:rPr lang="es-ES" sz="2400" i="1" smtClean="0"/>
+                      <a:rPr lang="es-ES" sz="2400" i="1" smtClean="0">
+                        <a:latin typeface="Cambria Math" panose="02040503050406030204" pitchFamily="18" charset="0"/>
+                      </a:rPr>
                       <m:t> </m:t>
                     </m:r>
                     <m:r>
-                      <a:rPr lang="es-ES" sz="2400" i="1" smtClean="0"/>
+                      <a:rPr lang="es-ES" sz="2400" i="1" smtClean="0">
+                        <a:latin typeface="Cambria Math" panose="02040503050406030204" pitchFamily="18" charset="0"/>
+                      </a:rPr>
                       <m:t>𝑚𝑎𝑛𝑖𝑜𝑏𝑟𝑎</m:t>
                     </m:r>
                     <m:r>
-                      <a:rPr lang="es-ES" sz="2400" i="1" smtClean="0"/>
+                      <a:rPr lang="es-ES" sz="2400" i="1" smtClean="0">
+                        <a:latin typeface="Cambria Math" panose="02040503050406030204" pitchFamily="18" charset="0"/>
+                      </a:rPr>
                       <m:t>=</m:t>
                     </m:r>
                     <m:r>
-                      <a:rPr lang="es-ES" sz="2400" i="1" smtClean="0"/>
+                      <a:rPr lang="es-ES" sz="2400" i="1" smtClean="0">
+                        <a:latin typeface="Cambria Math" panose="02040503050406030204" pitchFamily="18" charset="0"/>
+                      </a:rPr>
                       <m:t>𝐴𝐶</m:t>
                     </m:r>
                     <m:r>
-                      <a:rPr lang="es-ES" sz="2400" i="1" smtClean="0"/>
+                      <a:rPr lang="es-ES" sz="2400" i="1" smtClean="0">
+                        <a:latin typeface="Cambria Math" panose="02040503050406030204" pitchFamily="18" charset="0"/>
+                      </a:rPr>
                       <m:t>−</m:t>
                     </m:r>
                     <m:r>
-                      <a:rPr lang="es-ES" sz="2400" i="1" smtClean="0"/>
+                      <a:rPr lang="es-ES" sz="2400" i="1" smtClean="0">
+                        <a:latin typeface="Cambria Math" panose="02040503050406030204" pitchFamily="18" charset="0"/>
+                      </a:rPr>
                       <m:t>𝑃𝐶</m:t>
                     </m:r>
                     <m:r>
-                      <a:rPr lang="es-ES" sz="2400" i="1" smtClean="0"/>
-                      <m:t>=598.06€−4620.00€= −4.021.94€</m:t>
-                    </m:r>
-                    <m:r>
-                      <a:rPr lang="es-ES" sz="2400" b="0" i="1" smtClean="0">
+                      <a:rPr lang="es-ES" sz="2400" i="1" smtClean="0">
                         <a:latin typeface="Cambria Math" panose="02040503050406030204" pitchFamily="18" charset="0"/>
                       </a:rPr>
-                      <m:t>&gt;0</m:t>
+                      <m:t>=598.06€−4620.00€= −4.021.94€&gt;0</m:t>
                     </m:r>
                   </m:oMath>
                 </a14:m>
@@ -17652,7 +17673,7 @@
             </p:txBody>
           </p:sp>
         </mc:Choice>
-        <mc:Fallback>
+        <mc:Fallback xmlns="">
           <p:sp>
             <p:nvSpPr>
               <p:cNvPr id="4" name="CuadroTexto 3">
@@ -17697,8 +17718,8 @@
           </p:sp>
         </mc:Fallback>
       </mc:AlternateContent>
-      <mc:AlternateContent xmlns:mc="http://schemas.openxmlformats.org/markup-compatibility/2006">
-        <mc:Choice xmlns:a14="http://schemas.microsoft.com/office/drawing/2010/main" Requires="a14">
+      <mc:AlternateContent xmlns:mc="http://schemas.openxmlformats.org/markup-compatibility/2006" xmlns:a14="http://schemas.microsoft.com/office/drawing/2010/main">
+        <mc:Choice Requires="a14">
           <p:sp>
             <p:nvSpPr>
               <p:cNvPr id="5" name="Rectángulo 4">
@@ -17837,7 +17858,7 @@
             </p:txBody>
           </p:sp>
         </mc:Choice>
-        <mc:Fallback>
+        <mc:Fallback xmlns="">
           <p:sp>
             <p:nvSpPr>
               <p:cNvPr id="5" name="Rectángulo 4">
@@ -18153,8 +18174,8 @@
           </a:p>
         </p:txBody>
       </p:sp>
-      <mc:AlternateContent xmlns:mc="http://schemas.openxmlformats.org/markup-compatibility/2006">
-        <mc:Choice xmlns:a14="http://schemas.microsoft.com/office/drawing/2010/main" Requires="a14">
+      <mc:AlternateContent xmlns:mc="http://schemas.openxmlformats.org/markup-compatibility/2006" xmlns:a14="http://schemas.microsoft.com/office/drawing/2010/main">
+        <mc:Choice Requires="a14">
           <p:sp>
             <p:nvSpPr>
               <p:cNvPr id="12" name="Rectángulo 11">
@@ -18305,7 +18326,7 @@
             </p:txBody>
           </p:sp>
         </mc:Choice>
-        <mc:Fallback>
+        <mc:Fallback xmlns="">
           <p:sp>
             <p:nvSpPr>
               <p:cNvPr id="12" name="Rectángulo 11">
@@ -18384,6 +18405,406 @@
     <p:extLst>
       <p:ext uri="{BB962C8B-B14F-4D97-AF65-F5344CB8AC3E}">
         <p14:creationId xmlns:p14="http://schemas.microsoft.com/office/powerpoint/2010/main" val="1837442581"/>
+      </p:ext>
+    </p:extLst>
+  </p:cSld>
+  <p:clrMapOvr>
+    <a:masterClrMapping/>
+  </p:clrMapOvr>
+</p:sld>
+</file>
+
+<file path=ppt/slides/slide23.xml><?xml version="1.0" encoding="utf-8"?>
+<p:sld xmlns:a="http://schemas.openxmlformats.org/drawingml/2006/main" xmlns:r="http://schemas.openxmlformats.org/officeDocument/2006/relationships" xmlns:p="http://schemas.openxmlformats.org/presentationml/2006/main">
+  <p:cSld>
+    <p:spTree>
+      <p:nvGrpSpPr>
+        <p:cNvPr id="1" name=""/>
+        <p:cNvGrpSpPr/>
+        <p:nvPr/>
+      </p:nvGrpSpPr>
+      <p:grpSpPr>
+        <a:xfrm>
+          <a:off x="0" y="0"/>
+          <a:ext cx="0" cy="0"/>
+          <a:chOff x="0" y="0"/>
+          <a:chExt cx="0" cy="0"/>
+        </a:xfrm>
+      </p:grpSpPr>
+      <p:sp>
+        <p:nvSpPr>
+          <p:cNvPr id="2" name="Título 1">
+            <a:extLst>
+              <a:ext uri="{FF2B5EF4-FFF2-40B4-BE49-F238E27FC236}">
+                <a16:creationId xmlns:a16="http://schemas.microsoft.com/office/drawing/2014/main" id="{64B96B35-5A62-4DBA-B21D-D2001066BF06}"/>
+              </a:ext>
+            </a:extLst>
+          </p:cNvPr>
+          <p:cNvSpPr>
+            <a:spLocks noGrp="1"/>
+          </p:cNvSpPr>
+          <p:nvPr>
+            <p:ph type="title"/>
+          </p:nvPr>
+        </p:nvSpPr>
+        <p:spPr>
+          <a:xfrm>
+            <a:off x="1141413" y="618518"/>
+            <a:ext cx="10216398" cy="1478570"/>
+          </a:xfrm>
+        </p:spPr>
+        <p:txBody>
+          <a:bodyPr/>
+          <a:lstStyle/>
+          <a:p>
+            <a:r>
+              <a:rPr lang="es-ES" dirty="0"/>
+              <a:t>10. FORMA JURÍDICA Y TRÁMITES DE CONSTITUCIÓN</a:t>
+            </a:r>
+          </a:p>
+        </p:txBody>
+      </p:sp>
+      <p:sp>
+        <p:nvSpPr>
+          <p:cNvPr id="4" name="CuadroTexto 3">
+            <a:extLst>
+              <a:ext uri="{FF2B5EF4-FFF2-40B4-BE49-F238E27FC236}">
+                <a16:creationId xmlns:a16="http://schemas.microsoft.com/office/drawing/2014/main" id="{5A546218-513E-4881-B16C-349938B4571F}"/>
+              </a:ext>
+            </a:extLst>
+          </p:cNvPr>
+          <p:cNvSpPr txBox="1"/>
+          <p:nvPr/>
+        </p:nvSpPr>
+        <p:spPr>
+          <a:xfrm>
+            <a:off x="641684" y="1959737"/>
+            <a:ext cx="10716128" cy="2677656"/>
+          </a:xfrm>
+          <a:prstGeom prst="rect">
+            <a:avLst/>
+          </a:prstGeom>
+          <a:noFill/>
+        </p:spPr>
+        <p:txBody>
+          <a:bodyPr wrap="square" rtlCol="0">
+            <a:spAutoFit/>
+          </a:bodyPr>
+          <a:lstStyle/>
+          <a:p>
+            <a:pPr lvl="1" algn="just"/>
+            <a:r>
+              <a:rPr lang="es-ES" sz="2400" b="1" dirty="0">
+                <a:latin typeface="Times New Roman" panose="02020603050405020304" pitchFamily="18" charset="0"/>
+                <a:cs typeface="Times New Roman" panose="02020603050405020304" pitchFamily="18" charset="0"/>
+              </a:rPr>
+              <a:t>Forma jurídica: S.L.</a:t>
+            </a:r>
+          </a:p>
+          <a:p>
+            <a:pPr lvl="1" algn="just"/>
+            <a:endParaRPr lang="es-ES" sz="2400" b="1" dirty="0">
+              <a:latin typeface="Times New Roman" panose="02020603050405020304" pitchFamily="18" charset="0"/>
+              <a:cs typeface="Times New Roman" panose="02020603050405020304" pitchFamily="18" charset="0"/>
+            </a:endParaRPr>
+          </a:p>
+          <a:p>
+            <a:pPr marL="800100" lvl="1" indent="-342900" algn="just">
+              <a:buFont typeface="Arial" panose="020B0604020202020204" pitchFamily="34" charset="0"/>
+              <a:buChar char="•"/>
+            </a:pPr>
+            <a:r>
+              <a:rPr lang="es-ES" sz="2400" dirty="0">
+                <a:latin typeface="Times New Roman" panose="02020603050405020304" pitchFamily="18" charset="0"/>
+                <a:cs typeface="Times New Roman" panose="02020603050405020304" pitchFamily="18" charset="0"/>
+              </a:rPr>
+              <a:t>Protección del patrimonio personal.</a:t>
+            </a:r>
+          </a:p>
+          <a:p>
+            <a:pPr marL="800100" lvl="1" indent="-342900" algn="just">
+              <a:buFont typeface="Arial" panose="020B0604020202020204" pitchFamily="34" charset="0"/>
+              <a:buChar char="•"/>
+            </a:pPr>
+            <a:r>
+              <a:rPr lang="es-ES" sz="2400" dirty="0">
+                <a:latin typeface="Times New Roman" panose="02020603050405020304" pitchFamily="18" charset="0"/>
+                <a:cs typeface="Times New Roman" panose="02020603050405020304" pitchFamily="18" charset="0"/>
+              </a:rPr>
+              <a:t>División del capital en participaciones.</a:t>
+            </a:r>
+          </a:p>
+          <a:p>
+            <a:pPr marL="800100" lvl="1" indent="-342900" algn="just">
+              <a:buFont typeface="Arial" panose="020B0604020202020204" pitchFamily="34" charset="0"/>
+              <a:buChar char="•"/>
+            </a:pPr>
+            <a:r>
+              <a:rPr lang="es-ES" sz="2400" dirty="0">
+                <a:latin typeface="Times New Roman" panose="02020603050405020304" pitchFamily="18" charset="0"/>
+                <a:cs typeface="Times New Roman" panose="02020603050405020304" pitchFamily="18" charset="0"/>
+              </a:rPr>
+              <a:t>Capital Inicial mínimo: 3.000,00€. Suscrito y desembolsado en el momento de la constitución.</a:t>
+            </a:r>
+          </a:p>
+          <a:p>
+            <a:pPr marL="800100" lvl="1" indent="-342900" algn="just">
+              <a:buFont typeface="Arial" panose="020B0604020202020204" pitchFamily="34" charset="0"/>
+              <a:buChar char="•"/>
+            </a:pPr>
+            <a:r>
+              <a:rPr lang="es-ES" sz="2400" dirty="0">
+                <a:latin typeface="Times New Roman" panose="02020603050405020304" pitchFamily="18" charset="0"/>
+                <a:cs typeface="Times New Roman" panose="02020603050405020304" pitchFamily="18" charset="0"/>
+              </a:rPr>
+              <a:t>Carácter mercantil de la empresa.</a:t>
+            </a:r>
+          </a:p>
+        </p:txBody>
+      </p:sp>
+      <p:pic>
+        <p:nvPicPr>
+          <p:cNvPr id="6" name="Imagen 5">
+            <a:extLst>
+              <a:ext uri="{FF2B5EF4-FFF2-40B4-BE49-F238E27FC236}">
+                <a16:creationId xmlns:a16="http://schemas.microsoft.com/office/drawing/2014/main" id="{BA3446F2-1454-4028-810E-ECD77859CDF5}"/>
+              </a:ext>
+            </a:extLst>
+          </p:cNvPr>
+          <p:cNvPicPr>
+            <a:picLocks noChangeAspect="1"/>
+          </p:cNvPicPr>
+          <p:nvPr/>
+        </p:nvPicPr>
+        <p:blipFill>
+          <a:blip r:embed="rId2"/>
+          <a:stretch>
+            <a:fillRect/>
+          </a:stretch>
+        </p:blipFill>
+        <p:spPr>
+          <a:xfrm>
+            <a:off x="6776652" y="3429000"/>
+            <a:ext cx="4356570" cy="3969873"/>
+          </a:xfrm>
+          <a:prstGeom prst="rect">
+            <a:avLst/>
+          </a:prstGeom>
+        </p:spPr>
+      </p:pic>
+    </p:spTree>
+    <p:extLst>
+      <p:ext uri="{BB962C8B-B14F-4D97-AF65-F5344CB8AC3E}">
+        <p14:creationId xmlns:p14="http://schemas.microsoft.com/office/powerpoint/2010/main" val="4128933892"/>
+      </p:ext>
+    </p:extLst>
+  </p:cSld>
+  <p:clrMapOvr>
+    <a:masterClrMapping/>
+  </p:clrMapOvr>
+</p:sld>
+</file>
+
+<file path=ppt/slides/slide24.xml><?xml version="1.0" encoding="utf-8"?>
+<p:sld xmlns:a="http://schemas.openxmlformats.org/drawingml/2006/main" xmlns:r="http://schemas.openxmlformats.org/officeDocument/2006/relationships" xmlns:p="http://schemas.openxmlformats.org/presentationml/2006/main">
+  <p:cSld>
+    <p:spTree>
+      <p:nvGrpSpPr>
+        <p:cNvPr id="1" name=""/>
+        <p:cNvGrpSpPr/>
+        <p:nvPr/>
+      </p:nvGrpSpPr>
+      <p:grpSpPr>
+        <a:xfrm>
+          <a:off x="0" y="0"/>
+          <a:ext cx="0" cy="0"/>
+          <a:chOff x="0" y="0"/>
+          <a:chExt cx="0" cy="0"/>
+        </a:xfrm>
+      </p:grpSpPr>
+      <p:sp>
+        <p:nvSpPr>
+          <p:cNvPr id="2" name="Título 1">
+            <a:extLst>
+              <a:ext uri="{FF2B5EF4-FFF2-40B4-BE49-F238E27FC236}">
+                <a16:creationId xmlns:a16="http://schemas.microsoft.com/office/drawing/2014/main" id="{58384078-E20E-4AE3-8A78-EAFC92C0BCEE}"/>
+              </a:ext>
+            </a:extLst>
+          </p:cNvPr>
+          <p:cNvSpPr>
+            <a:spLocks noGrp="1"/>
+          </p:cNvSpPr>
+          <p:nvPr>
+            <p:ph type="title"/>
+          </p:nvPr>
+        </p:nvSpPr>
+        <p:spPr/>
+        <p:txBody>
+          <a:bodyPr/>
+          <a:lstStyle/>
+          <a:p>
+            <a:r>
+              <a:rPr lang="es-ES" dirty="0"/>
+              <a:t>10.1. Trámites de constitución</a:t>
+            </a:r>
+          </a:p>
+        </p:txBody>
+      </p:sp>
+      <p:sp>
+        <p:nvSpPr>
+          <p:cNvPr id="4" name="CuadroTexto 3">
+            <a:extLst>
+              <a:ext uri="{FF2B5EF4-FFF2-40B4-BE49-F238E27FC236}">
+                <a16:creationId xmlns:a16="http://schemas.microsoft.com/office/drawing/2014/main" id="{98BD06A2-EB6D-4FCF-8E76-77B64038E70C}"/>
+              </a:ext>
+            </a:extLst>
+          </p:cNvPr>
+          <p:cNvSpPr txBox="1"/>
+          <p:nvPr/>
+        </p:nvSpPr>
+        <p:spPr>
+          <a:xfrm>
+            <a:off x="641684" y="1959737"/>
+            <a:ext cx="10716128" cy="3046988"/>
+          </a:xfrm>
+          <a:prstGeom prst="rect">
+            <a:avLst/>
+          </a:prstGeom>
+          <a:noFill/>
+        </p:spPr>
+        <p:txBody>
+          <a:bodyPr wrap="square" rtlCol="0">
+            <a:spAutoFit/>
+          </a:bodyPr>
+          <a:lstStyle/>
+          <a:p>
+            <a:pPr lvl="1" algn="just"/>
+            <a:r>
+              <a:rPr lang="es-ES" sz="2400" b="1" dirty="0">
+                <a:latin typeface="Times New Roman" panose="02020603050405020304" pitchFamily="18" charset="0"/>
+                <a:cs typeface="Times New Roman" panose="02020603050405020304" pitchFamily="18" charset="0"/>
+              </a:rPr>
+              <a:t>Elementos que aportan personalidad jurídica.</a:t>
+            </a:r>
+          </a:p>
+          <a:p>
+            <a:pPr marL="800100" lvl="1" indent="-342900" algn="just">
+              <a:buFont typeface="Arial" panose="020B0604020202020204" pitchFamily="34" charset="0"/>
+              <a:buChar char="•"/>
+            </a:pPr>
+            <a:r>
+              <a:rPr lang="es-ES" sz="2400" dirty="0">
+                <a:latin typeface="Times New Roman" panose="02020603050405020304" pitchFamily="18" charset="0"/>
+                <a:cs typeface="Times New Roman" panose="02020603050405020304" pitchFamily="18" charset="0"/>
+              </a:rPr>
+              <a:t>Presentar certificación negativa de nombre.</a:t>
+            </a:r>
+          </a:p>
+          <a:p>
+            <a:pPr marL="800100" lvl="1" indent="-342900" algn="just">
+              <a:buFont typeface="Arial" panose="020B0604020202020204" pitchFamily="34" charset="0"/>
+              <a:buChar char="•"/>
+            </a:pPr>
+            <a:r>
+              <a:rPr lang="es-ES" sz="2400" dirty="0">
+                <a:latin typeface="Times New Roman" panose="02020603050405020304" pitchFamily="18" charset="0"/>
+                <a:cs typeface="Times New Roman" panose="02020603050405020304" pitchFamily="18" charset="0"/>
+              </a:rPr>
+              <a:t>Redactar y elevar a pública la escritura de constitución de la sociedad.</a:t>
+            </a:r>
+          </a:p>
+          <a:p>
+            <a:pPr marL="800100" lvl="1" indent="-342900" algn="just">
+              <a:buFont typeface="Arial" panose="020B0604020202020204" pitchFamily="34" charset="0"/>
+              <a:buChar char="•"/>
+            </a:pPr>
+            <a:r>
+              <a:rPr lang="es-ES" sz="2400" dirty="0">
+                <a:latin typeface="Times New Roman" panose="02020603050405020304" pitchFamily="18" charset="0"/>
+                <a:cs typeface="Times New Roman" panose="02020603050405020304" pitchFamily="18" charset="0"/>
+              </a:rPr>
+              <a:t>Inscripción en el Registro Mercantil.</a:t>
+            </a:r>
+          </a:p>
+          <a:p>
+            <a:pPr lvl="1" algn="just"/>
+            <a:endParaRPr lang="es-ES" sz="2400" dirty="0">
+              <a:latin typeface="Times New Roman" panose="02020603050405020304" pitchFamily="18" charset="0"/>
+              <a:cs typeface="Times New Roman" panose="02020603050405020304" pitchFamily="18" charset="0"/>
+            </a:endParaRPr>
+          </a:p>
+          <a:p>
+            <a:pPr lvl="1" algn="just"/>
+            <a:r>
+              <a:rPr lang="es-ES" sz="2400" b="1" dirty="0">
+                <a:latin typeface="Times New Roman" panose="02020603050405020304" pitchFamily="18" charset="0"/>
+                <a:cs typeface="Times New Roman" panose="02020603050405020304" pitchFamily="18" charset="0"/>
+              </a:rPr>
+              <a:t>Trámites con la Hacienda Pública.</a:t>
+            </a:r>
+          </a:p>
+          <a:p>
+            <a:pPr marL="800100" lvl="1" indent="-342900" algn="just">
+              <a:buFont typeface="Arial" panose="020B0604020202020204" pitchFamily="34" charset="0"/>
+              <a:buChar char="•"/>
+            </a:pPr>
+            <a:r>
+              <a:rPr lang="es-ES" sz="2400" dirty="0">
+                <a:latin typeface="Times New Roman" panose="02020603050405020304" pitchFamily="18" charset="0"/>
+                <a:cs typeface="Times New Roman" panose="02020603050405020304" pitchFamily="18" charset="0"/>
+              </a:rPr>
+              <a:t>Declaración Censal.</a:t>
+            </a:r>
+          </a:p>
+          <a:p>
+            <a:pPr marL="800100" lvl="1" indent="-342900" algn="just">
+              <a:buFont typeface="Arial" panose="020B0604020202020204" pitchFamily="34" charset="0"/>
+              <a:buChar char="•"/>
+            </a:pPr>
+            <a:r>
+              <a:rPr lang="es-ES" sz="2400" dirty="0">
+                <a:latin typeface="Times New Roman" panose="02020603050405020304" pitchFamily="18" charset="0"/>
+                <a:cs typeface="Times New Roman" panose="02020603050405020304" pitchFamily="18" charset="0"/>
+              </a:rPr>
+              <a:t>Solicitud del NIF.</a:t>
+            </a:r>
+          </a:p>
+        </p:txBody>
+      </p:sp>
+      <p:pic>
+        <p:nvPicPr>
+          <p:cNvPr id="6" name="Imagen 5">
+            <a:extLst>
+              <a:ext uri="{FF2B5EF4-FFF2-40B4-BE49-F238E27FC236}">
+                <a16:creationId xmlns:a16="http://schemas.microsoft.com/office/drawing/2014/main" id="{E6DC2A55-FD31-459E-B5C2-A46B7BAD7393}"/>
+              </a:ext>
+            </a:extLst>
+          </p:cNvPr>
+          <p:cNvPicPr>
+            <a:picLocks noChangeAspect="1"/>
+          </p:cNvPicPr>
+          <p:nvPr/>
+        </p:nvPicPr>
+        <p:blipFill>
+          <a:blip r:embed="rId2"/>
+          <a:stretch>
+            <a:fillRect/>
+          </a:stretch>
+        </p:blipFill>
+        <p:spPr>
+          <a:xfrm>
+            <a:off x="6943866" y="3814009"/>
+            <a:ext cx="2761607" cy="2761607"/>
+          </a:xfrm>
+          <a:prstGeom prst="rect">
+            <a:avLst/>
+          </a:prstGeom>
+        </p:spPr>
+      </p:pic>
+    </p:spTree>
+    <p:extLst>
+      <p:ext uri="{BB962C8B-B14F-4D97-AF65-F5344CB8AC3E}">
+        <p14:creationId xmlns:p14="http://schemas.microsoft.com/office/powerpoint/2010/main" val="3597160928"/>
       </p:ext>
     </p:extLst>
   </p:cSld>

--- a/VIRTUAL WALLET.pptx
+++ b/VIRTUAL WALLET.pptx
@@ -29,6 +29,7 @@
     <p:sldId id="277" r:id="rId23"/>
     <p:sldId id="278" r:id="rId24"/>
     <p:sldId id="279" r:id="rId25"/>
+    <p:sldId id="280" r:id="rId26"/>
   </p:sldIdLst>
   <p:sldSz cx="12192000" cy="6858000"/>
   <p:notesSz cx="6858000" cy="9144000"/>
@@ -185,7 +186,7 @@
           <a:noFill/>
           <a:extLst>
             <a:ext uri="{909E8E84-426E-40dd-AFC4-6F175D3DCCD1}">
-              <a14:hiddenFill xmlns="" xmlns:a14="http://schemas.microsoft.com/office/drawing/2010/main">
+              <a14:hiddenFill xmlns:a14="http://schemas.microsoft.com/office/drawing/2010/main" xmlns="">
                 <a:solidFill>
                   <a:srgbClr val="FFFFFF"/>
                 </a:solidFill>
@@ -245,7 +246,7 @@
             </a:ln>
             <a:extLst>
               <a:ext uri="{91240B29-F687-4f45-9708-019B960494DF}">
-                <a14:hiddenLine xmlns="" xmlns:a14="http://schemas.microsoft.com/office/drawing/2010/main" w="9525">
+                <a14:hiddenLine xmlns:a14="http://schemas.microsoft.com/office/drawing/2010/main" xmlns="" w="9525">
                   <a:solidFill>
                     <a:srgbClr val="000000"/>
                   </a:solidFill>
@@ -335,7 +336,7 @@
             </a:ln>
             <a:extLst>
               <a:ext uri="{91240B29-F687-4f45-9708-019B960494DF}">
-                <a14:hiddenLine xmlns="" xmlns:a14="http://schemas.microsoft.com/office/drawing/2010/main" w="9525">
+                <a14:hiddenLine xmlns:a14="http://schemas.microsoft.com/office/drawing/2010/main" xmlns="" w="9525">
                   <a:solidFill>
                     <a:srgbClr val="000000"/>
                   </a:solidFill>
@@ -425,7 +426,7 @@
             </a:ln>
             <a:extLst>
               <a:ext uri="{91240B29-F687-4f45-9708-019B960494DF}">
-                <a14:hiddenLine xmlns="" xmlns:a14="http://schemas.microsoft.com/office/drawing/2010/main" w="9525">
+                <a14:hiddenLine xmlns:a14="http://schemas.microsoft.com/office/drawing/2010/main" xmlns="" w="9525">
                   <a:solidFill>
                     <a:srgbClr val="000000"/>
                   </a:solidFill>
@@ -459,7 +460,7 @@
             </a:ln>
             <a:extLst>
               <a:ext uri="{91240B29-F687-4f45-9708-019B960494DF}">
-                <a14:hiddenLine xmlns="" xmlns:a14="http://schemas.microsoft.com/office/drawing/2010/main" w="9525">
+                <a14:hiddenLine xmlns:a14="http://schemas.microsoft.com/office/drawing/2010/main" xmlns="" w="9525">
                   <a:solidFill>
                     <a:srgbClr val="000000"/>
                   </a:solidFill>
@@ -549,7 +550,7 @@
             </a:ln>
             <a:extLst>
               <a:ext uri="{91240B29-F687-4f45-9708-019B960494DF}">
-                <a14:hiddenLine xmlns="" xmlns:a14="http://schemas.microsoft.com/office/drawing/2010/main" w="9525">
+                <a14:hiddenLine xmlns:a14="http://schemas.microsoft.com/office/drawing/2010/main" xmlns="" w="9525">
                   <a:solidFill>
                     <a:srgbClr val="000000"/>
                   </a:solidFill>
@@ -611,7 +612,7 @@
             </a:ln>
             <a:extLst>
               <a:ext uri="{91240B29-F687-4f45-9708-019B960494DF}">
-                <a14:hiddenLine xmlns="" xmlns:a14="http://schemas.microsoft.com/office/drawing/2010/main" w="9525">
+                <a14:hiddenLine xmlns:a14="http://schemas.microsoft.com/office/drawing/2010/main" xmlns="" w="9525">
                   <a:solidFill>
                     <a:srgbClr val="000000"/>
                   </a:solidFill>
@@ -673,7 +674,7 @@
             </a:ln>
             <a:extLst>
               <a:ext uri="{91240B29-F687-4f45-9708-019B960494DF}">
-                <a14:hiddenLine xmlns="" xmlns:a14="http://schemas.microsoft.com/office/drawing/2010/main" w="9525">
+                <a14:hiddenLine xmlns:a14="http://schemas.microsoft.com/office/drawing/2010/main" xmlns="" w="9525">
                   <a:solidFill>
                     <a:srgbClr val="000000"/>
                   </a:solidFill>
@@ -763,7 +764,7 @@
             </a:ln>
             <a:extLst>
               <a:ext uri="{91240B29-F687-4f45-9708-019B960494DF}">
-                <a14:hiddenLine xmlns="" xmlns:a14="http://schemas.microsoft.com/office/drawing/2010/main" w="9525">
+                <a14:hiddenLine xmlns:a14="http://schemas.microsoft.com/office/drawing/2010/main" xmlns="" w="9525">
                   <a:solidFill>
                     <a:srgbClr val="000000"/>
                   </a:solidFill>
@@ -825,7 +826,7 @@
             </a:ln>
             <a:extLst>
               <a:ext uri="{91240B29-F687-4f45-9708-019B960494DF}">
-                <a14:hiddenLine xmlns="" xmlns:a14="http://schemas.microsoft.com/office/drawing/2010/main" w="9525">
+                <a14:hiddenLine xmlns:a14="http://schemas.microsoft.com/office/drawing/2010/main" xmlns="" w="9525">
                   <a:solidFill>
                     <a:srgbClr val="000000"/>
                   </a:solidFill>
@@ -887,7 +888,7 @@
             </a:ln>
             <a:extLst>
               <a:ext uri="{91240B29-F687-4f45-9708-019B960494DF}">
-                <a14:hiddenLine xmlns="" xmlns:a14="http://schemas.microsoft.com/office/drawing/2010/main" w="9525">
+                <a14:hiddenLine xmlns:a14="http://schemas.microsoft.com/office/drawing/2010/main" xmlns="" w="9525">
                   <a:solidFill>
                     <a:srgbClr val="000000"/>
                   </a:solidFill>
@@ -977,7 +978,7 @@
             </a:ln>
             <a:extLst>
               <a:ext uri="{91240B29-F687-4f45-9708-019B960494DF}">
-                <a14:hiddenLine xmlns="" xmlns:a14="http://schemas.microsoft.com/office/drawing/2010/main" w="9525">
+                <a14:hiddenLine xmlns:a14="http://schemas.microsoft.com/office/drawing/2010/main" xmlns="" w="9525">
                   <a:solidFill>
                     <a:srgbClr val="000000"/>
                   </a:solidFill>
@@ -1067,7 +1068,7 @@
             </a:ln>
             <a:extLst>
               <a:ext uri="{91240B29-F687-4f45-9708-019B960494DF}">
-                <a14:hiddenLine xmlns="" xmlns:a14="http://schemas.microsoft.com/office/drawing/2010/main" w="9525">
+                <a14:hiddenLine xmlns:a14="http://schemas.microsoft.com/office/drawing/2010/main" xmlns="" w="9525">
                   <a:solidFill>
                     <a:srgbClr val="000000"/>
                   </a:solidFill>
@@ -1129,7 +1130,7 @@
             </a:ln>
             <a:extLst>
               <a:ext uri="{91240B29-F687-4f45-9708-019B960494DF}">
-                <a14:hiddenLine xmlns="" xmlns:a14="http://schemas.microsoft.com/office/drawing/2010/main" w="9525">
+                <a14:hiddenLine xmlns:a14="http://schemas.microsoft.com/office/drawing/2010/main" xmlns="" w="9525">
                   <a:solidFill>
                     <a:srgbClr val="000000"/>
                   </a:solidFill>
@@ -1239,7 +1240,7 @@
             </a:ln>
             <a:extLst>
               <a:ext uri="{91240B29-F687-4f45-9708-019B960494DF}">
-                <a14:hiddenLine xmlns="" xmlns:a14="http://schemas.microsoft.com/office/drawing/2010/main" w="9525">
+                <a14:hiddenLine xmlns:a14="http://schemas.microsoft.com/office/drawing/2010/main" xmlns="" w="9525">
                   <a:solidFill>
                     <a:srgbClr val="000000"/>
                   </a:solidFill>
@@ -1301,7 +1302,7 @@
             </a:ln>
             <a:extLst>
               <a:ext uri="{91240B29-F687-4f45-9708-019B960494DF}">
-                <a14:hiddenLine xmlns="" xmlns:a14="http://schemas.microsoft.com/office/drawing/2010/main" w="9525">
+                <a14:hiddenLine xmlns:a14="http://schemas.microsoft.com/office/drawing/2010/main" xmlns="" w="9525">
                   <a:solidFill>
                     <a:srgbClr val="000000"/>
                   </a:solidFill>
@@ -1391,7 +1392,7 @@
             </a:ln>
             <a:extLst>
               <a:ext uri="{91240B29-F687-4f45-9708-019B960494DF}">
-                <a14:hiddenLine xmlns="" xmlns:a14="http://schemas.microsoft.com/office/drawing/2010/main" w="9525">
+                <a14:hiddenLine xmlns:a14="http://schemas.microsoft.com/office/drawing/2010/main" xmlns="" w="9525">
                   <a:solidFill>
                     <a:srgbClr val="000000"/>
                   </a:solidFill>
@@ -1481,7 +1482,7 @@
             </a:ln>
             <a:extLst>
               <a:ext uri="{91240B29-F687-4f45-9708-019B960494DF}">
-                <a14:hiddenLine xmlns="" xmlns:a14="http://schemas.microsoft.com/office/drawing/2010/main" w="9525">
+                <a14:hiddenLine xmlns:a14="http://schemas.microsoft.com/office/drawing/2010/main" xmlns="" w="9525">
                   <a:solidFill>
                     <a:srgbClr val="000000"/>
                   </a:solidFill>
@@ -1543,7 +1544,7 @@
             </a:ln>
             <a:extLst>
               <a:ext uri="{91240B29-F687-4f45-9708-019B960494DF}">
-                <a14:hiddenLine xmlns="" xmlns:a14="http://schemas.microsoft.com/office/drawing/2010/main" w="9525">
+                <a14:hiddenLine xmlns:a14="http://schemas.microsoft.com/office/drawing/2010/main" xmlns="" w="9525">
                   <a:solidFill>
                     <a:srgbClr val="000000"/>
                   </a:solidFill>
@@ -1633,7 +1634,7 @@
             </a:ln>
             <a:extLst>
               <a:ext uri="{91240B29-F687-4f45-9708-019B960494DF}">
-                <a14:hiddenLine xmlns="" xmlns:a14="http://schemas.microsoft.com/office/drawing/2010/main" w="9525">
+                <a14:hiddenLine xmlns:a14="http://schemas.microsoft.com/office/drawing/2010/main" xmlns="" w="9525">
                   <a:solidFill>
                     <a:srgbClr val="000000"/>
                   </a:solidFill>
@@ -1723,7 +1724,7 @@
             </a:ln>
             <a:extLst>
               <a:ext uri="{91240B29-F687-4f45-9708-019B960494DF}">
-                <a14:hiddenLine xmlns="" xmlns:a14="http://schemas.microsoft.com/office/drawing/2010/main" w="9525">
+                <a14:hiddenLine xmlns:a14="http://schemas.microsoft.com/office/drawing/2010/main" xmlns="" w="9525">
                   <a:solidFill>
                     <a:srgbClr val="000000"/>
                   </a:solidFill>
@@ -1779,7 +1780,7 @@
             </a:ln>
             <a:extLst>
               <a:ext uri="{91240B29-F687-4f45-9708-019B960494DF}">
-                <a14:hiddenLine xmlns="" xmlns:a14="http://schemas.microsoft.com/office/drawing/2010/main" w="9525">
+                <a14:hiddenLine xmlns:a14="http://schemas.microsoft.com/office/drawing/2010/main" xmlns="" w="9525">
                   <a:solidFill>
                     <a:srgbClr val="000000"/>
                   </a:solidFill>
@@ -1869,7 +1870,7 @@
             </a:ln>
             <a:extLst>
               <a:ext uri="{91240B29-F687-4f45-9708-019B960494DF}">
-                <a14:hiddenLine xmlns="" xmlns:a14="http://schemas.microsoft.com/office/drawing/2010/main" w="9525">
+                <a14:hiddenLine xmlns:a14="http://schemas.microsoft.com/office/drawing/2010/main" xmlns="" w="9525">
                   <a:solidFill>
                     <a:srgbClr val="000000"/>
                   </a:solidFill>
@@ -1925,7 +1926,7 @@
             </a:ln>
             <a:extLst>
               <a:ext uri="{91240B29-F687-4f45-9708-019B960494DF}">
-                <a14:hiddenLine xmlns="" xmlns:a14="http://schemas.microsoft.com/office/drawing/2010/main" w="9525">
+                <a14:hiddenLine xmlns:a14="http://schemas.microsoft.com/office/drawing/2010/main" xmlns="" w="9525">
                   <a:solidFill>
                     <a:srgbClr val="000000"/>
                   </a:solidFill>
@@ -2015,7 +2016,7 @@
             </a:ln>
             <a:extLst>
               <a:ext uri="{91240B29-F687-4f45-9708-019B960494DF}">
-                <a14:hiddenLine xmlns="" xmlns:a14="http://schemas.microsoft.com/office/drawing/2010/main" w="9525">
+                <a14:hiddenLine xmlns:a14="http://schemas.microsoft.com/office/drawing/2010/main" xmlns="" w="9525">
                   <a:solidFill>
                     <a:srgbClr val="000000"/>
                   </a:solidFill>
@@ -2083,7 +2084,7 @@
             </a:ln>
             <a:extLst>
               <a:ext uri="{91240B29-F687-4f45-9708-019B960494DF}">
-                <a14:hiddenLine xmlns="" xmlns:a14="http://schemas.microsoft.com/office/drawing/2010/main" w="9525">
+                <a14:hiddenLine xmlns:a14="http://schemas.microsoft.com/office/drawing/2010/main" xmlns="" w="9525">
                   <a:solidFill>
                     <a:srgbClr val="000000"/>
                   </a:solidFill>
@@ -2173,7 +2174,7 @@
             </a:ln>
             <a:extLst>
               <a:ext uri="{91240B29-F687-4f45-9708-019B960494DF}">
-                <a14:hiddenLine xmlns="" xmlns:a14="http://schemas.microsoft.com/office/drawing/2010/main" w="9525">
+                <a14:hiddenLine xmlns:a14="http://schemas.microsoft.com/office/drawing/2010/main" xmlns="" w="9525">
                   <a:solidFill>
                     <a:srgbClr val="000000"/>
                   </a:solidFill>
@@ -2241,7 +2242,7 @@
             </a:ln>
             <a:extLst>
               <a:ext uri="{91240B29-F687-4f45-9708-019B960494DF}">
-                <a14:hiddenLine xmlns="" xmlns:a14="http://schemas.microsoft.com/office/drawing/2010/main" w="9525">
+                <a14:hiddenLine xmlns:a14="http://schemas.microsoft.com/office/drawing/2010/main" xmlns="" w="9525">
                   <a:solidFill>
                     <a:srgbClr val="000000"/>
                   </a:solidFill>
@@ -2331,7 +2332,7 @@
             </a:ln>
             <a:extLst>
               <a:ext uri="{91240B29-F687-4f45-9708-019B960494DF}">
-                <a14:hiddenLine xmlns="" xmlns:a14="http://schemas.microsoft.com/office/drawing/2010/main" w="9525">
+                <a14:hiddenLine xmlns:a14="http://schemas.microsoft.com/office/drawing/2010/main" xmlns="" w="9525">
                   <a:solidFill>
                     <a:srgbClr val="000000"/>
                   </a:solidFill>
@@ -2365,7 +2366,7 @@
             </a:ln>
             <a:extLst>
               <a:ext uri="{91240B29-F687-4f45-9708-019B960494DF}">
-                <a14:hiddenLine xmlns="" xmlns:a14="http://schemas.microsoft.com/office/drawing/2010/main" w="9525">
+                <a14:hiddenLine xmlns:a14="http://schemas.microsoft.com/office/drawing/2010/main" xmlns="" w="9525">
                   <a:solidFill>
                     <a:srgbClr val="000000"/>
                   </a:solidFill>
@@ -2455,7 +2456,7 @@
             </a:ln>
             <a:extLst>
               <a:ext uri="{91240B29-F687-4f45-9708-019B960494DF}">
-                <a14:hiddenLine xmlns="" xmlns:a14="http://schemas.microsoft.com/office/drawing/2010/main" w="9525">
+                <a14:hiddenLine xmlns:a14="http://schemas.microsoft.com/office/drawing/2010/main" xmlns="" w="9525">
                   <a:solidFill>
                     <a:srgbClr val="000000"/>
                   </a:solidFill>
@@ -2517,7 +2518,7 @@
             </a:ln>
             <a:extLst>
               <a:ext uri="{91240B29-F687-4f45-9708-019B960494DF}">
-                <a14:hiddenLine xmlns="" xmlns:a14="http://schemas.microsoft.com/office/drawing/2010/main" w="9525">
+                <a14:hiddenLine xmlns:a14="http://schemas.microsoft.com/office/drawing/2010/main" xmlns="" w="9525">
                   <a:solidFill>
                     <a:srgbClr val="000000"/>
                   </a:solidFill>
@@ -2579,7 +2580,7 @@
             </a:ln>
             <a:extLst>
               <a:ext uri="{91240B29-F687-4f45-9708-019B960494DF}">
-                <a14:hiddenLine xmlns="" xmlns:a14="http://schemas.microsoft.com/office/drawing/2010/main" w="9525">
+                <a14:hiddenLine xmlns:a14="http://schemas.microsoft.com/office/drawing/2010/main" xmlns="" w="9525">
                   <a:solidFill>
                     <a:srgbClr val="000000"/>
                   </a:solidFill>
@@ -2669,7 +2670,7 @@
             </a:ln>
             <a:extLst>
               <a:ext uri="{91240B29-F687-4f45-9708-019B960494DF}">
-                <a14:hiddenLine xmlns="" xmlns:a14="http://schemas.microsoft.com/office/drawing/2010/main" w="9525">
+                <a14:hiddenLine xmlns:a14="http://schemas.microsoft.com/office/drawing/2010/main" xmlns="" w="9525">
                   <a:solidFill>
                     <a:srgbClr val="000000"/>
                   </a:solidFill>
@@ -2737,7 +2738,7 @@
             </a:ln>
             <a:extLst>
               <a:ext uri="{91240B29-F687-4f45-9708-019B960494DF}">
-                <a14:hiddenLine xmlns="" xmlns:a14="http://schemas.microsoft.com/office/drawing/2010/main" w="9525">
+                <a14:hiddenLine xmlns:a14="http://schemas.microsoft.com/office/drawing/2010/main" xmlns="" w="9525">
                   <a:solidFill>
                     <a:srgbClr val="000000"/>
                   </a:solidFill>
@@ -2799,7 +2800,7 @@
             </a:ln>
             <a:extLst>
               <a:ext uri="{91240B29-F687-4f45-9708-019B960494DF}">
-                <a14:hiddenLine xmlns="" xmlns:a14="http://schemas.microsoft.com/office/drawing/2010/main" w="9525">
+                <a14:hiddenLine xmlns:a14="http://schemas.microsoft.com/office/drawing/2010/main" xmlns="" w="9525">
                   <a:solidFill>
                     <a:srgbClr val="000000"/>
                   </a:solidFill>
@@ -2889,7 +2890,7 @@
             </a:ln>
             <a:extLst>
               <a:ext uri="{91240B29-F687-4f45-9708-019B960494DF}">
-                <a14:hiddenLine xmlns="" xmlns:a14="http://schemas.microsoft.com/office/drawing/2010/main" w="9525">
+                <a14:hiddenLine xmlns:a14="http://schemas.microsoft.com/office/drawing/2010/main" xmlns="" w="9525">
                   <a:solidFill>
                     <a:srgbClr val="000000"/>
                   </a:solidFill>
@@ -2951,7 +2952,7 @@
             </a:ln>
             <a:extLst>
               <a:ext uri="{91240B29-F687-4f45-9708-019B960494DF}">
-                <a14:hiddenLine xmlns="" xmlns:a14="http://schemas.microsoft.com/office/drawing/2010/main" w="9525">
+                <a14:hiddenLine xmlns:a14="http://schemas.microsoft.com/office/drawing/2010/main" xmlns="" w="9525">
                   <a:solidFill>
                     <a:srgbClr val="000000"/>
                   </a:solidFill>
@@ -3041,7 +3042,7 @@
             </a:ln>
             <a:extLst>
               <a:ext uri="{91240B29-F687-4f45-9708-019B960494DF}">
-                <a14:hiddenLine xmlns="" xmlns:a14="http://schemas.microsoft.com/office/drawing/2010/main" w="9525">
+                <a14:hiddenLine xmlns:a14="http://schemas.microsoft.com/office/drawing/2010/main" xmlns="" w="9525">
                   <a:solidFill>
                     <a:srgbClr val="000000"/>
                   </a:solidFill>
@@ -3103,7 +3104,7 @@
             </a:ln>
             <a:extLst>
               <a:ext uri="{91240B29-F687-4f45-9708-019B960494DF}">
-                <a14:hiddenLine xmlns="" xmlns:a14="http://schemas.microsoft.com/office/drawing/2010/main" w="9525">
+                <a14:hiddenLine xmlns:a14="http://schemas.microsoft.com/office/drawing/2010/main" xmlns="" w="9525">
                   <a:solidFill>
                     <a:srgbClr val="000000"/>
                   </a:solidFill>
@@ -3193,7 +3194,7 @@
             </a:ln>
             <a:extLst>
               <a:ext uri="{91240B29-F687-4f45-9708-019B960494DF}">
-                <a14:hiddenLine xmlns="" xmlns:a14="http://schemas.microsoft.com/office/drawing/2010/main" w="9525">
+                <a14:hiddenLine xmlns:a14="http://schemas.microsoft.com/office/drawing/2010/main" xmlns="" w="9525">
                   <a:solidFill>
                     <a:srgbClr val="000000"/>
                   </a:solidFill>
@@ -3227,7 +3228,7 @@
             </a:ln>
             <a:extLst>
               <a:ext uri="{91240B29-F687-4f45-9708-019B960494DF}">
-                <a14:hiddenLine xmlns="" xmlns:a14="http://schemas.microsoft.com/office/drawing/2010/main" w="9525">
+                <a14:hiddenLine xmlns:a14="http://schemas.microsoft.com/office/drawing/2010/main" xmlns="" w="9525">
                   <a:solidFill>
                     <a:srgbClr val="000000"/>
                   </a:solidFill>
@@ -3292,7 +3293,7 @@
             </a:ln>
             <a:extLst>
               <a:ext uri="{91240B29-F687-4f45-9708-019B960494DF}">
-                <a14:hiddenLine xmlns="" xmlns:a14="http://schemas.microsoft.com/office/drawing/2010/main" w="9525">
+                <a14:hiddenLine xmlns:a14="http://schemas.microsoft.com/office/drawing/2010/main" xmlns="" w="9525">
                   <a:solidFill>
                     <a:srgbClr val="000000"/>
                   </a:solidFill>
@@ -3382,7 +3383,7 @@
             </a:ln>
             <a:extLst>
               <a:ext uri="{91240B29-F687-4f45-9708-019B960494DF}">
-                <a14:hiddenLine xmlns="" xmlns:a14="http://schemas.microsoft.com/office/drawing/2010/main" w="9525">
+                <a14:hiddenLine xmlns:a14="http://schemas.microsoft.com/office/drawing/2010/main" xmlns="" w="9525">
                   <a:solidFill>
                     <a:srgbClr val="000000"/>
                   </a:solidFill>
@@ -3444,7 +3445,7 @@
             </a:ln>
             <a:extLst>
               <a:ext uri="{91240B29-F687-4f45-9708-019B960494DF}">
-                <a14:hiddenLine xmlns="" xmlns:a14="http://schemas.microsoft.com/office/drawing/2010/main" w="9525">
+                <a14:hiddenLine xmlns:a14="http://schemas.microsoft.com/office/drawing/2010/main" xmlns="" w="9525">
                   <a:solidFill>
                     <a:srgbClr val="000000"/>
                   </a:solidFill>
@@ -3534,7 +3535,7 @@
             </a:ln>
             <a:extLst>
               <a:ext uri="{91240B29-F687-4f45-9708-019B960494DF}">
-                <a14:hiddenLine xmlns="" xmlns:a14="http://schemas.microsoft.com/office/drawing/2010/main" w="9525">
+                <a14:hiddenLine xmlns:a14="http://schemas.microsoft.com/office/drawing/2010/main" xmlns="" w="9525">
                   <a:solidFill>
                     <a:srgbClr val="000000"/>
                   </a:solidFill>
@@ -3624,7 +3625,7 @@
             </a:ln>
             <a:extLst>
               <a:ext uri="{91240B29-F687-4f45-9708-019B960494DF}">
-                <a14:hiddenLine xmlns="" xmlns:a14="http://schemas.microsoft.com/office/drawing/2010/main" w="9525">
+                <a14:hiddenLine xmlns:a14="http://schemas.microsoft.com/office/drawing/2010/main" xmlns="" w="9525">
                   <a:solidFill>
                     <a:srgbClr val="000000"/>
                   </a:solidFill>
@@ -3689,7 +3690,7 @@
             </a:ln>
             <a:extLst>
               <a:ext uri="{91240B29-F687-4f45-9708-019B960494DF}">
-                <a14:hiddenLine xmlns="" xmlns:a14="http://schemas.microsoft.com/office/drawing/2010/main" w="9525">
+                <a14:hiddenLine xmlns:a14="http://schemas.microsoft.com/office/drawing/2010/main" xmlns="" w="9525">
                   <a:solidFill>
                     <a:srgbClr val="000000"/>
                   </a:solidFill>
@@ -3751,7 +3752,7 @@
             </a:ln>
             <a:extLst>
               <a:ext uri="{91240B29-F687-4f45-9708-019B960494DF}">
-                <a14:hiddenLine xmlns="" xmlns:a14="http://schemas.microsoft.com/office/drawing/2010/main" w="9525">
+                <a14:hiddenLine xmlns:a14="http://schemas.microsoft.com/office/drawing/2010/main" xmlns="" w="9525">
                   <a:solidFill>
                     <a:srgbClr val="000000"/>
                   </a:solidFill>
@@ -3841,7 +3842,7 @@
             </a:ln>
             <a:extLst>
               <a:ext uri="{91240B29-F687-4f45-9708-019B960494DF}">
-                <a14:hiddenLine xmlns="" xmlns:a14="http://schemas.microsoft.com/office/drawing/2010/main" w="9525">
+                <a14:hiddenLine xmlns:a14="http://schemas.microsoft.com/office/drawing/2010/main" xmlns="" w="9525">
                   <a:solidFill>
                     <a:srgbClr val="000000"/>
                   </a:solidFill>
@@ -3931,7 +3932,7 @@
             </a:ln>
             <a:extLst>
               <a:ext uri="{91240B29-F687-4f45-9708-019B960494DF}">
-                <a14:hiddenLine xmlns="" xmlns:a14="http://schemas.microsoft.com/office/drawing/2010/main" w="9525">
+                <a14:hiddenLine xmlns:a14="http://schemas.microsoft.com/office/drawing/2010/main" xmlns="" w="9525">
                   <a:solidFill>
                     <a:srgbClr val="000000"/>
                   </a:solidFill>
@@ -3993,7 +3994,7 @@
             </a:ln>
             <a:extLst>
               <a:ext uri="{91240B29-F687-4f45-9708-019B960494DF}">
-                <a14:hiddenLine xmlns="" xmlns:a14="http://schemas.microsoft.com/office/drawing/2010/main" w="9525">
+                <a14:hiddenLine xmlns:a14="http://schemas.microsoft.com/office/drawing/2010/main" xmlns="" w="9525">
                   <a:solidFill>
                     <a:srgbClr val="000000"/>
                   </a:solidFill>
@@ -4113,7 +4114,7 @@
             </a:ln>
             <a:extLst>
               <a:ext uri="{91240B29-F687-4f45-9708-019B960494DF}">
-                <a14:hiddenLine xmlns="" xmlns:a14="http://schemas.microsoft.com/office/drawing/2010/main" w="9525">
+                <a14:hiddenLine xmlns:a14="http://schemas.microsoft.com/office/drawing/2010/main" xmlns="" w="9525">
                   <a:solidFill>
                     <a:srgbClr val="000000"/>
                   </a:solidFill>
@@ -4181,7 +4182,7 @@
             </a:ln>
             <a:extLst>
               <a:ext uri="{91240B29-F687-4f45-9708-019B960494DF}">
-                <a14:hiddenLine xmlns="" xmlns:a14="http://schemas.microsoft.com/office/drawing/2010/main" w="9525">
+                <a14:hiddenLine xmlns:a14="http://schemas.microsoft.com/office/drawing/2010/main" xmlns="" w="9525">
                   <a:solidFill>
                     <a:srgbClr val="000000"/>
                   </a:solidFill>
@@ -4271,7 +4272,7 @@
             </a:ln>
             <a:extLst>
               <a:ext uri="{91240B29-F687-4f45-9708-019B960494DF}">
-                <a14:hiddenLine xmlns="" xmlns:a14="http://schemas.microsoft.com/office/drawing/2010/main" w="9525">
+                <a14:hiddenLine xmlns:a14="http://schemas.microsoft.com/office/drawing/2010/main" xmlns="" w="9525">
                   <a:solidFill>
                     <a:srgbClr val="000000"/>
                   </a:solidFill>
@@ -8993,7 +8994,7 @@
           <a:noFill/>
           <a:extLst>
             <a:ext uri="{909E8E84-426E-40dd-AFC4-6F175D3DCCD1}">
-              <a14:hiddenFill xmlns="" xmlns:a14="http://schemas.microsoft.com/office/drawing/2010/main">
+              <a14:hiddenFill xmlns:a14="http://schemas.microsoft.com/office/drawing/2010/main" xmlns="">
                 <a:solidFill>
                   <a:srgbClr val="FFFFFF"/>
                 </a:solidFill>
@@ -9067,7 +9068,7 @@
               </a:ln>
               <a:extLst>
                 <a:ext uri="{91240B29-F687-4f45-9708-019B960494DF}">
-                  <a14:hiddenLine xmlns="" xmlns:a14="http://schemas.microsoft.com/office/drawing/2010/main" w="9525">
+                  <a14:hiddenLine xmlns:a14="http://schemas.microsoft.com/office/drawing/2010/main" xmlns="" w="9525">
                     <a:solidFill>
                       <a:srgbClr val="000000"/>
                     </a:solidFill>
@@ -9157,7 +9158,7 @@
               </a:ln>
               <a:extLst>
                 <a:ext uri="{91240B29-F687-4f45-9708-019B960494DF}">
-                  <a14:hiddenLine xmlns="" xmlns:a14="http://schemas.microsoft.com/office/drawing/2010/main" w="9525">
+                  <a14:hiddenLine xmlns:a14="http://schemas.microsoft.com/office/drawing/2010/main" xmlns="" w="9525">
                     <a:solidFill>
                       <a:srgbClr val="000000"/>
                     </a:solidFill>
@@ -9247,7 +9248,7 @@
               </a:ln>
               <a:extLst>
                 <a:ext uri="{91240B29-F687-4f45-9708-019B960494DF}">
-                  <a14:hiddenLine xmlns="" xmlns:a14="http://schemas.microsoft.com/office/drawing/2010/main" w="9525">
+                  <a14:hiddenLine xmlns:a14="http://schemas.microsoft.com/office/drawing/2010/main" xmlns="" w="9525">
                     <a:solidFill>
                       <a:srgbClr val="000000"/>
                     </a:solidFill>
@@ -9309,7 +9310,7 @@
               </a:ln>
               <a:extLst>
                 <a:ext uri="{91240B29-F687-4f45-9708-019B960494DF}">
-                  <a14:hiddenLine xmlns="" xmlns:a14="http://schemas.microsoft.com/office/drawing/2010/main" w="9525">
+                  <a14:hiddenLine xmlns:a14="http://schemas.microsoft.com/office/drawing/2010/main" xmlns="" w="9525">
                     <a:solidFill>
                       <a:srgbClr val="000000"/>
                     </a:solidFill>
@@ -9399,7 +9400,7 @@
               </a:ln>
               <a:extLst>
                 <a:ext uri="{91240B29-F687-4f45-9708-019B960494DF}">
-                  <a14:hiddenLine xmlns="" xmlns:a14="http://schemas.microsoft.com/office/drawing/2010/main" w="9525">
+                  <a14:hiddenLine xmlns:a14="http://schemas.microsoft.com/office/drawing/2010/main" xmlns="" w="9525">
                     <a:solidFill>
                       <a:srgbClr val="000000"/>
                     </a:solidFill>
@@ -9461,7 +9462,7 @@
               </a:ln>
               <a:extLst>
                 <a:ext uri="{91240B29-F687-4f45-9708-019B960494DF}">
-                  <a14:hiddenLine xmlns="" xmlns:a14="http://schemas.microsoft.com/office/drawing/2010/main" w="9525">
+                  <a14:hiddenLine xmlns:a14="http://schemas.microsoft.com/office/drawing/2010/main" xmlns="" w="9525">
                     <a:solidFill>
                       <a:srgbClr val="000000"/>
                     </a:solidFill>
@@ -9523,7 +9524,7 @@
               </a:ln>
               <a:extLst>
                 <a:ext uri="{91240B29-F687-4f45-9708-019B960494DF}">
-                  <a14:hiddenLine xmlns="" xmlns:a14="http://schemas.microsoft.com/office/drawing/2010/main" w="9525">
+                  <a14:hiddenLine xmlns:a14="http://schemas.microsoft.com/office/drawing/2010/main" xmlns="" w="9525">
                     <a:solidFill>
                       <a:srgbClr val="000000"/>
                     </a:solidFill>
@@ -9613,7 +9614,7 @@
               </a:ln>
               <a:extLst>
                 <a:ext uri="{91240B29-F687-4f45-9708-019B960494DF}">
-                  <a14:hiddenLine xmlns="" xmlns:a14="http://schemas.microsoft.com/office/drawing/2010/main" w="9525">
+                  <a14:hiddenLine xmlns:a14="http://schemas.microsoft.com/office/drawing/2010/main" xmlns="" w="9525">
                     <a:solidFill>
                       <a:srgbClr val="000000"/>
                     </a:solidFill>
@@ -9703,7 +9704,7 @@
               </a:ln>
               <a:extLst>
                 <a:ext uri="{91240B29-F687-4f45-9708-019B960494DF}">
-                  <a14:hiddenLine xmlns="" xmlns:a14="http://schemas.microsoft.com/office/drawing/2010/main" w="9525">
+                  <a14:hiddenLine xmlns:a14="http://schemas.microsoft.com/office/drawing/2010/main" xmlns="" w="9525">
                     <a:solidFill>
                       <a:srgbClr val="000000"/>
                     </a:solidFill>
@@ -9765,7 +9766,7 @@
               </a:ln>
               <a:extLst>
                 <a:ext uri="{91240B29-F687-4f45-9708-019B960494DF}">
-                  <a14:hiddenLine xmlns="" xmlns:a14="http://schemas.microsoft.com/office/drawing/2010/main" w="9525">
+                  <a14:hiddenLine xmlns:a14="http://schemas.microsoft.com/office/drawing/2010/main" xmlns="" w="9525">
                     <a:solidFill>
                       <a:srgbClr val="000000"/>
                     </a:solidFill>
@@ -9875,7 +9876,7 @@
               </a:ln>
               <a:extLst>
                 <a:ext uri="{91240B29-F687-4f45-9708-019B960494DF}">
-                  <a14:hiddenLine xmlns="" xmlns:a14="http://schemas.microsoft.com/office/drawing/2010/main" w="9525">
+                  <a14:hiddenLine xmlns:a14="http://schemas.microsoft.com/office/drawing/2010/main" xmlns="" w="9525">
                     <a:solidFill>
                       <a:srgbClr val="000000"/>
                     </a:solidFill>
@@ -9959,7 +9960,7 @@
               </a:ln>
               <a:extLst>
                 <a:ext uri="{91240B29-F687-4f45-9708-019B960494DF}">
-                  <a14:hiddenLine xmlns="" xmlns:a14="http://schemas.microsoft.com/office/drawing/2010/main" w="9525">
+                  <a14:hiddenLine xmlns:a14="http://schemas.microsoft.com/office/drawing/2010/main" xmlns="" w="9525">
                     <a:solidFill>
                       <a:srgbClr val="000000"/>
                     </a:solidFill>
@@ -10021,7 +10022,7 @@
               </a:ln>
               <a:extLst>
                 <a:ext uri="{91240B29-F687-4f45-9708-019B960494DF}">
-                  <a14:hiddenLine xmlns="" xmlns:a14="http://schemas.microsoft.com/office/drawing/2010/main" w="9525">
+                  <a14:hiddenLine xmlns:a14="http://schemas.microsoft.com/office/drawing/2010/main" xmlns="" w="9525">
                     <a:solidFill>
                       <a:srgbClr val="000000"/>
                     </a:solidFill>
@@ -10083,7 +10084,7 @@
               </a:ln>
               <a:extLst>
                 <a:ext uri="{91240B29-F687-4f45-9708-019B960494DF}">
-                  <a14:hiddenLine xmlns="" xmlns:a14="http://schemas.microsoft.com/office/drawing/2010/main" w="9525">
+                  <a14:hiddenLine xmlns:a14="http://schemas.microsoft.com/office/drawing/2010/main" xmlns="" w="9525">
                     <a:solidFill>
                       <a:srgbClr val="000000"/>
                     </a:solidFill>
@@ -10173,7 +10174,7 @@
               </a:ln>
               <a:extLst>
                 <a:ext uri="{91240B29-F687-4f45-9708-019B960494DF}">
-                  <a14:hiddenLine xmlns="" xmlns:a14="http://schemas.microsoft.com/office/drawing/2010/main" w="9525">
+                  <a14:hiddenLine xmlns:a14="http://schemas.microsoft.com/office/drawing/2010/main" xmlns="" w="9525">
                     <a:solidFill>
                       <a:srgbClr val="000000"/>
                     </a:solidFill>
@@ -10207,7 +10208,7 @@
               </a:ln>
               <a:extLst>
                 <a:ext uri="{91240B29-F687-4f45-9708-019B960494DF}">
-                  <a14:hiddenLine xmlns="" xmlns:a14="http://schemas.microsoft.com/office/drawing/2010/main" w="9525">
+                  <a14:hiddenLine xmlns:a14="http://schemas.microsoft.com/office/drawing/2010/main" xmlns="" w="9525">
                     <a:solidFill>
                       <a:srgbClr val="000000"/>
                     </a:solidFill>
@@ -10272,7 +10273,7 @@
               </a:ln>
               <a:extLst>
                 <a:ext uri="{91240B29-F687-4f45-9708-019B960494DF}">
-                  <a14:hiddenLine xmlns="" xmlns:a14="http://schemas.microsoft.com/office/drawing/2010/main" w="9525">
+                  <a14:hiddenLine xmlns:a14="http://schemas.microsoft.com/office/drawing/2010/main" xmlns="" w="9525">
                     <a:solidFill>
                       <a:srgbClr val="000000"/>
                     </a:solidFill>
@@ -10362,7 +10363,7 @@
               </a:ln>
               <a:extLst>
                 <a:ext uri="{91240B29-F687-4f45-9708-019B960494DF}">
-                  <a14:hiddenLine xmlns="" xmlns:a14="http://schemas.microsoft.com/office/drawing/2010/main" w="9525">
+                  <a14:hiddenLine xmlns:a14="http://schemas.microsoft.com/office/drawing/2010/main" xmlns="" w="9525">
                     <a:solidFill>
                       <a:srgbClr val="000000"/>
                     </a:solidFill>
@@ -10424,7 +10425,7 @@
               </a:ln>
               <a:extLst>
                 <a:ext uri="{91240B29-F687-4f45-9708-019B960494DF}">
-                  <a14:hiddenLine xmlns="" xmlns:a14="http://schemas.microsoft.com/office/drawing/2010/main" w="9525">
+                  <a14:hiddenLine xmlns:a14="http://schemas.microsoft.com/office/drawing/2010/main" xmlns="" w="9525">
                     <a:solidFill>
                       <a:srgbClr val="000000"/>
                     </a:solidFill>
@@ -10514,7 +10515,7 @@
               </a:ln>
               <a:extLst>
                 <a:ext uri="{91240B29-F687-4f45-9708-019B960494DF}">
-                  <a14:hiddenLine xmlns="" xmlns:a14="http://schemas.microsoft.com/office/drawing/2010/main" w="9525">
+                  <a14:hiddenLine xmlns:a14="http://schemas.microsoft.com/office/drawing/2010/main" xmlns="" w="9525">
                     <a:solidFill>
                       <a:srgbClr val="000000"/>
                     </a:solidFill>
@@ -10579,7 +10580,7 @@
               </a:ln>
               <a:extLst>
                 <a:ext uri="{91240B29-F687-4f45-9708-019B960494DF}">
-                  <a14:hiddenLine xmlns="" xmlns:a14="http://schemas.microsoft.com/office/drawing/2010/main" w="9525">
+                  <a14:hiddenLine xmlns:a14="http://schemas.microsoft.com/office/drawing/2010/main" xmlns="" w="9525">
                     <a:solidFill>
                       <a:srgbClr val="000000"/>
                     </a:solidFill>
@@ -10641,7 +10642,7 @@
               </a:ln>
               <a:extLst>
                 <a:ext uri="{91240B29-F687-4f45-9708-019B960494DF}">
-                  <a14:hiddenLine xmlns="" xmlns:a14="http://schemas.microsoft.com/office/drawing/2010/main" w="9525">
+                  <a14:hiddenLine xmlns:a14="http://schemas.microsoft.com/office/drawing/2010/main" xmlns="" w="9525">
                     <a:solidFill>
                       <a:srgbClr val="000000"/>
                     </a:solidFill>
@@ -10731,7 +10732,7 @@
               </a:ln>
               <a:extLst>
                 <a:ext uri="{91240B29-F687-4f45-9708-019B960494DF}">
-                  <a14:hiddenLine xmlns="" xmlns:a14="http://schemas.microsoft.com/office/drawing/2010/main" w="9525">
+                  <a14:hiddenLine xmlns:a14="http://schemas.microsoft.com/office/drawing/2010/main" xmlns="" w="9525">
                     <a:solidFill>
                       <a:srgbClr val="000000"/>
                     </a:solidFill>
@@ -10821,7 +10822,7 @@
               </a:ln>
               <a:extLst>
                 <a:ext uri="{91240B29-F687-4f45-9708-019B960494DF}">
-                  <a14:hiddenLine xmlns="" xmlns:a14="http://schemas.microsoft.com/office/drawing/2010/main" w="9525">
+                  <a14:hiddenLine xmlns:a14="http://schemas.microsoft.com/office/drawing/2010/main" xmlns="" w="9525">
                     <a:solidFill>
                       <a:srgbClr val="000000"/>
                     </a:solidFill>
@@ -10886,7 +10887,7 @@
               </a:ln>
               <a:extLst>
                 <a:ext uri="{91240B29-F687-4f45-9708-019B960494DF}">
-                  <a14:hiddenLine xmlns="" xmlns:a14="http://schemas.microsoft.com/office/drawing/2010/main" w="9525">
+                  <a14:hiddenLine xmlns:a14="http://schemas.microsoft.com/office/drawing/2010/main" xmlns="" w="9525">
                     <a:solidFill>
                       <a:srgbClr val="000000"/>
                     </a:solidFill>
@@ -11006,7 +11007,7 @@
               </a:ln>
               <a:extLst>
                 <a:ext uri="{91240B29-F687-4f45-9708-019B960494DF}">
-                  <a14:hiddenLine xmlns="" xmlns:a14="http://schemas.microsoft.com/office/drawing/2010/main" w="9525">
+                  <a14:hiddenLine xmlns:a14="http://schemas.microsoft.com/office/drawing/2010/main" xmlns="" w="9525">
                     <a:solidFill>
                       <a:srgbClr val="000000"/>
                     </a:solidFill>
@@ -11104,7 +11105,7 @@
               </a:ln>
               <a:extLst>
                 <a:ext uri="{91240B29-F687-4f45-9708-019B960494DF}">
-                  <a14:hiddenLine xmlns="" xmlns:a14="http://schemas.microsoft.com/office/drawing/2010/main" w="9525">
+                  <a14:hiddenLine xmlns:a14="http://schemas.microsoft.com/office/drawing/2010/main" xmlns="" w="9525">
                     <a:solidFill>
                       <a:srgbClr val="000000"/>
                     </a:solidFill>
@@ -11219,7 +11220,7 @@
               </a:ln>
               <a:extLst>
                 <a:ext uri="{91240B29-F687-4f45-9708-019B960494DF}">
-                  <a14:hiddenLine xmlns="" xmlns:a14="http://schemas.microsoft.com/office/drawing/2010/main" w="9525">
+                  <a14:hiddenLine xmlns:a14="http://schemas.microsoft.com/office/drawing/2010/main" xmlns="" w="9525">
                     <a:solidFill>
                       <a:srgbClr val="000000"/>
                     </a:solidFill>
@@ -11309,7 +11310,7 @@
               </a:ln>
               <a:extLst>
                 <a:ext uri="{91240B29-F687-4f45-9708-019B960494DF}">
-                  <a14:hiddenLine xmlns="" xmlns:a14="http://schemas.microsoft.com/office/drawing/2010/main" w="9525">
+                  <a14:hiddenLine xmlns:a14="http://schemas.microsoft.com/office/drawing/2010/main" xmlns="" w="9525">
                     <a:solidFill>
                       <a:srgbClr val="000000"/>
                     </a:solidFill>
@@ -11374,7 +11375,7 @@
               </a:ln>
               <a:extLst>
                 <a:ext uri="{91240B29-F687-4f45-9708-019B960494DF}">
-                  <a14:hiddenLine xmlns="" xmlns:a14="http://schemas.microsoft.com/office/drawing/2010/main" w="9525">
+                  <a14:hiddenLine xmlns:a14="http://schemas.microsoft.com/office/drawing/2010/main" xmlns="" w="9525">
                     <a:solidFill>
                       <a:srgbClr val="000000"/>
                     </a:solidFill>
@@ -11464,7 +11465,7 @@
               </a:ln>
               <a:extLst>
                 <a:ext uri="{91240B29-F687-4f45-9708-019B960494DF}">
-                  <a14:hiddenLine xmlns="" xmlns:a14="http://schemas.microsoft.com/office/drawing/2010/main" w="9525">
+                  <a14:hiddenLine xmlns:a14="http://schemas.microsoft.com/office/drawing/2010/main" xmlns="" w="9525">
                     <a:solidFill>
                       <a:srgbClr val="000000"/>
                     </a:solidFill>
@@ -11532,7 +11533,7 @@
               </a:ln>
               <a:extLst>
                 <a:ext uri="{91240B29-F687-4f45-9708-019B960494DF}">
-                  <a14:hiddenLine xmlns="" xmlns:a14="http://schemas.microsoft.com/office/drawing/2010/main" w="9525">
+                  <a14:hiddenLine xmlns:a14="http://schemas.microsoft.com/office/drawing/2010/main" xmlns="" w="9525">
                     <a:solidFill>
                       <a:srgbClr val="000000"/>
                     </a:solidFill>
@@ -11622,7 +11623,7 @@
               </a:ln>
               <a:extLst>
                 <a:ext uri="{91240B29-F687-4f45-9708-019B960494DF}">
-                  <a14:hiddenLine xmlns="" xmlns:a14="http://schemas.microsoft.com/office/drawing/2010/main" w="9525">
+                  <a14:hiddenLine xmlns:a14="http://schemas.microsoft.com/office/drawing/2010/main" xmlns="" w="9525">
                     <a:solidFill>
                       <a:srgbClr val="000000"/>
                     </a:solidFill>
@@ -11690,7 +11691,7 @@
               </a:ln>
               <a:extLst>
                 <a:ext uri="{91240B29-F687-4f45-9708-019B960494DF}">
-                  <a14:hiddenLine xmlns="" xmlns:a14="http://schemas.microsoft.com/office/drawing/2010/main" w="9525">
+                  <a14:hiddenLine xmlns:a14="http://schemas.microsoft.com/office/drawing/2010/main" xmlns="" w="9525">
                     <a:solidFill>
                       <a:srgbClr val="000000"/>
                     </a:solidFill>
@@ -11780,7 +11781,7 @@
               </a:ln>
               <a:extLst>
                 <a:ext uri="{91240B29-F687-4f45-9708-019B960494DF}">
-                  <a14:hiddenLine xmlns="" xmlns:a14="http://schemas.microsoft.com/office/drawing/2010/main" w="9525">
+                  <a14:hiddenLine xmlns:a14="http://schemas.microsoft.com/office/drawing/2010/main" xmlns="" w="9525">
                     <a:solidFill>
                       <a:srgbClr val="000000"/>
                     </a:solidFill>
@@ -11814,7 +11815,7 @@
               </a:ln>
               <a:extLst>
                 <a:ext uri="{91240B29-F687-4f45-9708-019B960494DF}">
-                  <a14:hiddenLine xmlns="" xmlns:a14="http://schemas.microsoft.com/office/drawing/2010/main" w="9525">
+                  <a14:hiddenLine xmlns:a14="http://schemas.microsoft.com/office/drawing/2010/main" xmlns="" w="9525">
                     <a:solidFill>
                       <a:srgbClr val="000000"/>
                     </a:solidFill>
@@ -18814,6 +18815,214 @@
 </p:sld>
 </file>
 
+<file path=ppt/slides/slide25.xml><?xml version="1.0" encoding="utf-8"?>
+<p:sld xmlns:a="http://schemas.openxmlformats.org/drawingml/2006/main" xmlns:r="http://schemas.openxmlformats.org/officeDocument/2006/relationships" xmlns:p="http://schemas.openxmlformats.org/presentationml/2006/main">
+  <p:cSld>
+    <p:spTree>
+      <p:nvGrpSpPr>
+        <p:cNvPr id="1" name=""/>
+        <p:cNvGrpSpPr/>
+        <p:nvPr/>
+      </p:nvGrpSpPr>
+      <p:grpSpPr>
+        <a:xfrm>
+          <a:off x="0" y="0"/>
+          <a:ext cx="0" cy="0"/>
+          <a:chOff x="0" y="0"/>
+          <a:chExt cx="0" cy="0"/>
+        </a:xfrm>
+      </p:grpSpPr>
+      <p:sp>
+        <p:nvSpPr>
+          <p:cNvPr id="2" name="Título 1">
+            <a:extLst>
+              <a:ext uri="{FF2B5EF4-FFF2-40B4-BE49-F238E27FC236}">
+                <a16:creationId xmlns:a16="http://schemas.microsoft.com/office/drawing/2014/main" id="{1C95E134-8109-4269-A810-293045D1C69F}"/>
+              </a:ext>
+            </a:extLst>
+          </p:cNvPr>
+          <p:cNvSpPr>
+            <a:spLocks noGrp="1"/>
+          </p:cNvSpPr>
+          <p:nvPr>
+            <p:ph type="title"/>
+          </p:nvPr>
+        </p:nvSpPr>
+        <p:spPr/>
+        <p:txBody>
+          <a:bodyPr/>
+          <a:lstStyle/>
+          <a:p>
+            <a:r>
+              <a:rPr lang="es-ES" dirty="0"/>
+              <a:t>10.2. Trámites para la puesta en marcha</a:t>
+            </a:r>
+          </a:p>
+        </p:txBody>
+      </p:sp>
+      <p:sp>
+        <p:nvSpPr>
+          <p:cNvPr id="4" name="CuadroTexto 3">
+            <a:extLst>
+              <a:ext uri="{FF2B5EF4-FFF2-40B4-BE49-F238E27FC236}">
+                <a16:creationId xmlns:a16="http://schemas.microsoft.com/office/drawing/2014/main" id="{6FA57B6B-26A5-4187-AAB5-B815B5D90064}"/>
+              </a:ext>
+            </a:extLst>
+          </p:cNvPr>
+          <p:cNvSpPr txBox="1"/>
+          <p:nvPr/>
+        </p:nvSpPr>
+        <p:spPr>
+          <a:xfrm>
+            <a:off x="641684" y="1959737"/>
+            <a:ext cx="10250905" cy="2677656"/>
+          </a:xfrm>
+          <a:prstGeom prst="rect">
+            <a:avLst/>
+          </a:prstGeom>
+          <a:noFill/>
+        </p:spPr>
+        <p:txBody>
+          <a:bodyPr wrap="square" rtlCol="0">
+            <a:spAutoFit/>
+          </a:bodyPr>
+          <a:lstStyle/>
+          <a:p>
+            <a:pPr marL="800100" lvl="1" indent="-342900" algn="just">
+              <a:buFont typeface="Arial" panose="020B0604020202020204" pitchFamily="34" charset="0"/>
+              <a:buChar char="•"/>
+            </a:pPr>
+            <a:r>
+              <a:rPr lang="es-ES" sz="2400" dirty="0">
+                <a:latin typeface="Times New Roman" panose="02020603050405020304" pitchFamily="18" charset="0"/>
+                <a:cs typeface="Times New Roman" panose="02020603050405020304" pitchFamily="18" charset="0"/>
+              </a:rPr>
+              <a:t>Obtención de Certificado Digital.</a:t>
+            </a:r>
+          </a:p>
+          <a:p>
+            <a:pPr marL="800100" lvl="1" indent="-342900" algn="just">
+              <a:buFont typeface="Arial" panose="020B0604020202020204" pitchFamily="34" charset="0"/>
+              <a:buChar char="•"/>
+            </a:pPr>
+            <a:r>
+              <a:rPr lang="es-ES" sz="2400" dirty="0">
+                <a:latin typeface="Times New Roman" panose="02020603050405020304" pitchFamily="18" charset="0"/>
+                <a:cs typeface="Times New Roman" panose="02020603050405020304" pitchFamily="18" charset="0"/>
+              </a:rPr>
+              <a:t>Alta en el Censo de Empresarios de la Agencia Tributaria.</a:t>
+            </a:r>
+          </a:p>
+          <a:p>
+            <a:pPr marL="800100" lvl="1" indent="-342900" algn="just">
+              <a:buFont typeface="Arial" panose="020B0604020202020204" pitchFamily="34" charset="0"/>
+              <a:buChar char="•"/>
+            </a:pPr>
+            <a:r>
+              <a:rPr lang="es-ES" sz="2400" dirty="0">
+                <a:latin typeface="Times New Roman" panose="02020603050405020304" pitchFamily="18" charset="0"/>
+                <a:cs typeface="Times New Roman" panose="02020603050405020304" pitchFamily="18" charset="0"/>
+              </a:rPr>
+              <a:t>Alta de los socios en el Régimen Especial de Trabajadores.</a:t>
+            </a:r>
+          </a:p>
+          <a:p>
+            <a:pPr marL="800100" lvl="1" indent="-342900" algn="just">
+              <a:buFont typeface="Arial" panose="020B0604020202020204" pitchFamily="34" charset="0"/>
+              <a:buChar char="•"/>
+            </a:pPr>
+            <a:r>
+              <a:rPr lang="es-ES" sz="2400" dirty="0">
+                <a:latin typeface="Times New Roman" panose="02020603050405020304" pitchFamily="18" charset="0"/>
+                <a:cs typeface="Times New Roman" panose="02020603050405020304" pitchFamily="18" charset="0"/>
+              </a:rPr>
+              <a:t>Inscripción de la empresa en la SS.</a:t>
+            </a:r>
+          </a:p>
+          <a:p>
+            <a:pPr marL="800100" lvl="1" indent="-342900" algn="just">
+              <a:buFont typeface="Arial" panose="020B0604020202020204" pitchFamily="34" charset="0"/>
+              <a:buChar char="•"/>
+            </a:pPr>
+            <a:r>
+              <a:rPr lang="es-ES" sz="2400" dirty="0">
+                <a:latin typeface="Times New Roman" panose="02020603050405020304" pitchFamily="18" charset="0"/>
+                <a:cs typeface="Times New Roman" panose="02020603050405020304" pitchFamily="18" charset="0"/>
+              </a:rPr>
+              <a:t>Comunicación de apertura del centro de trabajo a la Conserjería de Trabajo.</a:t>
+            </a:r>
+          </a:p>
+          <a:p>
+            <a:pPr marL="800100" lvl="1" indent="-342900" algn="just">
+              <a:buFont typeface="Arial" panose="020B0604020202020204" pitchFamily="34" charset="0"/>
+              <a:buChar char="•"/>
+            </a:pPr>
+            <a:r>
+              <a:rPr lang="es-ES" sz="2400" dirty="0">
+                <a:latin typeface="Times New Roman" panose="02020603050405020304" pitchFamily="18" charset="0"/>
+                <a:cs typeface="Times New Roman" panose="02020603050405020304" pitchFamily="18" charset="0"/>
+              </a:rPr>
+              <a:t>Afiliación de los trabajadores a la SS.</a:t>
+            </a:r>
+          </a:p>
+          <a:p>
+            <a:pPr marL="800100" lvl="1" indent="-342900" algn="just">
+              <a:buFont typeface="Arial" panose="020B0604020202020204" pitchFamily="34" charset="0"/>
+              <a:buChar char="•"/>
+            </a:pPr>
+            <a:r>
+              <a:rPr lang="es-ES" sz="2400" dirty="0">
+                <a:latin typeface="Times New Roman" panose="02020603050405020304" pitchFamily="18" charset="0"/>
+                <a:cs typeface="Times New Roman" panose="02020603050405020304" pitchFamily="18" charset="0"/>
+              </a:rPr>
+              <a:t>Contratación del Servicio de Prevención de Riesgos Laborales.</a:t>
+            </a:r>
+          </a:p>
+        </p:txBody>
+      </p:sp>
+      <p:pic>
+        <p:nvPicPr>
+          <p:cNvPr id="6" name="Imagen 5">
+            <a:extLst>
+              <a:ext uri="{FF2B5EF4-FFF2-40B4-BE49-F238E27FC236}">
+                <a16:creationId xmlns:a16="http://schemas.microsoft.com/office/drawing/2014/main" id="{770A9AAB-2DFA-4258-9984-725C5DFB6DCB}"/>
+              </a:ext>
+            </a:extLst>
+          </p:cNvPr>
+          <p:cNvPicPr>
+            <a:picLocks noChangeAspect="1"/>
+          </p:cNvPicPr>
+          <p:nvPr/>
+        </p:nvPicPr>
+        <p:blipFill>
+          <a:blip r:embed="rId2"/>
+          <a:stretch>
+            <a:fillRect/>
+          </a:stretch>
+        </p:blipFill>
+        <p:spPr>
+          <a:xfrm>
+            <a:off x="8064339" y="4637393"/>
+            <a:ext cx="2828250" cy="2121188"/>
+          </a:xfrm>
+          <a:prstGeom prst="rect">
+            <a:avLst/>
+          </a:prstGeom>
+        </p:spPr>
+      </p:pic>
+    </p:spTree>
+    <p:extLst>
+      <p:ext uri="{BB962C8B-B14F-4D97-AF65-F5344CB8AC3E}">
+        <p14:creationId xmlns:p14="http://schemas.microsoft.com/office/powerpoint/2010/main" val="3103127741"/>
+      </p:ext>
+    </p:extLst>
+  </p:cSld>
+  <p:clrMapOvr>
+    <a:masterClrMapping/>
+  </p:clrMapOvr>
+</p:sld>
+</file>
+
 <file path=ppt/slides/slide3.xml><?xml version="1.0" encoding="utf-8"?>
 <p:sld xmlns:a="http://schemas.openxmlformats.org/drawingml/2006/main" xmlns:r="http://schemas.openxmlformats.org/officeDocument/2006/relationships" xmlns:p="http://schemas.openxmlformats.org/presentationml/2006/main">
   <p:cSld>

--- a/VIRTUAL WALLET.pptx
+++ b/VIRTUAL WALLET.pptx
@@ -186,7 +186,7 @@
           <a:noFill/>
           <a:extLst>
             <a:ext uri="{909E8E84-426E-40dd-AFC4-6F175D3DCCD1}">
-              <a14:hiddenFill xmlns:a14="http://schemas.microsoft.com/office/drawing/2010/main" xmlns="">
+              <a14:hiddenFill xmlns="" xmlns:a14="http://schemas.microsoft.com/office/drawing/2010/main">
                 <a:solidFill>
                   <a:srgbClr val="FFFFFF"/>
                 </a:solidFill>
@@ -246,7 +246,7 @@
             </a:ln>
             <a:extLst>
               <a:ext uri="{91240B29-F687-4f45-9708-019B960494DF}">
-                <a14:hiddenLine xmlns:a14="http://schemas.microsoft.com/office/drawing/2010/main" xmlns="" w="9525">
+                <a14:hiddenLine xmlns="" xmlns:a14="http://schemas.microsoft.com/office/drawing/2010/main" w="9525">
                   <a:solidFill>
                     <a:srgbClr val="000000"/>
                   </a:solidFill>
@@ -336,7 +336,7 @@
             </a:ln>
             <a:extLst>
               <a:ext uri="{91240B29-F687-4f45-9708-019B960494DF}">
-                <a14:hiddenLine xmlns:a14="http://schemas.microsoft.com/office/drawing/2010/main" xmlns="" w="9525">
+                <a14:hiddenLine xmlns="" xmlns:a14="http://schemas.microsoft.com/office/drawing/2010/main" w="9525">
                   <a:solidFill>
                     <a:srgbClr val="000000"/>
                   </a:solidFill>
@@ -426,7 +426,7 @@
             </a:ln>
             <a:extLst>
               <a:ext uri="{91240B29-F687-4f45-9708-019B960494DF}">
-                <a14:hiddenLine xmlns:a14="http://schemas.microsoft.com/office/drawing/2010/main" xmlns="" w="9525">
+                <a14:hiddenLine xmlns="" xmlns:a14="http://schemas.microsoft.com/office/drawing/2010/main" w="9525">
                   <a:solidFill>
                     <a:srgbClr val="000000"/>
                   </a:solidFill>
@@ -460,7 +460,7 @@
             </a:ln>
             <a:extLst>
               <a:ext uri="{91240B29-F687-4f45-9708-019B960494DF}">
-                <a14:hiddenLine xmlns:a14="http://schemas.microsoft.com/office/drawing/2010/main" xmlns="" w="9525">
+                <a14:hiddenLine xmlns="" xmlns:a14="http://schemas.microsoft.com/office/drawing/2010/main" w="9525">
                   <a:solidFill>
                     <a:srgbClr val="000000"/>
                   </a:solidFill>
@@ -550,7 +550,7 @@
             </a:ln>
             <a:extLst>
               <a:ext uri="{91240B29-F687-4f45-9708-019B960494DF}">
-                <a14:hiddenLine xmlns:a14="http://schemas.microsoft.com/office/drawing/2010/main" xmlns="" w="9525">
+                <a14:hiddenLine xmlns="" xmlns:a14="http://schemas.microsoft.com/office/drawing/2010/main" w="9525">
                   <a:solidFill>
                     <a:srgbClr val="000000"/>
                   </a:solidFill>
@@ -612,7 +612,7 @@
             </a:ln>
             <a:extLst>
               <a:ext uri="{91240B29-F687-4f45-9708-019B960494DF}">
-                <a14:hiddenLine xmlns:a14="http://schemas.microsoft.com/office/drawing/2010/main" xmlns="" w="9525">
+                <a14:hiddenLine xmlns="" xmlns:a14="http://schemas.microsoft.com/office/drawing/2010/main" w="9525">
                   <a:solidFill>
                     <a:srgbClr val="000000"/>
                   </a:solidFill>
@@ -674,7 +674,7 @@
             </a:ln>
             <a:extLst>
               <a:ext uri="{91240B29-F687-4f45-9708-019B960494DF}">
-                <a14:hiddenLine xmlns:a14="http://schemas.microsoft.com/office/drawing/2010/main" xmlns="" w="9525">
+                <a14:hiddenLine xmlns="" xmlns:a14="http://schemas.microsoft.com/office/drawing/2010/main" w="9525">
                   <a:solidFill>
                     <a:srgbClr val="000000"/>
                   </a:solidFill>
@@ -764,7 +764,7 @@
             </a:ln>
             <a:extLst>
               <a:ext uri="{91240B29-F687-4f45-9708-019B960494DF}">
-                <a14:hiddenLine xmlns:a14="http://schemas.microsoft.com/office/drawing/2010/main" xmlns="" w="9525">
+                <a14:hiddenLine xmlns="" xmlns:a14="http://schemas.microsoft.com/office/drawing/2010/main" w="9525">
                   <a:solidFill>
                     <a:srgbClr val="000000"/>
                   </a:solidFill>
@@ -826,7 +826,7 @@
             </a:ln>
             <a:extLst>
               <a:ext uri="{91240B29-F687-4f45-9708-019B960494DF}">
-                <a14:hiddenLine xmlns:a14="http://schemas.microsoft.com/office/drawing/2010/main" xmlns="" w="9525">
+                <a14:hiddenLine xmlns="" xmlns:a14="http://schemas.microsoft.com/office/drawing/2010/main" w="9525">
                   <a:solidFill>
                     <a:srgbClr val="000000"/>
                   </a:solidFill>
@@ -888,7 +888,7 @@
             </a:ln>
             <a:extLst>
               <a:ext uri="{91240B29-F687-4f45-9708-019B960494DF}">
-                <a14:hiddenLine xmlns:a14="http://schemas.microsoft.com/office/drawing/2010/main" xmlns="" w="9525">
+                <a14:hiddenLine xmlns="" xmlns:a14="http://schemas.microsoft.com/office/drawing/2010/main" w="9525">
                   <a:solidFill>
                     <a:srgbClr val="000000"/>
                   </a:solidFill>
@@ -978,7 +978,7 @@
             </a:ln>
             <a:extLst>
               <a:ext uri="{91240B29-F687-4f45-9708-019B960494DF}">
-                <a14:hiddenLine xmlns:a14="http://schemas.microsoft.com/office/drawing/2010/main" xmlns="" w="9525">
+                <a14:hiddenLine xmlns="" xmlns:a14="http://schemas.microsoft.com/office/drawing/2010/main" w="9525">
                   <a:solidFill>
                     <a:srgbClr val="000000"/>
                   </a:solidFill>
@@ -1068,7 +1068,7 @@
             </a:ln>
             <a:extLst>
               <a:ext uri="{91240B29-F687-4f45-9708-019B960494DF}">
-                <a14:hiddenLine xmlns:a14="http://schemas.microsoft.com/office/drawing/2010/main" xmlns="" w="9525">
+                <a14:hiddenLine xmlns="" xmlns:a14="http://schemas.microsoft.com/office/drawing/2010/main" w="9525">
                   <a:solidFill>
                     <a:srgbClr val="000000"/>
                   </a:solidFill>
@@ -1130,7 +1130,7 @@
             </a:ln>
             <a:extLst>
               <a:ext uri="{91240B29-F687-4f45-9708-019B960494DF}">
-                <a14:hiddenLine xmlns:a14="http://schemas.microsoft.com/office/drawing/2010/main" xmlns="" w="9525">
+                <a14:hiddenLine xmlns="" xmlns:a14="http://schemas.microsoft.com/office/drawing/2010/main" w="9525">
                   <a:solidFill>
                     <a:srgbClr val="000000"/>
                   </a:solidFill>
@@ -1240,7 +1240,7 @@
             </a:ln>
             <a:extLst>
               <a:ext uri="{91240B29-F687-4f45-9708-019B960494DF}">
-                <a14:hiddenLine xmlns:a14="http://schemas.microsoft.com/office/drawing/2010/main" xmlns="" w="9525">
+                <a14:hiddenLine xmlns="" xmlns:a14="http://schemas.microsoft.com/office/drawing/2010/main" w="9525">
                   <a:solidFill>
                     <a:srgbClr val="000000"/>
                   </a:solidFill>
@@ -1302,7 +1302,7 @@
             </a:ln>
             <a:extLst>
               <a:ext uri="{91240B29-F687-4f45-9708-019B960494DF}">
-                <a14:hiddenLine xmlns:a14="http://schemas.microsoft.com/office/drawing/2010/main" xmlns="" w="9525">
+                <a14:hiddenLine xmlns="" xmlns:a14="http://schemas.microsoft.com/office/drawing/2010/main" w="9525">
                   <a:solidFill>
                     <a:srgbClr val="000000"/>
                   </a:solidFill>
@@ -1392,7 +1392,7 @@
             </a:ln>
             <a:extLst>
               <a:ext uri="{91240B29-F687-4f45-9708-019B960494DF}">
-                <a14:hiddenLine xmlns:a14="http://schemas.microsoft.com/office/drawing/2010/main" xmlns="" w="9525">
+                <a14:hiddenLine xmlns="" xmlns:a14="http://schemas.microsoft.com/office/drawing/2010/main" w="9525">
                   <a:solidFill>
                     <a:srgbClr val="000000"/>
                   </a:solidFill>
@@ -1482,7 +1482,7 @@
             </a:ln>
             <a:extLst>
               <a:ext uri="{91240B29-F687-4f45-9708-019B960494DF}">
-                <a14:hiddenLine xmlns:a14="http://schemas.microsoft.com/office/drawing/2010/main" xmlns="" w="9525">
+                <a14:hiddenLine xmlns="" xmlns:a14="http://schemas.microsoft.com/office/drawing/2010/main" w="9525">
                   <a:solidFill>
                     <a:srgbClr val="000000"/>
                   </a:solidFill>
@@ -1544,7 +1544,7 @@
             </a:ln>
             <a:extLst>
               <a:ext uri="{91240B29-F687-4f45-9708-019B960494DF}">
-                <a14:hiddenLine xmlns:a14="http://schemas.microsoft.com/office/drawing/2010/main" xmlns="" w="9525">
+                <a14:hiddenLine xmlns="" xmlns:a14="http://schemas.microsoft.com/office/drawing/2010/main" w="9525">
                   <a:solidFill>
                     <a:srgbClr val="000000"/>
                   </a:solidFill>
@@ -1634,7 +1634,7 @@
             </a:ln>
             <a:extLst>
               <a:ext uri="{91240B29-F687-4f45-9708-019B960494DF}">
-                <a14:hiddenLine xmlns:a14="http://schemas.microsoft.com/office/drawing/2010/main" xmlns="" w="9525">
+                <a14:hiddenLine xmlns="" xmlns:a14="http://schemas.microsoft.com/office/drawing/2010/main" w="9525">
                   <a:solidFill>
                     <a:srgbClr val="000000"/>
                   </a:solidFill>
@@ -1724,7 +1724,7 @@
             </a:ln>
             <a:extLst>
               <a:ext uri="{91240B29-F687-4f45-9708-019B960494DF}">
-                <a14:hiddenLine xmlns:a14="http://schemas.microsoft.com/office/drawing/2010/main" xmlns="" w="9525">
+                <a14:hiddenLine xmlns="" xmlns:a14="http://schemas.microsoft.com/office/drawing/2010/main" w="9525">
                   <a:solidFill>
                     <a:srgbClr val="000000"/>
                   </a:solidFill>
@@ -1780,7 +1780,7 @@
             </a:ln>
             <a:extLst>
               <a:ext uri="{91240B29-F687-4f45-9708-019B960494DF}">
-                <a14:hiddenLine xmlns:a14="http://schemas.microsoft.com/office/drawing/2010/main" xmlns="" w="9525">
+                <a14:hiddenLine xmlns="" xmlns:a14="http://schemas.microsoft.com/office/drawing/2010/main" w="9525">
                   <a:solidFill>
                     <a:srgbClr val="000000"/>
                   </a:solidFill>
@@ -1870,7 +1870,7 @@
             </a:ln>
             <a:extLst>
               <a:ext uri="{91240B29-F687-4f45-9708-019B960494DF}">
-                <a14:hiddenLine xmlns:a14="http://schemas.microsoft.com/office/drawing/2010/main" xmlns="" w="9525">
+                <a14:hiddenLine xmlns="" xmlns:a14="http://schemas.microsoft.com/office/drawing/2010/main" w="9525">
                   <a:solidFill>
                     <a:srgbClr val="000000"/>
                   </a:solidFill>
@@ -1926,7 +1926,7 @@
             </a:ln>
             <a:extLst>
               <a:ext uri="{91240B29-F687-4f45-9708-019B960494DF}">
-                <a14:hiddenLine xmlns:a14="http://schemas.microsoft.com/office/drawing/2010/main" xmlns="" w="9525">
+                <a14:hiddenLine xmlns="" xmlns:a14="http://schemas.microsoft.com/office/drawing/2010/main" w="9525">
                   <a:solidFill>
                     <a:srgbClr val="000000"/>
                   </a:solidFill>
@@ -2016,7 +2016,7 @@
             </a:ln>
             <a:extLst>
               <a:ext uri="{91240B29-F687-4f45-9708-019B960494DF}">
-                <a14:hiddenLine xmlns:a14="http://schemas.microsoft.com/office/drawing/2010/main" xmlns="" w="9525">
+                <a14:hiddenLine xmlns="" xmlns:a14="http://schemas.microsoft.com/office/drawing/2010/main" w="9525">
                   <a:solidFill>
                     <a:srgbClr val="000000"/>
                   </a:solidFill>
@@ -2084,7 +2084,7 @@
             </a:ln>
             <a:extLst>
               <a:ext uri="{91240B29-F687-4f45-9708-019B960494DF}">
-                <a14:hiddenLine xmlns:a14="http://schemas.microsoft.com/office/drawing/2010/main" xmlns="" w="9525">
+                <a14:hiddenLine xmlns="" xmlns:a14="http://schemas.microsoft.com/office/drawing/2010/main" w="9525">
                   <a:solidFill>
                     <a:srgbClr val="000000"/>
                   </a:solidFill>
@@ -2174,7 +2174,7 @@
             </a:ln>
             <a:extLst>
               <a:ext uri="{91240B29-F687-4f45-9708-019B960494DF}">
-                <a14:hiddenLine xmlns:a14="http://schemas.microsoft.com/office/drawing/2010/main" xmlns="" w="9525">
+                <a14:hiddenLine xmlns="" xmlns:a14="http://schemas.microsoft.com/office/drawing/2010/main" w="9525">
                   <a:solidFill>
                     <a:srgbClr val="000000"/>
                   </a:solidFill>
@@ -2242,7 +2242,7 @@
             </a:ln>
             <a:extLst>
               <a:ext uri="{91240B29-F687-4f45-9708-019B960494DF}">
-                <a14:hiddenLine xmlns:a14="http://schemas.microsoft.com/office/drawing/2010/main" xmlns="" w="9525">
+                <a14:hiddenLine xmlns="" xmlns:a14="http://schemas.microsoft.com/office/drawing/2010/main" w="9525">
                   <a:solidFill>
                     <a:srgbClr val="000000"/>
                   </a:solidFill>
@@ -2332,7 +2332,7 @@
             </a:ln>
             <a:extLst>
               <a:ext uri="{91240B29-F687-4f45-9708-019B960494DF}">
-                <a14:hiddenLine xmlns:a14="http://schemas.microsoft.com/office/drawing/2010/main" xmlns="" w="9525">
+                <a14:hiddenLine xmlns="" xmlns:a14="http://schemas.microsoft.com/office/drawing/2010/main" w="9525">
                   <a:solidFill>
                     <a:srgbClr val="000000"/>
                   </a:solidFill>
@@ -2366,7 +2366,7 @@
             </a:ln>
             <a:extLst>
               <a:ext uri="{91240B29-F687-4f45-9708-019B960494DF}">
-                <a14:hiddenLine xmlns:a14="http://schemas.microsoft.com/office/drawing/2010/main" xmlns="" w="9525">
+                <a14:hiddenLine xmlns="" xmlns:a14="http://schemas.microsoft.com/office/drawing/2010/main" w="9525">
                   <a:solidFill>
                     <a:srgbClr val="000000"/>
                   </a:solidFill>
@@ -2456,7 +2456,7 @@
             </a:ln>
             <a:extLst>
               <a:ext uri="{91240B29-F687-4f45-9708-019B960494DF}">
-                <a14:hiddenLine xmlns:a14="http://schemas.microsoft.com/office/drawing/2010/main" xmlns="" w="9525">
+                <a14:hiddenLine xmlns="" xmlns:a14="http://schemas.microsoft.com/office/drawing/2010/main" w="9525">
                   <a:solidFill>
                     <a:srgbClr val="000000"/>
                   </a:solidFill>
@@ -2518,7 +2518,7 @@
             </a:ln>
             <a:extLst>
               <a:ext uri="{91240B29-F687-4f45-9708-019B960494DF}">
-                <a14:hiddenLine xmlns:a14="http://schemas.microsoft.com/office/drawing/2010/main" xmlns="" w="9525">
+                <a14:hiddenLine xmlns="" xmlns:a14="http://schemas.microsoft.com/office/drawing/2010/main" w="9525">
                   <a:solidFill>
                     <a:srgbClr val="000000"/>
                   </a:solidFill>
@@ -2580,7 +2580,7 @@
             </a:ln>
             <a:extLst>
               <a:ext uri="{91240B29-F687-4f45-9708-019B960494DF}">
-                <a14:hiddenLine xmlns:a14="http://schemas.microsoft.com/office/drawing/2010/main" xmlns="" w="9525">
+                <a14:hiddenLine xmlns="" xmlns:a14="http://schemas.microsoft.com/office/drawing/2010/main" w="9525">
                   <a:solidFill>
                     <a:srgbClr val="000000"/>
                   </a:solidFill>
@@ -2670,7 +2670,7 @@
             </a:ln>
             <a:extLst>
               <a:ext uri="{91240B29-F687-4f45-9708-019B960494DF}">
-                <a14:hiddenLine xmlns:a14="http://schemas.microsoft.com/office/drawing/2010/main" xmlns="" w="9525">
+                <a14:hiddenLine xmlns="" xmlns:a14="http://schemas.microsoft.com/office/drawing/2010/main" w="9525">
                   <a:solidFill>
                     <a:srgbClr val="000000"/>
                   </a:solidFill>
@@ -2738,7 +2738,7 @@
             </a:ln>
             <a:extLst>
               <a:ext uri="{91240B29-F687-4f45-9708-019B960494DF}">
-                <a14:hiddenLine xmlns:a14="http://schemas.microsoft.com/office/drawing/2010/main" xmlns="" w="9525">
+                <a14:hiddenLine xmlns="" xmlns:a14="http://schemas.microsoft.com/office/drawing/2010/main" w="9525">
                   <a:solidFill>
                     <a:srgbClr val="000000"/>
                   </a:solidFill>
@@ -2800,7 +2800,7 @@
             </a:ln>
             <a:extLst>
               <a:ext uri="{91240B29-F687-4f45-9708-019B960494DF}">
-                <a14:hiddenLine xmlns:a14="http://schemas.microsoft.com/office/drawing/2010/main" xmlns="" w="9525">
+                <a14:hiddenLine xmlns="" xmlns:a14="http://schemas.microsoft.com/office/drawing/2010/main" w="9525">
                   <a:solidFill>
                     <a:srgbClr val="000000"/>
                   </a:solidFill>
@@ -2890,7 +2890,7 @@
             </a:ln>
             <a:extLst>
               <a:ext uri="{91240B29-F687-4f45-9708-019B960494DF}">
-                <a14:hiddenLine xmlns:a14="http://schemas.microsoft.com/office/drawing/2010/main" xmlns="" w="9525">
+                <a14:hiddenLine xmlns="" xmlns:a14="http://schemas.microsoft.com/office/drawing/2010/main" w="9525">
                   <a:solidFill>
                     <a:srgbClr val="000000"/>
                   </a:solidFill>
@@ -2952,7 +2952,7 @@
             </a:ln>
             <a:extLst>
               <a:ext uri="{91240B29-F687-4f45-9708-019B960494DF}">
-                <a14:hiddenLine xmlns:a14="http://schemas.microsoft.com/office/drawing/2010/main" xmlns="" w="9525">
+                <a14:hiddenLine xmlns="" xmlns:a14="http://schemas.microsoft.com/office/drawing/2010/main" w="9525">
                   <a:solidFill>
                     <a:srgbClr val="000000"/>
                   </a:solidFill>
@@ -3042,7 +3042,7 @@
             </a:ln>
             <a:extLst>
               <a:ext uri="{91240B29-F687-4f45-9708-019B960494DF}">
-                <a14:hiddenLine xmlns:a14="http://schemas.microsoft.com/office/drawing/2010/main" xmlns="" w="9525">
+                <a14:hiddenLine xmlns="" xmlns:a14="http://schemas.microsoft.com/office/drawing/2010/main" w="9525">
                   <a:solidFill>
                     <a:srgbClr val="000000"/>
                   </a:solidFill>
@@ -3104,7 +3104,7 @@
             </a:ln>
             <a:extLst>
               <a:ext uri="{91240B29-F687-4f45-9708-019B960494DF}">
-                <a14:hiddenLine xmlns:a14="http://schemas.microsoft.com/office/drawing/2010/main" xmlns="" w="9525">
+                <a14:hiddenLine xmlns="" xmlns:a14="http://schemas.microsoft.com/office/drawing/2010/main" w="9525">
                   <a:solidFill>
                     <a:srgbClr val="000000"/>
                   </a:solidFill>
@@ -3194,7 +3194,7 @@
             </a:ln>
             <a:extLst>
               <a:ext uri="{91240B29-F687-4f45-9708-019B960494DF}">
-                <a14:hiddenLine xmlns:a14="http://schemas.microsoft.com/office/drawing/2010/main" xmlns="" w="9525">
+                <a14:hiddenLine xmlns="" xmlns:a14="http://schemas.microsoft.com/office/drawing/2010/main" w="9525">
                   <a:solidFill>
                     <a:srgbClr val="000000"/>
                   </a:solidFill>
@@ -3228,7 +3228,7 @@
             </a:ln>
             <a:extLst>
               <a:ext uri="{91240B29-F687-4f45-9708-019B960494DF}">
-                <a14:hiddenLine xmlns:a14="http://schemas.microsoft.com/office/drawing/2010/main" xmlns="" w="9525">
+                <a14:hiddenLine xmlns="" xmlns:a14="http://schemas.microsoft.com/office/drawing/2010/main" w="9525">
                   <a:solidFill>
                     <a:srgbClr val="000000"/>
                   </a:solidFill>
@@ -3293,7 +3293,7 @@
             </a:ln>
             <a:extLst>
               <a:ext uri="{91240B29-F687-4f45-9708-019B960494DF}">
-                <a14:hiddenLine xmlns:a14="http://schemas.microsoft.com/office/drawing/2010/main" xmlns="" w="9525">
+                <a14:hiddenLine xmlns="" xmlns:a14="http://schemas.microsoft.com/office/drawing/2010/main" w="9525">
                   <a:solidFill>
                     <a:srgbClr val="000000"/>
                   </a:solidFill>
@@ -3383,7 +3383,7 @@
             </a:ln>
             <a:extLst>
               <a:ext uri="{91240B29-F687-4f45-9708-019B960494DF}">
-                <a14:hiddenLine xmlns:a14="http://schemas.microsoft.com/office/drawing/2010/main" xmlns="" w="9525">
+                <a14:hiddenLine xmlns="" xmlns:a14="http://schemas.microsoft.com/office/drawing/2010/main" w="9525">
                   <a:solidFill>
                     <a:srgbClr val="000000"/>
                   </a:solidFill>
@@ -3445,7 +3445,7 @@
             </a:ln>
             <a:extLst>
               <a:ext uri="{91240B29-F687-4f45-9708-019B960494DF}">
-                <a14:hiddenLine xmlns:a14="http://schemas.microsoft.com/office/drawing/2010/main" xmlns="" w="9525">
+                <a14:hiddenLine xmlns="" xmlns:a14="http://schemas.microsoft.com/office/drawing/2010/main" w="9525">
                   <a:solidFill>
                     <a:srgbClr val="000000"/>
                   </a:solidFill>
@@ -3535,7 +3535,7 @@
             </a:ln>
             <a:extLst>
               <a:ext uri="{91240B29-F687-4f45-9708-019B960494DF}">
-                <a14:hiddenLine xmlns:a14="http://schemas.microsoft.com/office/drawing/2010/main" xmlns="" w="9525">
+                <a14:hiddenLine xmlns="" xmlns:a14="http://schemas.microsoft.com/office/drawing/2010/main" w="9525">
                   <a:solidFill>
                     <a:srgbClr val="000000"/>
                   </a:solidFill>
@@ -3625,7 +3625,7 @@
             </a:ln>
             <a:extLst>
               <a:ext uri="{91240B29-F687-4f45-9708-019B960494DF}">
-                <a14:hiddenLine xmlns:a14="http://schemas.microsoft.com/office/drawing/2010/main" xmlns="" w="9525">
+                <a14:hiddenLine xmlns="" xmlns:a14="http://schemas.microsoft.com/office/drawing/2010/main" w="9525">
                   <a:solidFill>
                     <a:srgbClr val="000000"/>
                   </a:solidFill>
@@ -3690,7 +3690,7 @@
             </a:ln>
             <a:extLst>
               <a:ext uri="{91240B29-F687-4f45-9708-019B960494DF}">
-                <a14:hiddenLine xmlns:a14="http://schemas.microsoft.com/office/drawing/2010/main" xmlns="" w="9525">
+                <a14:hiddenLine xmlns="" xmlns:a14="http://schemas.microsoft.com/office/drawing/2010/main" w="9525">
                   <a:solidFill>
                     <a:srgbClr val="000000"/>
                   </a:solidFill>
@@ -3752,7 +3752,7 @@
             </a:ln>
             <a:extLst>
               <a:ext uri="{91240B29-F687-4f45-9708-019B960494DF}">
-                <a14:hiddenLine xmlns:a14="http://schemas.microsoft.com/office/drawing/2010/main" xmlns="" w="9525">
+                <a14:hiddenLine xmlns="" xmlns:a14="http://schemas.microsoft.com/office/drawing/2010/main" w="9525">
                   <a:solidFill>
                     <a:srgbClr val="000000"/>
                   </a:solidFill>
@@ -3842,7 +3842,7 @@
             </a:ln>
             <a:extLst>
               <a:ext uri="{91240B29-F687-4f45-9708-019B960494DF}">
-                <a14:hiddenLine xmlns:a14="http://schemas.microsoft.com/office/drawing/2010/main" xmlns="" w="9525">
+                <a14:hiddenLine xmlns="" xmlns:a14="http://schemas.microsoft.com/office/drawing/2010/main" w="9525">
                   <a:solidFill>
                     <a:srgbClr val="000000"/>
                   </a:solidFill>
@@ -3932,7 +3932,7 @@
             </a:ln>
             <a:extLst>
               <a:ext uri="{91240B29-F687-4f45-9708-019B960494DF}">
-                <a14:hiddenLine xmlns:a14="http://schemas.microsoft.com/office/drawing/2010/main" xmlns="" w="9525">
+                <a14:hiddenLine xmlns="" xmlns:a14="http://schemas.microsoft.com/office/drawing/2010/main" w="9525">
                   <a:solidFill>
                     <a:srgbClr val="000000"/>
                   </a:solidFill>
@@ -3994,7 +3994,7 @@
             </a:ln>
             <a:extLst>
               <a:ext uri="{91240B29-F687-4f45-9708-019B960494DF}">
-                <a14:hiddenLine xmlns:a14="http://schemas.microsoft.com/office/drawing/2010/main" xmlns="" w="9525">
+                <a14:hiddenLine xmlns="" xmlns:a14="http://schemas.microsoft.com/office/drawing/2010/main" w="9525">
                   <a:solidFill>
                     <a:srgbClr val="000000"/>
                   </a:solidFill>
@@ -4114,7 +4114,7 @@
             </a:ln>
             <a:extLst>
               <a:ext uri="{91240B29-F687-4f45-9708-019B960494DF}">
-                <a14:hiddenLine xmlns:a14="http://schemas.microsoft.com/office/drawing/2010/main" xmlns="" w="9525">
+                <a14:hiddenLine xmlns="" xmlns:a14="http://schemas.microsoft.com/office/drawing/2010/main" w="9525">
                   <a:solidFill>
                     <a:srgbClr val="000000"/>
                   </a:solidFill>
@@ -4182,7 +4182,7 @@
             </a:ln>
             <a:extLst>
               <a:ext uri="{91240B29-F687-4f45-9708-019B960494DF}">
-                <a14:hiddenLine xmlns:a14="http://schemas.microsoft.com/office/drawing/2010/main" xmlns="" w="9525">
+                <a14:hiddenLine xmlns="" xmlns:a14="http://schemas.microsoft.com/office/drawing/2010/main" w="9525">
                   <a:solidFill>
                     <a:srgbClr val="000000"/>
                   </a:solidFill>
@@ -4272,7 +4272,7 @@
             </a:ln>
             <a:extLst>
               <a:ext uri="{91240B29-F687-4f45-9708-019B960494DF}">
-                <a14:hiddenLine xmlns:a14="http://schemas.microsoft.com/office/drawing/2010/main" xmlns="" w="9525">
+                <a14:hiddenLine xmlns="" xmlns:a14="http://schemas.microsoft.com/office/drawing/2010/main" w="9525">
                   <a:solidFill>
                     <a:srgbClr val="000000"/>
                   </a:solidFill>
@@ -4412,7 +4412,7 @@
           <a:p>
             <a:fld id="{48A87A34-81AB-432B-8DAE-1953F412C126}" type="datetimeFigureOut">
               <a:rPr lang="en-US" dirty="0"/>
-              <a:t>5/17/2021</a:t>
+              <a:t>5/18/2021</a:t>
             </a:fld>
             <a:endParaRPr lang="en-US" dirty="0"/>
           </a:p>
@@ -4674,7 +4674,7 @@
           <a:p>
             <a:fld id="{48A87A34-81AB-432B-8DAE-1953F412C126}" type="datetimeFigureOut">
               <a:rPr lang="en-US" dirty="0"/>
-              <a:t>5/17/2021</a:t>
+              <a:t>5/18/2021</a:t>
             </a:fld>
             <a:endParaRPr lang="en-US" dirty="0"/>
           </a:p>
@@ -4865,7 +4865,7 @@
           <a:p>
             <a:fld id="{48A87A34-81AB-432B-8DAE-1953F412C126}" type="datetimeFigureOut">
               <a:rPr lang="en-US" dirty="0"/>
-              <a:t>5/17/2021</a:t>
+              <a:t>5/18/2021</a:t>
             </a:fld>
             <a:endParaRPr lang="en-US" dirty="0"/>
           </a:p>
@@ -5123,7 +5123,7 @@
           <a:p>
             <a:fld id="{48A87A34-81AB-432B-8DAE-1953F412C126}" type="datetimeFigureOut">
               <a:rPr lang="en-US" dirty="0"/>
-              <a:t>5/17/2021</a:t>
+              <a:t>5/18/2021</a:t>
             </a:fld>
             <a:endParaRPr lang="en-US" dirty="0"/>
           </a:p>
@@ -5552,7 +5552,7 @@
           <a:p>
             <a:fld id="{48A87A34-81AB-432B-8DAE-1953F412C126}" type="datetimeFigureOut">
               <a:rPr lang="en-US" dirty="0"/>
-              <a:t>5/17/2021</a:t>
+              <a:t>5/18/2021</a:t>
             </a:fld>
             <a:endParaRPr lang="en-US" dirty="0"/>
           </a:p>
@@ -6093,7 +6093,7 @@
           <a:p>
             <a:fld id="{48A87A34-81AB-432B-8DAE-1953F412C126}" type="datetimeFigureOut">
               <a:rPr lang="en-US" dirty="0"/>
-              <a:t>5/17/2021</a:t>
+              <a:t>5/18/2021</a:t>
             </a:fld>
             <a:endParaRPr lang="en-US" dirty="0"/>
           </a:p>
@@ -6808,7 +6808,7 @@
           <a:p>
             <a:fld id="{48A87A34-81AB-432B-8DAE-1953F412C126}" type="datetimeFigureOut">
               <a:rPr lang="en-US" dirty="0"/>
-              <a:t>5/17/2021</a:t>
+              <a:t>5/18/2021</a:t>
             </a:fld>
             <a:endParaRPr lang="en-US" dirty="0"/>
           </a:p>
@@ -6973,7 +6973,7 @@
           <a:p>
             <a:fld id="{48A87A34-81AB-432B-8DAE-1953F412C126}" type="datetimeFigureOut">
               <a:rPr lang="en-US" dirty="0"/>
-              <a:t>5/17/2021</a:t>
+              <a:t>5/18/2021</a:t>
             </a:fld>
             <a:endParaRPr lang="en-US" dirty="0"/>
           </a:p>
@@ -7148,7 +7148,7 @@
           <a:p>
             <a:fld id="{48A87A34-81AB-432B-8DAE-1953F412C126}" type="datetimeFigureOut">
               <a:rPr lang="en-US" dirty="0"/>
-              <a:t>5/17/2021</a:t>
+              <a:t>5/18/2021</a:t>
             </a:fld>
             <a:endParaRPr lang="en-US" dirty="0"/>
           </a:p>
@@ -7313,7 +7313,7 @@
           <a:p>
             <a:fld id="{48A87A34-81AB-432B-8DAE-1953F412C126}" type="datetimeFigureOut">
               <a:rPr lang="en-US" dirty="0"/>
-              <a:t>5/17/2021</a:t>
+              <a:t>5/18/2021</a:t>
             </a:fld>
             <a:endParaRPr lang="en-US" dirty="0"/>
           </a:p>
@@ -7558,7 +7558,7 @@
           <a:p>
             <a:fld id="{48A87A34-81AB-432B-8DAE-1953F412C126}" type="datetimeFigureOut">
               <a:rPr lang="en-US" dirty="0"/>
-              <a:t>5/17/2021</a:t>
+              <a:t>5/18/2021</a:t>
             </a:fld>
             <a:endParaRPr lang="en-US" dirty="0"/>
           </a:p>
@@ -7785,7 +7785,7 @@
           <a:p>
             <a:fld id="{48A87A34-81AB-432B-8DAE-1953F412C126}" type="datetimeFigureOut">
               <a:rPr lang="en-US" dirty="0"/>
-              <a:t>5/17/2021</a:t>
+              <a:t>5/18/2021</a:t>
             </a:fld>
             <a:endParaRPr lang="en-US" dirty="0"/>
           </a:p>
@@ -8161,7 +8161,7 @@
           <a:p>
             <a:fld id="{48A87A34-81AB-432B-8DAE-1953F412C126}" type="datetimeFigureOut">
               <a:rPr lang="en-US" dirty="0"/>
-              <a:t>5/17/2021</a:t>
+              <a:t>5/18/2021</a:t>
             </a:fld>
             <a:endParaRPr lang="en-US" dirty="0"/>
           </a:p>
@@ -8274,7 +8274,7 @@
           <a:p>
             <a:fld id="{48A87A34-81AB-432B-8DAE-1953F412C126}" type="datetimeFigureOut">
               <a:rPr lang="en-US" dirty="0"/>
-              <a:t>5/17/2021</a:t>
+              <a:t>5/18/2021</a:t>
             </a:fld>
             <a:endParaRPr lang="en-US" dirty="0"/>
           </a:p>
@@ -8364,7 +8364,7 @@
           <a:p>
             <a:fld id="{48A87A34-81AB-432B-8DAE-1953F412C126}" type="datetimeFigureOut">
               <a:rPr lang="en-US" dirty="0"/>
-              <a:t>5/17/2021</a:t>
+              <a:t>5/18/2021</a:t>
             </a:fld>
             <a:endParaRPr lang="en-US" dirty="0"/>
           </a:p>
@@ -8608,7 +8608,7 @@
           <a:p>
             <a:fld id="{48A87A34-81AB-432B-8DAE-1953F412C126}" type="datetimeFigureOut">
               <a:rPr lang="en-US" dirty="0"/>
-              <a:t>5/17/2021</a:t>
+              <a:t>5/18/2021</a:t>
             </a:fld>
             <a:endParaRPr lang="en-US" dirty="0"/>
           </a:p>
@@ -8883,7 +8883,7 @@
           <a:p>
             <a:fld id="{48A87A34-81AB-432B-8DAE-1953F412C126}" type="datetimeFigureOut">
               <a:rPr lang="en-US" dirty="0"/>
-              <a:t>5/17/2021</a:t>
+              <a:t>5/18/2021</a:t>
             </a:fld>
             <a:endParaRPr lang="en-US" dirty="0"/>
           </a:p>
@@ -8994,7 +8994,7 @@
           <a:noFill/>
           <a:extLst>
             <a:ext uri="{909E8E84-426E-40dd-AFC4-6F175D3DCCD1}">
-              <a14:hiddenFill xmlns:a14="http://schemas.microsoft.com/office/drawing/2010/main" xmlns="">
+              <a14:hiddenFill xmlns="" xmlns:a14="http://schemas.microsoft.com/office/drawing/2010/main">
                 <a:solidFill>
                   <a:srgbClr val="FFFFFF"/>
                 </a:solidFill>
@@ -9068,7 +9068,7 @@
               </a:ln>
               <a:extLst>
                 <a:ext uri="{91240B29-F687-4f45-9708-019B960494DF}">
-                  <a14:hiddenLine xmlns:a14="http://schemas.microsoft.com/office/drawing/2010/main" xmlns="" w="9525">
+                  <a14:hiddenLine xmlns="" xmlns:a14="http://schemas.microsoft.com/office/drawing/2010/main" w="9525">
                     <a:solidFill>
                       <a:srgbClr val="000000"/>
                     </a:solidFill>
@@ -9158,7 +9158,7 @@
               </a:ln>
               <a:extLst>
                 <a:ext uri="{91240B29-F687-4f45-9708-019B960494DF}">
-                  <a14:hiddenLine xmlns:a14="http://schemas.microsoft.com/office/drawing/2010/main" xmlns="" w="9525">
+                  <a14:hiddenLine xmlns="" xmlns:a14="http://schemas.microsoft.com/office/drawing/2010/main" w="9525">
                     <a:solidFill>
                       <a:srgbClr val="000000"/>
                     </a:solidFill>
@@ -9248,7 +9248,7 @@
               </a:ln>
               <a:extLst>
                 <a:ext uri="{91240B29-F687-4f45-9708-019B960494DF}">
-                  <a14:hiddenLine xmlns:a14="http://schemas.microsoft.com/office/drawing/2010/main" xmlns="" w="9525">
+                  <a14:hiddenLine xmlns="" xmlns:a14="http://schemas.microsoft.com/office/drawing/2010/main" w="9525">
                     <a:solidFill>
                       <a:srgbClr val="000000"/>
                     </a:solidFill>
@@ -9310,7 +9310,7 @@
               </a:ln>
               <a:extLst>
                 <a:ext uri="{91240B29-F687-4f45-9708-019B960494DF}">
-                  <a14:hiddenLine xmlns:a14="http://schemas.microsoft.com/office/drawing/2010/main" xmlns="" w="9525">
+                  <a14:hiddenLine xmlns="" xmlns:a14="http://schemas.microsoft.com/office/drawing/2010/main" w="9525">
                     <a:solidFill>
                       <a:srgbClr val="000000"/>
                     </a:solidFill>
@@ -9400,7 +9400,7 @@
               </a:ln>
               <a:extLst>
                 <a:ext uri="{91240B29-F687-4f45-9708-019B960494DF}">
-                  <a14:hiddenLine xmlns:a14="http://schemas.microsoft.com/office/drawing/2010/main" xmlns="" w="9525">
+                  <a14:hiddenLine xmlns="" xmlns:a14="http://schemas.microsoft.com/office/drawing/2010/main" w="9525">
                     <a:solidFill>
                       <a:srgbClr val="000000"/>
                     </a:solidFill>
@@ -9462,7 +9462,7 @@
               </a:ln>
               <a:extLst>
                 <a:ext uri="{91240B29-F687-4f45-9708-019B960494DF}">
-                  <a14:hiddenLine xmlns:a14="http://schemas.microsoft.com/office/drawing/2010/main" xmlns="" w="9525">
+                  <a14:hiddenLine xmlns="" xmlns:a14="http://schemas.microsoft.com/office/drawing/2010/main" w="9525">
                     <a:solidFill>
                       <a:srgbClr val="000000"/>
                     </a:solidFill>
@@ -9524,7 +9524,7 @@
               </a:ln>
               <a:extLst>
                 <a:ext uri="{91240B29-F687-4f45-9708-019B960494DF}">
-                  <a14:hiddenLine xmlns:a14="http://schemas.microsoft.com/office/drawing/2010/main" xmlns="" w="9525">
+                  <a14:hiddenLine xmlns="" xmlns:a14="http://schemas.microsoft.com/office/drawing/2010/main" w="9525">
                     <a:solidFill>
                       <a:srgbClr val="000000"/>
                     </a:solidFill>
@@ -9614,7 +9614,7 @@
               </a:ln>
               <a:extLst>
                 <a:ext uri="{91240B29-F687-4f45-9708-019B960494DF}">
-                  <a14:hiddenLine xmlns:a14="http://schemas.microsoft.com/office/drawing/2010/main" xmlns="" w="9525">
+                  <a14:hiddenLine xmlns="" xmlns:a14="http://schemas.microsoft.com/office/drawing/2010/main" w="9525">
                     <a:solidFill>
                       <a:srgbClr val="000000"/>
                     </a:solidFill>
@@ -9704,7 +9704,7 @@
               </a:ln>
               <a:extLst>
                 <a:ext uri="{91240B29-F687-4f45-9708-019B960494DF}">
-                  <a14:hiddenLine xmlns:a14="http://schemas.microsoft.com/office/drawing/2010/main" xmlns="" w="9525">
+                  <a14:hiddenLine xmlns="" xmlns:a14="http://schemas.microsoft.com/office/drawing/2010/main" w="9525">
                     <a:solidFill>
                       <a:srgbClr val="000000"/>
                     </a:solidFill>
@@ -9766,7 +9766,7 @@
               </a:ln>
               <a:extLst>
                 <a:ext uri="{91240B29-F687-4f45-9708-019B960494DF}">
-                  <a14:hiddenLine xmlns:a14="http://schemas.microsoft.com/office/drawing/2010/main" xmlns="" w="9525">
+                  <a14:hiddenLine xmlns="" xmlns:a14="http://schemas.microsoft.com/office/drawing/2010/main" w="9525">
                     <a:solidFill>
                       <a:srgbClr val="000000"/>
                     </a:solidFill>
@@ -9876,7 +9876,7 @@
               </a:ln>
               <a:extLst>
                 <a:ext uri="{91240B29-F687-4f45-9708-019B960494DF}">
-                  <a14:hiddenLine xmlns:a14="http://schemas.microsoft.com/office/drawing/2010/main" xmlns="" w="9525">
+                  <a14:hiddenLine xmlns="" xmlns:a14="http://schemas.microsoft.com/office/drawing/2010/main" w="9525">
                     <a:solidFill>
                       <a:srgbClr val="000000"/>
                     </a:solidFill>
@@ -9960,7 +9960,7 @@
               </a:ln>
               <a:extLst>
                 <a:ext uri="{91240B29-F687-4f45-9708-019B960494DF}">
-                  <a14:hiddenLine xmlns:a14="http://schemas.microsoft.com/office/drawing/2010/main" xmlns="" w="9525">
+                  <a14:hiddenLine xmlns="" xmlns:a14="http://schemas.microsoft.com/office/drawing/2010/main" w="9525">
                     <a:solidFill>
                       <a:srgbClr val="000000"/>
                     </a:solidFill>
@@ -10022,7 +10022,7 @@
               </a:ln>
               <a:extLst>
                 <a:ext uri="{91240B29-F687-4f45-9708-019B960494DF}">
-                  <a14:hiddenLine xmlns:a14="http://schemas.microsoft.com/office/drawing/2010/main" xmlns="" w="9525">
+                  <a14:hiddenLine xmlns="" xmlns:a14="http://schemas.microsoft.com/office/drawing/2010/main" w="9525">
                     <a:solidFill>
                       <a:srgbClr val="000000"/>
                     </a:solidFill>
@@ -10084,7 +10084,7 @@
               </a:ln>
               <a:extLst>
                 <a:ext uri="{91240B29-F687-4f45-9708-019B960494DF}">
-                  <a14:hiddenLine xmlns:a14="http://schemas.microsoft.com/office/drawing/2010/main" xmlns="" w="9525">
+                  <a14:hiddenLine xmlns="" xmlns:a14="http://schemas.microsoft.com/office/drawing/2010/main" w="9525">
                     <a:solidFill>
                       <a:srgbClr val="000000"/>
                     </a:solidFill>
@@ -10174,7 +10174,7 @@
               </a:ln>
               <a:extLst>
                 <a:ext uri="{91240B29-F687-4f45-9708-019B960494DF}">
-                  <a14:hiddenLine xmlns:a14="http://schemas.microsoft.com/office/drawing/2010/main" xmlns="" w="9525">
+                  <a14:hiddenLine xmlns="" xmlns:a14="http://schemas.microsoft.com/office/drawing/2010/main" w="9525">
                     <a:solidFill>
                       <a:srgbClr val="000000"/>
                     </a:solidFill>
@@ -10208,7 +10208,7 @@
               </a:ln>
               <a:extLst>
                 <a:ext uri="{91240B29-F687-4f45-9708-019B960494DF}">
-                  <a14:hiddenLine xmlns:a14="http://schemas.microsoft.com/office/drawing/2010/main" xmlns="" w="9525">
+                  <a14:hiddenLine xmlns="" xmlns:a14="http://schemas.microsoft.com/office/drawing/2010/main" w="9525">
                     <a:solidFill>
                       <a:srgbClr val="000000"/>
                     </a:solidFill>
@@ -10273,7 +10273,7 @@
               </a:ln>
               <a:extLst>
                 <a:ext uri="{91240B29-F687-4f45-9708-019B960494DF}">
-                  <a14:hiddenLine xmlns:a14="http://schemas.microsoft.com/office/drawing/2010/main" xmlns="" w="9525">
+                  <a14:hiddenLine xmlns="" xmlns:a14="http://schemas.microsoft.com/office/drawing/2010/main" w="9525">
                     <a:solidFill>
                       <a:srgbClr val="000000"/>
                     </a:solidFill>
@@ -10363,7 +10363,7 @@
               </a:ln>
               <a:extLst>
                 <a:ext uri="{91240B29-F687-4f45-9708-019B960494DF}">
-                  <a14:hiddenLine xmlns:a14="http://schemas.microsoft.com/office/drawing/2010/main" xmlns="" w="9525">
+                  <a14:hiddenLine xmlns="" xmlns:a14="http://schemas.microsoft.com/office/drawing/2010/main" w="9525">
                     <a:solidFill>
                       <a:srgbClr val="000000"/>
                     </a:solidFill>
@@ -10425,7 +10425,7 @@
               </a:ln>
               <a:extLst>
                 <a:ext uri="{91240B29-F687-4f45-9708-019B960494DF}">
-                  <a14:hiddenLine xmlns:a14="http://schemas.microsoft.com/office/drawing/2010/main" xmlns="" w="9525">
+                  <a14:hiddenLine xmlns="" xmlns:a14="http://schemas.microsoft.com/office/drawing/2010/main" w="9525">
                     <a:solidFill>
                       <a:srgbClr val="000000"/>
                     </a:solidFill>
@@ -10515,7 +10515,7 @@
               </a:ln>
               <a:extLst>
                 <a:ext uri="{91240B29-F687-4f45-9708-019B960494DF}">
-                  <a14:hiddenLine xmlns:a14="http://schemas.microsoft.com/office/drawing/2010/main" xmlns="" w="9525">
+                  <a14:hiddenLine xmlns="" xmlns:a14="http://schemas.microsoft.com/office/drawing/2010/main" w="9525">
                     <a:solidFill>
                       <a:srgbClr val="000000"/>
                     </a:solidFill>
@@ -10580,7 +10580,7 @@
               </a:ln>
               <a:extLst>
                 <a:ext uri="{91240B29-F687-4f45-9708-019B960494DF}">
-                  <a14:hiddenLine xmlns:a14="http://schemas.microsoft.com/office/drawing/2010/main" xmlns="" w="9525">
+                  <a14:hiddenLine xmlns="" xmlns:a14="http://schemas.microsoft.com/office/drawing/2010/main" w="9525">
                     <a:solidFill>
                       <a:srgbClr val="000000"/>
                     </a:solidFill>
@@ -10642,7 +10642,7 @@
               </a:ln>
               <a:extLst>
                 <a:ext uri="{91240B29-F687-4f45-9708-019B960494DF}">
-                  <a14:hiddenLine xmlns:a14="http://schemas.microsoft.com/office/drawing/2010/main" xmlns="" w="9525">
+                  <a14:hiddenLine xmlns="" xmlns:a14="http://schemas.microsoft.com/office/drawing/2010/main" w="9525">
                     <a:solidFill>
                       <a:srgbClr val="000000"/>
                     </a:solidFill>
@@ -10732,7 +10732,7 @@
               </a:ln>
               <a:extLst>
                 <a:ext uri="{91240B29-F687-4f45-9708-019B960494DF}">
-                  <a14:hiddenLine xmlns:a14="http://schemas.microsoft.com/office/drawing/2010/main" xmlns="" w="9525">
+                  <a14:hiddenLine xmlns="" xmlns:a14="http://schemas.microsoft.com/office/drawing/2010/main" w="9525">
                     <a:solidFill>
                       <a:srgbClr val="000000"/>
                     </a:solidFill>
@@ -10822,7 +10822,7 @@
               </a:ln>
               <a:extLst>
                 <a:ext uri="{91240B29-F687-4f45-9708-019B960494DF}">
-                  <a14:hiddenLine xmlns:a14="http://schemas.microsoft.com/office/drawing/2010/main" xmlns="" w="9525">
+                  <a14:hiddenLine xmlns="" xmlns:a14="http://schemas.microsoft.com/office/drawing/2010/main" w="9525">
                     <a:solidFill>
                       <a:srgbClr val="000000"/>
                     </a:solidFill>
@@ -10887,7 +10887,7 @@
               </a:ln>
               <a:extLst>
                 <a:ext uri="{91240B29-F687-4f45-9708-019B960494DF}">
-                  <a14:hiddenLine xmlns:a14="http://schemas.microsoft.com/office/drawing/2010/main" xmlns="" w="9525">
+                  <a14:hiddenLine xmlns="" xmlns:a14="http://schemas.microsoft.com/office/drawing/2010/main" w="9525">
                     <a:solidFill>
                       <a:srgbClr val="000000"/>
                     </a:solidFill>
@@ -11007,7 +11007,7 @@
               </a:ln>
               <a:extLst>
                 <a:ext uri="{91240B29-F687-4f45-9708-019B960494DF}">
-                  <a14:hiddenLine xmlns:a14="http://schemas.microsoft.com/office/drawing/2010/main" xmlns="" w="9525">
+                  <a14:hiddenLine xmlns="" xmlns:a14="http://schemas.microsoft.com/office/drawing/2010/main" w="9525">
                     <a:solidFill>
                       <a:srgbClr val="000000"/>
                     </a:solidFill>
@@ -11105,7 +11105,7 @@
               </a:ln>
               <a:extLst>
                 <a:ext uri="{91240B29-F687-4f45-9708-019B960494DF}">
-                  <a14:hiddenLine xmlns:a14="http://schemas.microsoft.com/office/drawing/2010/main" xmlns="" w="9525">
+                  <a14:hiddenLine xmlns="" xmlns:a14="http://schemas.microsoft.com/office/drawing/2010/main" w="9525">
                     <a:solidFill>
                       <a:srgbClr val="000000"/>
                     </a:solidFill>
@@ -11220,7 +11220,7 @@
               </a:ln>
               <a:extLst>
                 <a:ext uri="{91240B29-F687-4f45-9708-019B960494DF}">
-                  <a14:hiddenLine xmlns:a14="http://schemas.microsoft.com/office/drawing/2010/main" xmlns="" w="9525">
+                  <a14:hiddenLine xmlns="" xmlns:a14="http://schemas.microsoft.com/office/drawing/2010/main" w="9525">
                     <a:solidFill>
                       <a:srgbClr val="000000"/>
                     </a:solidFill>
@@ -11310,7 +11310,7 @@
               </a:ln>
               <a:extLst>
                 <a:ext uri="{91240B29-F687-4f45-9708-019B960494DF}">
-                  <a14:hiddenLine xmlns:a14="http://schemas.microsoft.com/office/drawing/2010/main" xmlns="" w="9525">
+                  <a14:hiddenLine xmlns="" xmlns:a14="http://schemas.microsoft.com/office/drawing/2010/main" w="9525">
                     <a:solidFill>
                       <a:srgbClr val="000000"/>
                     </a:solidFill>
@@ -11375,7 +11375,7 @@
               </a:ln>
               <a:extLst>
                 <a:ext uri="{91240B29-F687-4f45-9708-019B960494DF}">
-                  <a14:hiddenLine xmlns:a14="http://schemas.microsoft.com/office/drawing/2010/main" xmlns="" w="9525">
+                  <a14:hiddenLine xmlns="" xmlns:a14="http://schemas.microsoft.com/office/drawing/2010/main" w="9525">
                     <a:solidFill>
                       <a:srgbClr val="000000"/>
                     </a:solidFill>
@@ -11465,7 +11465,7 @@
               </a:ln>
               <a:extLst>
                 <a:ext uri="{91240B29-F687-4f45-9708-019B960494DF}">
-                  <a14:hiddenLine xmlns:a14="http://schemas.microsoft.com/office/drawing/2010/main" xmlns="" w="9525">
+                  <a14:hiddenLine xmlns="" xmlns:a14="http://schemas.microsoft.com/office/drawing/2010/main" w="9525">
                     <a:solidFill>
                       <a:srgbClr val="000000"/>
                     </a:solidFill>
@@ -11533,7 +11533,7 @@
               </a:ln>
               <a:extLst>
                 <a:ext uri="{91240B29-F687-4f45-9708-019B960494DF}">
-                  <a14:hiddenLine xmlns:a14="http://schemas.microsoft.com/office/drawing/2010/main" xmlns="" w="9525">
+                  <a14:hiddenLine xmlns="" xmlns:a14="http://schemas.microsoft.com/office/drawing/2010/main" w="9525">
                     <a:solidFill>
                       <a:srgbClr val="000000"/>
                     </a:solidFill>
@@ -11623,7 +11623,7 @@
               </a:ln>
               <a:extLst>
                 <a:ext uri="{91240B29-F687-4f45-9708-019B960494DF}">
-                  <a14:hiddenLine xmlns:a14="http://schemas.microsoft.com/office/drawing/2010/main" xmlns="" w="9525">
+                  <a14:hiddenLine xmlns="" xmlns:a14="http://schemas.microsoft.com/office/drawing/2010/main" w="9525">
                     <a:solidFill>
                       <a:srgbClr val="000000"/>
                     </a:solidFill>
@@ -11691,7 +11691,7 @@
               </a:ln>
               <a:extLst>
                 <a:ext uri="{91240B29-F687-4f45-9708-019B960494DF}">
-                  <a14:hiddenLine xmlns:a14="http://schemas.microsoft.com/office/drawing/2010/main" xmlns="" w="9525">
+                  <a14:hiddenLine xmlns="" xmlns:a14="http://schemas.microsoft.com/office/drawing/2010/main" w="9525">
                     <a:solidFill>
                       <a:srgbClr val="000000"/>
                     </a:solidFill>
@@ -11781,7 +11781,7 @@
               </a:ln>
               <a:extLst>
                 <a:ext uri="{91240B29-F687-4f45-9708-019B960494DF}">
-                  <a14:hiddenLine xmlns:a14="http://schemas.microsoft.com/office/drawing/2010/main" xmlns="" w="9525">
+                  <a14:hiddenLine xmlns="" xmlns:a14="http://schemas.microsoft.com/office/drawing/2010/main" w="9525">
                     <a:solidFill>
                       <a:srgbClr val="000000"/>
                     </a:solidFill>
@@ -11815,7 +11815,7 @@
               </a:ln>
               <a:extLst>
                 <a:ext uri="{91240B29-F687-4f45-9708-019B960494DF}">
-                  <a14:hiddenLine xmlns:a14="http://schemas.microsoft.com/office/drawing/2010/main" xmlns="" w="9525">
+                  <a14:hiddenLine xmlns="" xmlns:a14="http://schemas.microsoft.com/office/drawing/2010/main" w="9525">
                     <a:solidFill>
                       <a:srgbClr val="000000"/>
                     </a:solidFill>
@@ -11956,7 +11956,7 @@
             <a:fld id="{48A87A34-81AB-432B-8DAE-1953F412C126}" type="datetimeFigureOut">
               <a:rPr lang="en-US" dirty="0"/>
               <a:pPr/>
-              <a:t>5/17/2021</a:t>
+              <a:t>5/18/2021</a:t>
             </a:fld>
             <a:endParaRPr lang="en-US" dirty="0"/>
           </a:p>
@@ -15507,8 +15507,8 @@
         </p:blipFill>
         <p:spPr>
           <a:xfrm>
-            <a:off x="7422732" y="1331495"/>
-            <a:ext cx="5144196" cy="5213682"/>
+            <a:off x="7768693" y="3239588"/>
+            <a:ext cx="3278718" cy="3323006"/>
           </a:xfrm>
           <a:prstGeom prst="rect">
             <a:avLst/>

--- a/VIRTUAL WALLET.pptx
+++ b/VIRTUAL WALLET.pptx
@@ -186,7 +186,7 @@
           <a:noFill/>
           <a:extLst>
             <a:ext uri="{909E8E84-426E-40dd-AFC4-6F175D3DCCD1}">
-              <a14:hiddenFill xmlns:a14="http://schemas.microsoft.com/office/drawing/2010/main" xmlns="">
+              <a14:hiddenFill xmlns="" xmlns:a14="http://schemas.microsoft.com/office/drawing/2010/main">
                 <a:solidFill>
                   <a:srgbClr val="FFFFFF"/>
                 </a:solidFill>
@@ -246,7 +246,7 @@
             </a:ln>
             <a:extLst>
               <a:ext uri="{91240B29-F687-4f45-9708-019B960494DF}">
-                <a14:hiddenLine xmlns:a14="http://schemas.microsoft.com/office/drawing/2010/main" xmlns="" w="9525">
+                <a14:hiddenLine xmlns="" xmlns:a14="http://schemas.microsoft.com/office/drawing/2010/main" w="9525">
                   <a:solidFill>
                     <a:srgbClr val="000000"/>
                   </a:solidFill>
@@ -336,7 +336,7 @@
             </a:ln>
             <a:extLst>
               <a:ext uri="{91240B29-F687-4f45-9708-019B960494DF}">
-                <a14:hiddenLine xmlns:a14="http://schemas.microsoft.com/office/drawing/2010/main" xmlns="" w="9525">
+                <a14:hiddenLine xmlns="" xmlns:a14="http://schemas.microsoft.com/office/drawing/2010/main" w="9525">
                   <a:solidFill>
                     <a:srgbClr val="000000"/>
                   </a:solidFill>
@@ -426,7 +426,7 @@
             </a:ln>
             <a:extLst>
               <a:ext uri="{91240B29-F687-4f45-9708-019B960494DF}">
-                <a14:hiddenLine xmlns:a14="http://schemas.microsoft.com/office/drawing/2010/main" xmlns="" w="9525">
+                <a14:hiddenLine xmlns="" xmlns:a14="http://schemas.microsoft.com/office/drawing/2010/main" w="9525">
                   <a:solidFill>
                     <a:srgbClr val="000000"/>
                   </a:solidFill>
@@ -460,7 +460,7 @@
             </a:ln>
             <a:extLst>
               <a:ext uri="{91240B29-F687-4f45-9708-019B960494DF}">
-                <a14:hiddenLine xmlns:a14="http://schemas.microsoft.com/office/drawing/2010/main" xmlns="" w="9525">
+                <a14:hiddenLine xmlns="" xmlns:a14="http://schemas.microsoft.com/office/drawing/2010/main" w="9525">
                   <a:solidFill>
                     <a:srgbClr val="000000"/>
                   </a:solidFill>
@@ -550,7 +550,7 @@
             </a:ln>
             <a:extLst>
               <a:ext uri="{91240B29-F687-4f45-9708-019B960494DF}">
-                <a14:hiddenLine xmlns:a14="http://schemas.microsoft.com/office/drawing/2010/main" xmlns="" w="9525">
+                <a14:hiddenLine xmlns="" xmlns:a14="http://schemas.microsoft.com/office/drawing/2010/main" w="9525">
                   <a:solidFill>
                     <a:srgbClr val="000000"/>
                   </a:solidFill>
@@ -612,7 +612,7 @@
             </a:ln>
             <a:extLst>
               <a:ext uri="{91240B29-F687-4f45-9708-019B960494DF}">
-                <a14:hiddenLine xmlns:a14="http://schemas.microsoft.com/office/drawing/2010/main" xmlns="" w="9525">
+                <a14:hiddenLine xmlns="" xmlns:a14="http://schemas.microsoft.com/office/drawing/2010/main" w="9525">
                   <a:solidFill>
                     <a:srgbClr val="000000"/>
                   </a:solidFill>
@@ -674,7 +674,7 @@
             </a:ln>
             <a:extLst>
               <a:ext uri="{91240B29-F687-4f45-9708-019B960494DF}">
-                <a14:hiddenLine xmlns:a14="http://schemas.microsoft.com/office/drawing/2010/main" xmlns="" w="9525">
+                <a14:hiddenLine xmlns="" xmlns:a14="http://schemas.microsoft.com/office/drawing/2010/main" w="9525">
                   <a:solidFill>
                     <a:srgbClr val="000000"/>
                   </a:solidFill>
@@ -764,7 +764,7 @@
             </a:ln>
             <a:extLst>
               <a:ext uri="{91240B29-F687-4f45-9708-019B960494DF}">
-                <a14:hiddenLine xmlns:a14="http://schemas.microsoft.com/office/drawing/2010/main" xmlns="" w="9525">
+                <a14:hiddenLine xmlns="" xmlns:a14="http://schemas.microsoft.com/office/drawing/2010/main" w="9525">
                   <a:solidFill>
                     <a:srgbClr val="000000"/>
                   </a:solidFill>
@@ -826,7 +826,7 @@
             </a:ln>
             <a:extLst>
               <a:ext uri="{91240B29-F687-4f45-9708-019B960494DF}">
-                <a14:hiddenLine xmlns:a14="http://schemas.microsoft.com/office/drawing/2010/main" xmlns="" w="9525">
+                <a14:hiddenLine xmlns="" xmlns:a14="http://schemas.microsoft.com/office/drawing/2010/main" w="9525">
                   <a:solidFill>
                     <a:srgbClr val="000000"/>
                   </a:solidFill>
@@ -888,7 +888,7 @@
             </a:ln>
             <a:extLst>
               <a:ext uri="{91240B29-F687-4f45-9708-019B960494DF}">
-                <a14:hiddenLine xmlns:a14="http://schemas.microsoft.com/office/drawing/2010/main" xmlns="" w="9525">
+                <a14:hiddenLine xmlns="" xmlns:a14="http://schemas.microsoft.com/office/drawing/2010/main" w="9525">
                   <a:solidFill>
                     <a:srgbClr val="000000"/>
                   </a:solidFill>
@@ -978,7 +978,7 @@
             </a:ln>
             <a:extLst>
               <a:ext uri="{91240B29-F687-4f45-9708-019B960494DF}">
-                <a14:hiddenLine xmlns:a14="http://schemas.microsoft.com/office/drawing/2010/main" xmlns="" w="9525">
+                <a14:hiddenLine xmlns="" xmlns:a14="http://schemas.microsoft.com/office/drawing/2010/main" w="9525">
                   <a:solidFill>
                     <a:srgbClr val="000000"/>
                   </a:solidFill>
@@ -1068,7 +1068,7 @@
             </a:ln>
             <a:extLst>
               <a:ext uri="{91240B29-F687-4f45-9708-019B960494DF}">
-                <a14:hiddenLine xmlns:a14="http://schemas.microsoft.com/office/drawing/2010/main" xmlns="" w="9525">
+                <a14:hiddenLine xmlns="" xmlns:a14="http://schemas.microsoft.com/office/drawing/2010/main" w="9525">
                   <a:solidFill>
                     <a:srgbClr val="000000"/>
                   </a:solidFill>
@@ -1130,7 +1130,7 @@
             </a:ln>
             <a:extLst>
               <a:ext uri="{91240B29-F687-4f45-9708-019B960494DF}">
-                <a14:hiddenLine xmlns:a14="http://schemas.microsoft.com/office/drawing/2010/main" xmlns="" w="9525">
+                <a14:hiddenLine xmlns="" xmlns:a14="http://schemas.microsoft.com/office/drawing/2010/main" w="9525">
                   <a:solidFill>
                     <a:srgbClr val="000000"/>
                   </a:solidFill>
@@ -1240,7 +1240,7 @@
             </a:ln>
             <a:extLst>
               <a:ext uri="{91240B29-F687-4f45-9708-019B960494DF}">
-                <a14:hiddenLine xmlns:a14="http://schemas.microsoft.com/office/drawing/2010/main" xmlns="" w="9525">
+                <a14:hiddenLine xmlns="" xmlns:a14="http://schemas.microsoft.com/office/drawing/2010/main" w="9525">
                   <a:solidFill>
                     <a:srgbClr val="000000"/>
                   </a:solidFill>
@@ -1302,7 +1302,7 @@
             </a:ln>
             <a:extLst>
               <a:ext uri="{91240B29-F687-4f45-9708-019B960494DF}">
-                <a14:hiddenLine xmlns:a14="http://schemas.microsoft.com/office/drawing/2010/main" xmlns="" w="9525">
+                <a14:hiddenLine xmlns="" xmlns:a14="http://schemas.microsoft.com/office/drawing/2010/main" w="9525">
                   <a:solidFill>
                     <a:srgbClr val="000000"/>
                   </a:solidFill>
@@ -1392,7 +1392,7 @@
             </a:ln>
             <a:extLst>
               <a:ext uri="{91240B29-F687-4f45-9708-019B960494DF}">
-                <a14:hiddenLine xmlns:a14="http://schemas.microsoft.com/office/drawing/2010/main" xmlns="" w="9525">
+                <a14:hiddenLine xmlns="" xmlns:a14="http://schemas.microsoft.com/office/drawing/2010/main" w="9525">
                   <a:solidFill>
                     <a:srgbClr val="000000"/>
                   </a:solidFill>
@@ -1482,7 +1482,7 @@
             </a:ln>
             <a:extLst>
               <a:ext uri="{91240B29-F687-4f45-9708-019B960494DF}">
-                <a14:hiddenLine xmlns:a14="http://schemas.microsoft.com/office/drawing/2010/main" xmlns="" w="9525">
+                <a14:hiddenLine xmlns="" xmlns:a14="http://schemas.microsoft.com/office/drawing/2010/main" w="9525">
                   <a:solidFill>
                     <a:srgbClr val="000000"/>
                   </a:solidFill>
@@ -1544,7 +1544,7 @@
             </a:ln>
             <a:extLst>
               <a:ext uri="{91240B29-F687-4f45-9708-019B960494DF}">
-                <a14:hiddenLine xmlns:a14="http://schemas.microsoft.com/office/drawing/2010/main" xmlns="" w="9525">
+                <a14:hiddenLine xmlns="" xmlns:a14="http://schemas.microsoft.com/office/drawing/2010/main" w="9525">
                   <a:solidFill>
                     <a:srgbClr val="000000"/>
                   </a:solidFill>
@@ -1634,7 +1634,7 @@
             </a:ln>
             <a:extLst>
               <a:ext uri="{91240B29-F687-4f45-9708-019B960494DF}">
-                <a14:hiddenLine xmlns:a14="http://schemas.microsoft.com/office/drawing/2010/main" xmlns="" w="9525">
+                <a14:hiddenLine xmlns="" xmlns:a14="http://schemas.microsoft.com/office/drawing/2010/main" w="9525">
                   <a:solidFill>
                     <a:srgbClr val="000000"/>
                   </a:solidFill>
@@ -1724,7 +1724,7 @@
             </a:ln>
             <a:extLst>
               <a:ext uri="{91240B29-F687-4f45-9708-019B960494DF}">
-                <a14:hiddenLine xmlns:a14="http://schemas.microsoft.com/office/drawing/2010/main" xmlns="" w="9525">
+                <a14:hiddenLine xmlns="" xmlns:a14="http://schemas.microsoft.com/office/drawing/2010/main" w="9525">
                   <a:solidFill>
                     <a:srgbClr val="000000"/>
                   </a:solidFill>
@@ -1780,7 +1780,7 @@
             </a:ln>
             <a:extLst>
               <a:ext uri="{91240B29-F687-4f45-9708-019B960494DF}">
-                <a14:hiddenLine xmlns:a14="http://schemas.microsoft.com/office/drawing/2010/main" xmlns="" w="9525">
+                <a14:hiddenLine xmlns="" xmlns:a14="http://schemas.microsoft.com/office/drawing/2010/main" w="9525">
                   <a:solidFill>
                     <a:srgbClr val="000000"/>
                   </a:solidFill>
@@ -1870,7 +1870,7 @@
             </a:ln>
             <a:extLst>
               <a:ext uri="{91240B29-F687-4f45-9708-019B960494DF}">
-                <a14:hiddenLine xmlns:a14="http://schemas.microsoft.com/office/drawing/2010/main" xmlns="" w="9525">
+                <a14:hiddenLine xmlns="" xmlns:a14="http://schemas.microsoft.com/office/drawing/2010/main" w="9525">
                   <a:solidFill>
                     <a:srgbClr val="000000"/>
                   </a:solidFill>
@@ -1926,7 +1926,7 @@
             </a:ln>
             <a:extLst>
               <a:ext uri="{91240B29-F687-4f45-9708-019B960494DF}">
-                <a14:hiddenLine xmlns:a14="http://schemas.microsoft.com/office/drawing/2010/main" xmlns="" w="9525">
+                <a14:hiddenLine xmlns="" xmlns:a14="http://schemas.microsoft.com/office/drawing/2010/main" w="9525">
                   <a:solidFill>
                     <a:srgbClr val="000000"/>
                   </a:solidFill>
@@ -2016,7 +2016,7 @@
             </a:ln>
             <a:extLst>
               <a:ext uri="{91240B29-F687-4f45-9708-019B960494DF}">
-                <a14:hiddenLine xmlns:a14="http://schemas.microsoft.com/office/drawing/2010/main" xmlns="" w="9525">
+                <a14:hiddenLine xmlns="" xmlns:a14="http://schemas.microsoft.com/office/drawing/2010/main" w="9525">
                   <a:solidFill>
                     <a:srgbClr val="000000"/>
                   </a:solidFill>
@@ -2084,7 +2084,7 @@
             </a:ln>
             <a:extLst>
               <a:ext uri="{91240B29-F687-4f45-9708-019B960494DF}">
-                <a14:hiddenLine xmlns:a14="http://schemas.microsoft.com/office/drawing/2010/main" xmlns="" w="9525">
+                <a14:hiddenLine xmlns="" xmlns:a14="http://schemas.microsoft.com/office/drawing/2010/main" w="9525">
                   <a:solidFill>
                     <a:srgbClr val="000000"/>
                   </a:solidFill>
@@ -2174,7 +2174,7 @@
             </a:ln>
             <a:extLst>
               <a:ext uri="{91240B29-F687-4f45-9708-019B960494DF}">
-                <a14:hiddenLine xmlns:a14="http://schemas.microsoft.com/office/drawing/2010/main" xmlns="" w="9525">
+                <a14:hiddenLine xmlns="" xmlns:a14="http://schemas.microsoft.com/office/drawing/2010/main" w="9525">
                   <a:solidFill>
                     <a:srgbClr val="000000"/>
                   </a:solidFill>
@@ -2242,7 +2242,7 @@
             </a:ln>
             <a:extLst>
               <a:ext uri="{91240B29-F687-4f45-9708-019B960494DF}">
-                <a14:hiddenLine xmlns:a14="http://schemas.microsoft.com/office/drawing/2010/main" xmlns="" w="9525">
+                <a14:hiddenLine xmlns="" xmlns:a14="http://schemas.microsoft.com/office/drawing/2010/main" w="9525">
                   <a:solidFill>
                     <a:srgbClr val="000000"/>
                   </a:solidFill>
@@ -2332,7 +2332,7 @@
             </a:ln>
             <a:extLst>
               <a:ext uri="{91240B29-F687-4f45-9708-019B960494DF}">
-                <a14:hiddenLine xmlns:a14="http://schemas.microsoft.com/office/drawing/2010/main" xmlns="" w="9525">
+                <a14:hiddenLine xmlns="" xmlns:a14="http://schemas.microsoft.com/office/drawing/2010/main" w="9525">
                   <a:solidFill>
                     <a:srgbClr val="000000"/>
                   </a:solidFill>
@@ -2366,7 +2366,7 @@
             </a:ln>
             <a:extLst>
               <a:ext uri="{91240B29-F687-4f45-9708-019B960494DF}">
-                <a14:hiddenLine xmlns:a14="http://schemas.microsoft.com/office/drawing/2010/main" xmlns="" w="9525">
+                <a14:hiddenLine xmlns="" xmlns:a14="http://schemas.microsoft.com/office/drawing/2010/main" w="9525">
                   <a:solidFill>
                     <a:srgbClr val="000000"/>
                   </a:solidFill>
@@ -2456,7 +2456,7 @@
             </a:ln>
             <a:extLst>
               <a:ext uri="{91240B29-F687-4f45-9708-019B960494DF}">
-                <a14:hiddenLine xmlns:a14="http://schemas.microsoft.com/office/drawing/2010/main" xmlns="" w="9525">
+                <a14:hiddenLine xmlns="" xmlns:a14="http://schemas.microsoft.com/office/drawing/2010/main" w="9525">
                   <a:solidFill>
                     <a:srgbClr val="000000"/>
                   </a:solidFill>
@@ -2518,7 +2518,7 @@
             </a:ln>
             <a:extLst>
               <a:ext uri="{91240B29-F687-4f45-9708-019B960494DF}">
-                <a14:hiddenLine xmlns:a14="http://schemas.microsoft.com/office/drawing/2010/main" xmlns="" w="9525">
+                <a14:hiddenLine xmlns="" xmlns:a14="http://schemas.microsoft.com/office/drawing/2010/main" w="9525">
                   <a:solidFill>
                     <a:srgbClr val="000000"/>
                   </a:solidFill>
@@ -2580,7 +2580,7 @@
             </a:ln>
             <a:extLst>
               <a:ext uri="{91240B29-F687-4f45-9708-019B960494DF}">
-                <a14:hiddenLine xmlns:a14="http://schemas.microsoft.com/office/drawing/2010/main" xmlns="" w="9525">
+                <a14:hiddenLine xmlns="" xmlns:a14="http://schemas.microsoft.com/office/drawing/2010/main" w="9525">
                   <a:solidFill>
                     <a:srgbClr val="000000"/>
                   </a:solidFill>
@@ -2670,7 +2670,7 @@
             </a:ln>
             <a:extLst>
               <a:ext uri="{91240B29-F687-4f45-9708-019B960494DF}">
-                <a14:hiddenLine xmlns:a14="http://schemas.microsoft.com/office/drawing/2010/main" xmlns="" w="9525">
+                <a14:hiddenLine xmlns="" xmlns:a14="http://schemas.microsoft.com/office/drawing/2010/main" w="9525">
                   <a:solidFill>
                     <a:srgbClr val="000000"/>
                   </a:solidFill>
@@ -2738,7 +2738,7 @@
             </a:ln>
             <a:extLst>
               <a:ext uri="{91240B29-F687-4f45-9708-019B960494DF}">
-                <a14:hiddenLine xmlns:a14="http://schemas.microsoft.com/office/drawing/2010/main" xmlns="" w="9525">
+                <a14:hiddenLine xmlns="" xmlns:a14="http://schemas.microsoft.com/office/drawing/2010/main" w="9525">
                   <a:solidFill>
                     <a:srgbClr val="000000"/>
                   </a:solidFill>
@@ -2800,7 +2800,7 @@
             </a:ln>
             <a:extLst>
               <a:ext uri="{91240B29-F687-4f45-9708-019B960494DF}">
-                <a14:hiddenLine xmlns:a14="http://schemas.microsoft.com/office/drawing/2010/main" xmlns="" w="9525">
+                <a14:hiddenLine xmlns="" xmlns:a14="http://schemas.microsoft.com/office/drawing/2010/main" w="9525">
                   <a:solidFill>
                     <a:srgbClr val="000000"/>
                   </a:solidFill>
@@ -2890,7 +2890,7 @@
             </a:ln>
             <a:extLst>
               <a:ext uri="{91240B29-F687-4f45-9708-019B960494DF}">
-                <a14:hiddenLine xmlns:a14="http://schemas.microsoft.com/office/drawing/2010/main" xmlns="" w="9525">
+                <a14:hiddenLine xmlns="" xmlns:a14="http://schemas.microsoft.com/office/drawing/2010/main" w="9525">
                   <a:solidFill>
                     <a:srgbClr val="000000"/>
                   </a:solidFill>
@@ -2952,7 +2952,7 @@
             </a:ln>
             <a:extLst>
               <a:ext uri="{91240B29-F687-4f45-9708-019B960494DF}">
-                <a14:hiddenLine xmlns:a14="http://schemas.microsoft.com/office/drawing/2010/main" xmlns="" w="9525">
+                <a14:hiddenLine xmlns="" xmlns:a14="http://schemas.microsoft.com/office/drawing/2010/main" w="9525">
                   <a:solidFill>
                     <a:srgbClr val="000000"/>
                   </a:solidFill>
@@ -3042,7 +3042,7 @@
             </a:ln>
             <a:extLst>
               <a:ext uri="{91240B29-F687-4f45-9708-019B960494DF}">
-                <a14:hiddenLine xmlns:a14="http://schemas.microsoft.com/office/drawing/2010/main" xmlns="" w="9525">
+                <a14:hiddenLine xmlns="" xmlns:a14="http://schemas.microsoft.com/office/drawing/2010/main" w="9525">
                   <a:solidFill>
                     <a:srgbClr val="000000"/>
                   </a:solidFill>
@@ -3104,7 +3104,7 @@
             </a:ln>
             <a:extLst>
               <a:ext uri="{91240B29-F687-4f45-9708-019B960494DF}">
-                <a14:hiddenLine xmlns:a14="http://schemas.microsoft.com/office/drawing/2010/main" xmlns="" w="9525">
+                <a14:hiddenLine xmlns="" xmlns:a14="http://schemas.microsoft.com/office/drawing/2010/main" w="9525">
                   <a:solidFill>
                     <a:srgbClr val="000000"/>
                   </a:solidFill>
@@ -3194,7 +3194,7 @@
             </a:ln>
             <a:extLst>
               <a:ext uri="{91240B29-F687-4f45-9708-019B960494DF}">
-                <a14:hiddenLine xmlns:a14="http://schemas.microsoft.com/office/drawing/2010/main" xmlns="" w="9525">
+                <a14:hiddenLine xmlns="" xmlns:a14="http://schemas.microsoft.com/office/drawing/2010/main" w="9525">
                   <a:solidFill>
                     <a:srgbClr val="000000"/>
                   </a:solidFill>
@@ -3228,7 +3228,7 @@
             </a:ln>
             <a:extLst>
               <a:ext uri="{91240B29-F687-4f45-9708-019B960494DF}">
-                <a14:hiddenLine xmlns:a14="http://schemas.microsoft.com/office/drawing/2010/main" xmlns="" w="9525">
+                <a14:hiddenLine xmlns="" xmlns:a14="http://schemas.microsoft.com/office/drawing/2010/main" w="9525">
                   <a:solidFill>
                     <a:srgbClr val="000000"/>
                   </a:solidFill>
@@ -3293,7 +3293,7 @@
             </a:ln>
             <a:extLst>
               <a:ext uri="{91240B29-F687-4f45-9708-019B960494DF}">
-                <a14:hiddenLine xmlns:a14="http://schemas.microsoft.com/office/drawing/2010/main" xmlns="" w="9525">
+                <a14:hiddenLine xmlns="" xmlns:a14="http://schemas.microsoft.com/office/drawing/2010/main" w="9525">
                   <a:solidFill>
                     <a:srgbClr val="000000"/>
                   </a:solidFill>
@@ -3383,7 +3383,7 @@
             </a:ln>
             <a:extLst>
               <a:ext uri="{91240B29-F687-4f45-9708-019B960494DF}">
-                <a14:hiddenLine xmlns:a14="http://schemas.microsoft.com/office/drawing/2010/main" xmlns="" w="9525">
+                <a14:hiddenLine xmlns="" xmlns:a14="http://schemas.microsoft.com/office/drawing/2010/main" w="9525">
                   <a:solidFill>
                     <a:srgbClr val="000000"/>
                   </a:solidFill>
@@ -3445,7 +3445,7 @@
             </a:ln>
             <a:extLst>
               <a:ext uri="{91240B29-F687-4f45-9708-019B960494DF}">
-                <a14:hiddenLine xmlns:a14="http://schemas.microsoft.com/office/drawing/2010/main" xmlns="" w="9525">
+                <a14:hiddenLine xmlns="" xmlns:a14="http://schemas.microsoft.com/office/drawing/2010/main" w="9525">
                   <a:solidFill>
                     <a:srgbClr val="000000"/>
                   </a:solidFill>
@@ -3535,7 +3535,7 @@
             </a:ln>
             <a:extLst>
               <a:ext uri="{91240B29-F687-4f45-9708-019B960494DF}">
-                <a14:hiddenLine xmlns:a14="http://schemas.microsoft.com/office/drawing/2010/main" xmlns="" w="9525">
+                <a14:hiddenLine xmlns="" xmlns:a14="http://schemas.microsoft.com/office/drawing/2010/main" w="9525">
                   <a:solidFill>
                     <a:srgbClr val="000000"/>
                   </a:solidFill>
@@ -3625,7 +3625,7 @@
             </a:ln>
             <a:extLst>
               <a:ext uri="{91240B29-F687-4f45-9708-019B960494DF}">
-                <a14:hiddenLine xmlns:a14="http://schemas.microsoft.com/office/drawing/2010/main" xmlns="" w="9525">
+                <a14:hiddenLine xmlns="" xmlns:a14="http://schemas.microsoft.com/office/drawing/2010/main" w="9525">
                   <a:solidFill>
                     <a:srgbClr val="000000"/>
                   </a:solidFill>
@@ -3690,7 +3690,7 @@
             </a:ln>
             <a:extLst>
               <a:ext uri="{91240B29-F687-4f45-9708-019B960494DF}">
-                <a14:hiddenLine xmlns:a14="http://schemas.microsoft.com/office/drawing/2010/main" xmlns="" w="9525">
+                <a14:hiddenLine xmlns="" xmlns:a14="http://schemas.microsoft.com/office/drawing/2010/main" w="9525">
                   <a:solidFill>
                     <a:srgbClr val="000000"/>
                   </a:solidFill>
@@ -3752,7 +3752,7 @@
             </a:ln>
             <a:extLst>
               <a:ext uri="{91240B29-F687-4f45-9708-019B960494DF}">
-                <a14:hiddenLine xmlns:a14="http://schemas.microsoft.com/office/drawing/2010/main" xmlns="" w="9525">
+                <a14:hiddenLine xmlns="" xmlns:a14="http://schemas.microsoft.com/office/drawing/2010/main" w="9525">
                   <a:solidFill>
                     <a:srgbClr val="000000"/>
                   </a:solidFill>
@@ -3842,7 +3842,7 @@
             </a:ln>
             <a:extLst>
               <a:ext uri="{91240B29-F687-4f45-9708-019B960494DF}">
-                <a14:hiddenLine xmlns:a14="http://schemas.microsoft.com/office/drawing/2010/main" xmlns="" w="9525">
+                <a14:hiddenLine xmlns="" xmlns:a14="http://schemas.microsoft.com/office/drawing/2010/main" w="9525">
                   <a:solidFill>
                     <a:srgbClr val="000000"/>
                   </a:solidFill>
@@ -3932,7 +3932,7 @@
             </a:ln>
             <a:extLst>
               <a:ext uri="{91240B29-F687-4f45-9708-019B960494DF}">
-                <a14:hiddenLine xmlns:a14="http://schemas.microsoft.com/office/drawing/2010/main" xmlns="" w="9525">
+                <a14:hiddenLine xmlns="" xmlns:a14="http://schemas.microsoft.com/office/drawing/2010/main" w="9525">
                   <a:solidFill>
                     <a:srgbClr val="000000"/>
                   </a:solidFill>
@@ -3994,7 +3994,7 @@
             </a:ln>
             <a:extLst>
               <a:ext uri="{91240B29-F687-4f45-9708-019B960494DF}">
-                <a14:hiddenLine xmlns:a14="http://schemas.microsoft.com/office/drawing/2010/main" xmlns="" w="9525">
+                <a14:hiddenLine xmlns="" xmlns:a14="http://schemas.microsoft.com/office/drawing/2010/main" w="9525">
                   <a:solidFill>
                     <a:srgbClr val="000000"/>
                   </a:solidFill>
@@ -4114,7 +4114,7 @@
             </a:ln>
             <a:extLst>
               <a:ext uri="{91240B29-F687-4f45-9708-019B960494DF}">
-                <a14:hiddenLine xmlns:a14="http://schemas.microsoft.com/office/drawing/2010/main" xmlns="" w="9525">
+                <a14:hiddenLine xmlns="" xmlns:a14="http://schemas.microsoft.com/office/drawing/2010/main" w="9525">
                   <a:solidFill>
                     <a:srgbClr val="000000"/>
                   </a:solidFill>
@@ -4182,7 +4182,7 @@
             </a:ln>
             <a:extLst>
               <a:ext uri="{91240B29-F687-4f45-9708-019B960494DF}">
-                <a14:hiddenLine xmlns:a14="http://schemas.microsoft.com/office/drawing/2010/main" xmlns="" w="9525">
+                <a14:hiddenLine xmlns="" xmlns:a14="http://schemas.microsoft.com/office/drawing/2010/main" w="9525">
                   <a:solidFill>
                     <a:srgbClr val="000000"/>
                   </a:solidFill>
@@ -4272,7 +4272,7 @@
             </a:ln>
             <a:extLst>
               <a:ext uri="{91240B29-F687-4f45-9708-019B960494DF}">
-                <a14:hiddenLine xmlns:a14="http://schemas.microsoft.com/office/drawing/2010/main" xmlns="" w="9525">
+                <a14:hiddenLine xmlns="" xmlns:a14="http://schemas.microsoft.com/office/drawing/2010/main" w="9525">
                   <a:solidFill>
                     <a:srgbClr val="000000"/>
                   </a:solidFill>
@@ -4412,7 +4412,7 @@
           <a:p>
             <a:fld id="{48A87A34-81AB-432B-8DAE-1953F412C126}" type="datetimeFigureOut">
               <a:rPr lang="en-US" dirty="0"/>
-              <a:t>5/17/2021</a:t>
+              <a:t>5/18/2021</a:t>
             </a:fld>
             <a:endParaRPr lang="en-US" dirty="0"/>
           </a:p>
@@ -4674,7 +4674,7 @@
           <a:p>
             <a:fld id="{48A87A34-81AB-432B-8DAE-1953F412C126}" type="datetimeFigureOut">
               <a:rPr lang="en-US" dirty="0"/>
-              <a:t>5/17/2021</a:t>
+              <a:t>5/18/2021</a:t>
             </a:fld>
             <a:endParaRPr lang="en-US" dirty="0"/>
           </a:p>
@@ -4865,7 +4865,7 @@
           <a:p>
             <a:fld id="{48A87A34-81AB-432B-8DAE-1953F412C126}" type="datetimeFigureOut">
               <a:rPr lang="en-US" dirty="0"/>
-              <a:t>5/17/2021</a:t>
+              <a:t>5/18/2021</a:t>
             </a:fld>
             <a:endParaRPr lang="en-US" dirty="0"/>
           </a:p>
@@ -5123,7 +5123,7 @@
           <a:p>
             <a:fld id="{48A87A34-81AB-432B-8DAE-1953F412C126}" type="datetimeFigureOut">
               <a:rPr lang="en-US" dirty="0"/>
-              <a:t>5/17/2021</a:t>
+              <a:t>5/18/2021</a:t>
             </a:fld>
             <a:endParaRPr lang="en-US" dirty="0"/>
           </a:p>
@@ -5552,7 +5552,7 @@
           <a:p>
             <a:fld id="{48A87A34-81AB-432B-8DAE-1953F412C126}" type="datetimeFigureOut">
               <a:rPr lang="en-US" dirty="0"/>
-              <a:t>5/17/2021</a:t>
+              <a:t>5/18/2021</a:t>
             </a:fld>
             <a:endParaRPr lang="en-US" dirty="0"/>
           </a:p>
@@ -6093,7 +6093,7 @@
           <a:p>
             <a:fld id="{48A87A34-81AB-432B-8DAE-1953F412C126}" type="datetimeFigureOut">
               <a:rPr lang="en-US" dirty="0"/>
-              <a:t>5/17/2021</a:t>
+              <a:t>5/18/2021</a:t>
             </a:fld>
             <a:endParaRPr lang="en-US" dirty="0"/>
           </a:p>
@@ -6808,7 +6808,7 @@
           <a:p>
             <a:fld id="{48A87A34-81AB-432B-8DAE-1953F412C126}" type="datetimeFigureOut">
               <a:rPr lang="en-US" dirty="0"/>
-              <a:t>5/17/2021</a:t>
+              <a:t>5/18/2021</a:t>
             </a:fld>
             <a:endParaRPr lang="en-US" dirty="0"/>
           </a:p>
@@ -6973,7 +6973,7 @@
           <a:p>
             <a:fld id="{48A87A34-81AB-432B-8DAE-1953F412C126}" type="datetimeFigureOut">
               <a:rPr lang="en-US" dirty="0"/>
-              <a:t>5/17/2021</a:t>
+              <a:t>5/18/2021</a:t>
             </a:fld>
             <a:endParaRPr lang="en-US" dirty="0"/>
           </a:p>
@@ -7148,7 +7148,7 @@
           <a:p>
             <a:fld id="{48A87A34-81AB-432B-8DAE-1953F412C126}" type="datetimeFigureOut">
               <a:rPr lang="en-US" dirty="0"/>
-              <a:t>5/17/2021</a:t>
+              <a:t>5/18/2021</a:t>
             </a:fld>
             <a:endParaRPr lang="en-US" dirty="0"/>
           </a:p>
@@ -7313,7 +7313,7 @@
           <a:p>
             <a:fld id="{48A87A34-81AB-432B-8DAE-1953F412C126}" type="datetimeFigureOut">
               <a:rPr lang="en-US" dirty="0"/>
-              <a:t>5/17/2021</a:t>
+              <a:t>5/18/2021</a:t>
             </a:fld>
             <a:endParaRPr lang="en-US" dirty="0"/>
           </a:p>
@@ -7558,7 +7558,7 @@
           <a:p>
             <a:fld id="{48A87A34-81AB-432B-8DAE-1953F412C126}" type="datetimeFigureOut">
               <a:rPr lang="en-US" dirty="0"/>
-              <a:t>5/17/2021</a:t>
+              <a:t>5/18/2021</a:t>
             </a:fld>
             <a:endParaRPr lang="en-US" dirty="0"/>
           </a:p>
@@ -7785,7 +7785,7 @@
           <a:p>
             <a:fld id="{48A87A34-81AB-432B-8DAE-1953F412C126}" type="datetimeFigureOut">
               <a:rPr lang="en-US" dirty="0"/>
-              <a:t>5/17/2021</a:t>
+              <a:t>5/18/2021</a:t>
             </a:fld>
             <a:endParaRPr lang="en-US" dirty="0"/>
           </a:p>
@@ -8161,7 +8161,7 @@
           <a:p>
             <a:fld id="{48A87A34-81AB-432B-8DAE-1953F412C126}" type="datetimeFigureOut">
               <a:rPr lang="en-US" dirty="0"/>
-              <a:t>5/17/2021</a:t>
+              <a:t>5/18/2021</a:t>
             </a:fld>
             <a:endParaRPr lang="en-US" dirty="0"/>
           </a:p>
@@ -8274,7 +8274,7 @@
           <a:p>
             <a:fld id="{48A87A34-81AB-432B-8DAE-1953F412C126}" type="datetimeFigureOut">
               <a:rPr lang="en-US" dirty="0"/>
-              <a:t>5/17/2021</a:t>
+              <a:t>5/18/2021</a:t>
             </a:fld>
             <a:endParaRPr lang="en-US" dirty="0"/>
           </a:p>
@@ -8364,7 +8364,7 @@
           <a:p>
             <a:fld id="{48A87A34-81AB-432B-8DAE-1953F412C126}" type="datetimeFigureOut">
               <a:rPr lang="en-US" dirty="0"/>
-              <a:t>5/17/2021</a:t>
+              <a:t>5/18/2021</a:t>
             </a:fld>
             <a:endParaRPr lang="en-US" dirty="0"/>
           </a:p>
@@ -8608,7 +8608,7 @@
           <a:p>
             <a:fld id="{48A87A34-81AB-432B-8DAE-1953F412C126}" type="datetimeFigureOut">
               <a:rPr lang="en-US" dirty="0"/>
-              <a:t>5/17/2021</a:t>
+              <a:t>5/18/2021</a:t>
             </a:fld>
             <a:endParaRPr lang="en-US" dirty="0"/>
           </a:p>
@@ -8883,7 +8883,7 @@
           <a:p>
             <a:fld id="{48A87A34-81AB-432B-8DAE-1953F412C126}" type="datetimeFigureOut">
               <a:rPr lang="en-US" dirty="0"/>
-              <a:t>5/17/2021</a:t>
+              <a:t>5/18/2021</a:t>
             </a:fld>
             <a:endParaRPr lang="en-US" dirty="0"/>
           </a:p>
@@ -8994,7 +8994,7 @@
           <a:noFill/>
           <a:extLst>
             <a:ext uri="{909E8E84-426E-40dd-AFC4-6F175D3DCCD1}">
-              <a14:hiddenFill xmlns:a14="http://schemas.microsoft.com/office/drawing/2010/main" xmlns="">
+              <a14:hiddenFill xmlns="" xmlns:a14="http://schemas.microsoft.com/office/drawing/2010/main">
                 <a:solidFill>
                   <a:srgbClr val="FFFFFF"/>
                 </a:solidFill>
@@ -9068,7 +9068,7 @@
               </a:ln>
               <a:extLst>
                 <a:ext uri="{91240B29-F687-4f45-9708-019B960494DF}">
-                  <a14:hiddenLine xmlns:a14="http://schemas.microsoft.com/office/drawing/2010/main" xmlns="" w="9525">
+                  <a14:hiddenLine xmlns="" xmlns:a14="http://schemas.microsoft.com/office/drawing/2010/main" w="9525">
                     <a:solidFill>
                       <a:srgbClr val="000000"/>
                     </a:solidFill>
@@ -9158,7 +9158,7 @@
               </a:ln>
               <a:extLst>
                 <a:ext uri="{91240B29-F687-4f45-9708-019B960494DF}">
-                  <a14:hiddenLine xmlns:a14="http://schemas.microsoft.com/office/drawing/2010/main" xmlns="" w="9525">
+                  <a14:hiddenLine xmlns="" xmlns:a14="http://schemas.microsoft.com/office/drawing/2010/main" w="9525">
                     <a:solidFill>
                       <a:srgbClr val="000000"/>
                     </a:solidFill>
@@ -9248,7 +9248,7 @@
               </a:ln>
               <a:extLst>
                 <a:ext uri="{91240B29-F687-4f45-9708-019B960494DF}">
-                  <a14:hiddenLine xmlns:a14="http://schemas.microsoft.com/office/drawing/2010/main" xmlns="" w="9525">
+                  <a14:hiddenLine xmlns="" xmlns:a14="http://schemas.microsoft.com/office/drawing/2010/main" w="9525">
                     <a:solidFill>
                       <a:srgbClr val="000000"/>
                     </a:solidFill>
@@ -9310,7 +9310,7 @@
               </a:ln>
               <a:extLst>
                 <a:ext uri="{91240B29-F687-4f45-9708-019B960494DF}">
-                  <a14:hiddenLine xmlns:a14="http://schemas.microsoft.com/office/drawing/2010/main" xmlns="" w="9525">
+                  <a14:hiddenLine xmlns="" xmlns:a14="http://schemas.microsoft.com/office/drawing/2010/main" w="9525">
                     <a:solidFill>
                       <a:srgbClr val="000000"/>
                     </a:solidFill>
@@ -9400,7 +9400,7 @@
               </a:ln>
               <a:extLst>
                 <a:ext uri="{91240B29-F687-4f45-9708-019B960494DF}">
-                  <a14:hiddenLine xmlns:a14="http://schemas.microsoft.com/office/drawing/2010/main" xmlns="" w="9525">
+                  <a14:hiddenLine xmlns="" xmlns:a14="http://schemas.microsoft.com/office/drawing/2010/main" w="9525">
                     <a:solidFill>
                       <a:srgbClr val="000000"/>
                     </a:solidFill>
@@ -9462,7 +9462,7 @@
               </a:ln>
               <a:extLst>
                 <a:ext uri="{91240B29-F687-4f45-9708-019B960494DF}">
-                  <a14:hiddenLine xmlns:a14="http://schemas.microsoft.com/office/drawing/2010/main" xmlns="" w="9525">
+                  <a14:hiddenLine xmlns="" xmlns:a14="http://schemas.microsoft.com/office/drawing/2010/main" w="9525">
                     <a:solidFill>
                       <a:srgbClr val="000000"/>
                     </a:solidFill>
@@ -9524,7 +9524,7 @@
               </a:ln>
               <a:extLst>
                 <a:ext uri="{91240B29-F687-4f45-9708-019B960494DF}">
-                  <a14:hiddenLine xmlns:a14="http://schemas.microsoft.com/office/drawing/2010/main" xmlns="" w="9525">
+                  <a14:hiddenLine xmlns="" xmlns:a14="http://schemas.microsoft.com/office/drawing/2010/main" w="9525">
                     <a:solidFill>
                       <a:srgbClr val="000000"/>
                     </a:solidFill>
@@ -9614,7 +9614,7 @@
               </a:ln>
               <a:extLst>
                 <a:ext uri="{91240B29-F687-4f45-9708-019B960494DF}">
-                  <a14:hiddenLine xmlns:a14="http://schemas.microsoft.com/office/drawing/2010/main" xmlns="" w="9525">
+                  <a14:hiddenLine xmlns="" xmlns:a14="http://schemas.microsoft.com/office/drawing/2010/main" w="9525">
                     <a:solidFill>
                       <a:srgbClr val="000000"/>
                     </a:solidFill>
@@ -9704,7 +9704,7 @@
               </a:ln>
               <a:extLst>
                 <a:ext uri="{91240B29-F687-4f45-9708-019B960494DF}">
-                  <a14:hiddenLine xmlns:a14="http://schemas.microsoft.com/office/drawing/2010/main" xmlns="" w="9525">
+                  <a14:hiddenLine xmlns="" xmlns:a14="http://schemas.microsoft.com/office/drawing/2010/main" w="9525">
                     <a:solidFill>
                       <a:srgbClr val="000000"/>
                     </a:solidFill>
@@ -9766,7 +9766,7 @@
               </a:ln>
               <a:extLst>
                 <a:ext uri="{91240B29-F687-4f45-9708-019B960494DF}">
-                  <a14:hiddenLine xmlns:a14="http://schemas.microsoft.com/office/drawing/2010/main" xmlns="" w="9525">
+                  <a14:hiddenLine xmlns="" xmlns:a14="http://schemas.microsoft.com/office/drawing/2010/main" w="9525">
                     <a:solidFill>
                       <a:srgbClr val="000000"/>
                     </a:solidFill>
@@ -9876,7 +9876,7 @@
               </a:ln>
               <a:extLst>
                 <a:ext uri="{91240B29-F687-4f45-9708-019B960494DF}">
-                  <a14:hiddenLine xmlns:a14="http://schemas.microsoft.com/office/drawing/2010/main" xmlns="" w="9525">
+                  <a14:hiddenLine xmlns="" xmlns:a14="http://schemas.microsoft.com/office/drawing/2010/main" w="9525">
                     <a:solidFill>
                       <a:srgbClr val="000000"/>
                     </a:solidFill>
@@ -9960,7 +9960,7 @@
               </a:ln>
               <a:extLst>
                 <a:ext uri="{91240B29-F687-4f45-9708-019B960494DF}">
-                  <a14:hiddenLine xmlns:a14="http://schemas.microsoft.com/office/drawing/2010/main" xmlns="" w="9525">
+                  <a14:hiddenLine xmlns="" xmlns:a14="http://schemas.microsoft.com/office/drawing/2010/main" w="9525">
                     <a:solidFill>
                       <a:srgbClr val="000000"/>
                     </a:solidFill>
@@ -10022,7 +10022,7 @@
               </a:ln>
               <a:extLst>
                 <a:ext uri="{91240B29-F687-4f45-9708-019B960494DF}">
-                  <a14:hiddenLine xmlns:a14="http://schemas.microsoft.com/office/drawing/2010/main" xmlns="" w="9525">
+                  <a14:hiddenLine xmlns="" xmlns:a14="http://schemas.microsoft.com/office/drawing/2010/main" w="9525">
                     <a:solidFill>
                       <a:srgbClr val="000000"/>
                     </a:solidFill>
@@ -10084,7 +10084,7 @@
               </a:ln>
               <a:extLst>
                 <a:ext uri="{91240B29-F687-4f45-9708-019B960494DF}">
-                  <a14:hiddenLine xmlns:a14="http://schemas.microsoft.com/office/drawing/2010/main" xmlns="" w="9525">
+                  <a14:hiddenLine xmlns="" xmlns:a14="http://schemas.microsoft.com/office/drawing/2010/main" w="9525">
                     <a:solidFill>
                       <a:srgbClr val="000000"/>
                     </a:solidFill>
@@ -10174,7 +10174,7 @@
               </a:ln>
               <a:extLst>
                 <a:ext uri="{91240B29-F687-4f45-9708-019B960494DF}">
-                  <a14:hiddenLine xmlns:a14="http://schemas.microsoft.com/office/drawing/2010/main" xmlns="" w="9525">
+                  <a14:hiddenLine xmlns="" xmlns:a14="http://schemas.microsoft.com/office/drawing/2010/main" w="9525">
                     <a:solidFill>
                       <a:srgbClr val="000000"/>
                     </a:solidFill>
@@ -10208,7 +10208,7 @@
               </a:ln>
               <a:extLst>
                 <a:ext uri="{91240B29-F687-4f45-9708-019B960494DF}">
-                  <a14:hiddenLine xmlns:a14="http://schemas.microsoft.com/office/drawing/2010/main" xmlns="" w="9525">
+                  <a14:hiddenLine xmlns="" xmlns:a14="http://schemas.microsoft.com/office/drawing/2010/main" w="9525">
                     <a:solidFill>
                       <a:srgbClr val="000000"/>
                     </a:solidFill>
@@ -10273,7 +10273,7 @@
               </a:ln>
               <a:extLst>
                 <a:ext uri="{91240B29-F687-4f45-9708-019B960494DF}">
-                  <a14:hiddenLine xmlns:a14="http://schemas.microsoft.com/office/drawing/2010/main" xmlns="" w="9525">
+                  <a14:hiddenLine xmlns="" xmlns:a14="http://schemas.microsoft.com/office/drawing/2010/main" w="9525">
                     <a:solidFill>
                       <a:srgbClr val="000000"/>
                     </a:solidFill>
@@ -10363,7 +10363,7 @@
               </a:ln>
               <a:extLst>
                 <a:ext uri="{91240B29-F687-4f45-9708-019B960494DF}">
-                  <a14:hiddenLine xmlns:a14="http://schemas.microsoft.com/office/drawing/2010/main" xmlns="" w="9525">
+                  <a14:hiddenLine xmlns="" xmlns:a14="http://schemas.microsoft.com/office/drawing/2010/main" w="9525">
                     <a:solidFill>
                       <a:srgbClr val="000000"/>
                     </a:solidFill>
@@ -10425,7 +10425,7 @@
               </a:ln>
               <a:extLst>
                 <a:ext uri="{91240B29-F687-4f45-9708-019B960494DF}">
-                  <a14:hiddenLine xmlns:a14="http://schemas.microsoft.com/office/drawing/2010/main" xmlns="" w="9525">
+                  <a14:hiddenLine xmlns="" xmlns:a14="http://schemas.microsoft.com/office/drawing/2010/main" w="9525">
                     <a:solidFill>
                       <a:srgbClr val="000000"/>
                     </a:solidFill>
@@ -10515,7 +10515,7 @@
               </a:ln>
               <a:extLst>
                 <a:ext uri="{91240B29-F687-4f45-9708-019B960494DF}">
-                  <a14:hiddenLine xmlns:a14="http://schemas.microsoft.com/office/drawing/2010/main" xmlns="" w="9525">
+                  <a14:hiddenLine xmlns="" xmlns:a14="http://schemas.microsoft.com/office/drawing/2010/main" w="9525">
                     <a:solidFill>
                       <a:srgbClr val="000000"/>
                     </a:solidFill>
@@ -10580,7 +10580,7 @@
               </a:ln>
               <a:extLst>
                 <a:ext uri="{91240B29-F687-4f45-9708-019B960494DF}">
-                  <a14:hiddenLine xmlns:a14="http://schemas.microsoft.com/office/drawing/2010/main" xmlns="" w="9525">
+                  <a14:hiddenLine xmlns="" xmlns:a14="http://schemas.microsoft.com/office/drawing/2010/main" w="9525">
                     <a:solidFill>
                       <a:srgbClr val="000000"/>
                     </a:solidFill>
@@ -10642,7 +10642,7 @@
               </a:ln>
               <a:extLst>
                 <a:ext uri="{91240B29-F687-4f45-9708-019B960494DF}">
-                  <a14:hiddenLine xmlns:a14="http://schemas.microsoft.com/office/drawing/2010/main" xmlns="" w="9525">
+                  <a14:hiddenLine xmlns="" xmlns:a14="http://schemas.microsoft.com/office/drawing/2010/main" w="9525">
                     <a:solidFill>
                       <a:srgbClr val="000000"/>
                     </a:solidFill>
@@ -10732,7 +10732,7 @@
               </a:ln>
               <a:extLst>
                 <a:ext uri="{91240B29-F687-4f45-9708-019B960494DF}">
-                  <a14:hiddenLine xmlns:a14="http://schemas.microsoft.com/office/drawing/2010/main" xmlns="" w="9525">
+                  <a14:hiddenLine xmlns="" xmlns:a14="http://schemas.microsoft.com/office/drawing/2010/main" w="9525">
                     <a:solidFill>
                       <a:srgbClr val="000000"/>
                     </a:solidFill>
@@ -10822,7 +10822,7 @@
               </a:ln>
               <a:extLst>
                 <a:ext uri="{91240B29-F687-4f45-9708-019B960494DF}">
-                  <a14:hiddenLine xmlns:a14="http://schemas.microsoft.com/office/drawing/2010/main" xmlns="" w="9525">
+                  <a14:hiddenLine xmlns="" xmlns:a14="http://schemas.microsoft.com/office/drawing/2010/main" w="9525">
                     <a:solidFill>
                       <a:srgbClr val="000000"/>
                     </a:solidFill>
@@ -10887,7 +10887,7 @@
               </a:ln>
               <a:extLst>
                 <a:ext uri="{91240B29-F687-4f45-9708-019B960494DF}">
-                  <a14:hiddenLine xmlns:a14="http://schemas.microsoft.com/office/drawing/2010/main" xmlns="" w="9525">
+                  <a14:hiddenLine xmlns="" xmlns:a14="http://schemas.microsoft.com/office/drawing/2010/main" w="9525">
                     <a:solidFill>
                       <a:srgbClr val="000000"/>
                     </a:solidFill>
@@ -11007,7 +11007,7 @@
               </a:ln>
               <a:extLst>
                 <a:ext uri="{91240B29-F687-4f45-9708-019B960494DF}">
-                  <a14:hiddenLine xmlns:a14="http://schemas.microsoft.com/office/drawing/2010/main" xmlns="" w="9525">
+                  <a14:hiddenLine xmlns="" xmlns:a14="http://schemas.microsoft.com/office/drawing/2010/main" w="9525">
                     <a:solidFill>
                       <a:srgbClr val="000000"/>
                     </a:solidFill>
@@ -11105,7 +11105,7 @@
               </a:ln>
               <a:extLst>
                 <a:ext uri="{91240B29-F687-4f45-9708-019B960494DF}">
-                  <a14:hiddenLine xmlns:a14="http://schemas.microsoft.com/office/drawing/2010/main" xmlns="" w="9525">
+                  <a14:hiddenLine xmlns="" xmlns:a14="http://schemas.microsoft.com/office/drawing/2010/main" w="9525">
                     <a:solidFill>
                       <a:srgbClr val="000000"/>
                     </a:solidFill>
@@ -11220,7 +11220,7 @@
               </a:ln>
               <a:extLst>
                 <a:ext uri="{91240B29-F687-4f45-9708-019B960494DF}">
-                  <a14:hiddenLine xmlns:a14="http://schemas.microsoft.com/office/drawing/2010/main" xmlns="" w="9525">
+                  <a14:hiddenLine xmlns="" xmlns:a14="http://schemas.microsoft.com/office/drawing/2010/main" w="9525">
                     <a:solidFill>
                       <a:srgbClr val="000000"/>
                     </a:solidFill>
@@ -11310,7 +11310,7 @@
               </a:ln>
               <a:extLst>
                 <a:ext uri="{91240B29-F687-4f45-9708-019B960494DF}">
-                  <a14:hiddenLine xmlns:a14="http://schemas.microsoft.com/office/drawing/2010/main" xmlns="" w="9525">
+                  <a14:hiddenLine xmlns="" xmlns:a14="http://schemas.microsoft.com/office/drawing/2010/main" w="9525">
                     <a:solidFill>
                       <a:srgbClr val="000000"/>
                     </a:solidFill>
@@ -11375,7 +11375,7 @@
               </a:ln>
               <a:extLst>
                 <a:ext uri="{91240B29-F687-4f45-9708-019B960494DF}">
-                  <a14:hiddenLine xmlns:a14="http://schemas.microsoft.com/office/drawing/2010/main" xmlns="" w="9525">
+                  <a14:hiddenLine xmlns="" xmlns:a14="http://schemas.microsoft.com/office/drawing/2010/main" w="9525">
                     <a:solidFill>
                       <a:srgbClr val="000000"/>
                     </a:solidFill>
@@ -11465,7 +11465,7 @@
               </a:ln>
               <a:extLst>
                 <a:ext uri="{91240B29-F687-4f45-9708-019B960494DF}">
-                  <a14:hiddenLine xmlns:a14="http://schemas.microsoft.com/office/drawing/2010/main" xmlns="" w="9525">
+                  <a14:hiddenLine xmlns="" xmlns:a14="http://schemas.microsoft.com/office/drawing/2010/main" w="9525">
                     <a:solidFill>
                       <a:srgbClr val="000000"/>
                     </a:solidFill>
@@ -11533,7 +11533,7 @@
               </a:ln>
               <a:extLst>
                 <a:ext uri="{91240B29-F687-4f45-9708-019B960494DF}">
-                  <a14:hiddenLine xmlns:a14="http://schemas.microsoft.com/office/drawing/2010/main" xmlns="" w="9525">
+                  <a14:hiddenLine xmlns="" xmlns:a14="http://schemas.microsoft.com/office/drawing/2010/main" w="9525">
                     <a:solidFill>
                       <a:srgbClr val="000000"/>
                     </a:solidFill>
@@ -11623,7 +11623,7 @@
               </a:ln>
               <a:extLst>
                 <a:ext uri="{91240B29-F687-4f45-9708-019B960494DF}">
-                  <a14:hiddenLine xmlns:a14="http://schemas.microsoft.com/office/drawing/2010/main" xmlns="" w="9525">
+                  <a14:hiddenLine xmlns="" xmlns:a14="http://schemas.microsoft.com/office/drawing/2010/main" w="9525">
                     <a:solidFill>
                       <a:srgbClr val="000000"/>
                     </a:solidFill>
@@ -11691,7 +11691,7 @@
               </a:ln>
               <a:extLst>
                 <a:ext uri="{91240B29-F687-4f45-9708-019B960494DF}">
-                  <a14:hiddenLine xmlns:a14="http://schemas.microsoft.com/office/drawing/2010/main" xmlns="" w="9525">
+                  <a14:hiddenLine xmlns="" xmlns:a14="http://schemas.microsoft.com/office/drawing/2010/main" w="9525">
                     <a:solidFill>
                       <a:srgbClr val="000000"/>
                     </a:solidFill>
@@ -11781,7 +11781,7 @@
               </a:ln>
               <a:extLst>
                 <a:ext uri="{91240B29-F687-4f45-9708-019B960494DF}">
-                  <a14:hiddenLine xmlns:a14="http://schemas.microsoft.com/office/drawing/2010/main" xmlns="" w="9525">
+                  <a14:hiddenLine xmlns="" xmlns:a14="http://schemas.microsoft.com/office/drawing/2010/main" w="9525">
                     <a:solidFill>
                       <a:srgbClr val="000000"/>
                     </a:solidFill>
@@ -11815,7 +11815,7 @@
               </a:ln>
               <a:extLst>
                 <a:ext uri="{91240B29-F687-4f45-9708-019B960494DF}">
-                  <a14:hiddenLine xmlns:a14="http://schemas.microsoft.com/office/drawing/2010/main" xmlns="" w="9525">
+                  <a14:hiddenLine xmlns="" xmlns:a14="http://schemas.microsoft.com/office/drawing/2010/main" w="9525">
                     <a:solidFill>
                       <a:srgbClr val="000000"/>
                     </a:solidFill>
@@ -11956,7 +11956,7 @@
             <a:fld id="{48A87A34-81AB-432B-8DAE-1953F412C126}" type="datetimeFigureOut">
               <a:rPr lang="en-US" dirty="0"/>
               <a:pPr/>
-              <a:t>5/17/2021</a:t>
+              <a:t>5/18/2021</a:t>
             </a:fld>
             <a:endParaRPr lang="en-US" dirty="0"/>
           </a:p>
@@ -15507,8 +15507,8 @@
         </p:blipFill>
         <p:spPr>
           <a:xfrm>
-            <a:off x="7422732" y="1331495"/>
-            <a:ext cx="5144196" cy="5213682"/>
+            <a:off x="8245481" y="3686688"/>
+            <a:ext cx="2518772" cy="2552794"/>
           </a:xfrm>
           <a:prstGeom prst="rect">
             <a:avLst/>

--- a/VIRTUAL WALLET.pptx
+++ b/VIRTUAL WALLET.pptx
@@ -186,7 +186,7 @@
           <a:noFill/>
           <a:extLst>
             <a:ext uri="{909E8E84-426E-40dd-AFC4-6F175D3DCCD1}">
-              <a14:hiddenFill xmlns="" xmlns:a14="http://schemas.microsoft.com/office/drawing/2010/main">
+              <a14:hiddenFill xmlns:a14="http://schemas.microsoft.com/office/drawing/2010/main" xmlns="">
                 <a:solidFill>
                   <a:srgbClr val="FFFFFF"/>
                 </a:solidFill>
@@ -246,7 +246,7 @@
             </a:ln>
             <a:extLst>
               <a:ext uri="{91240B29-F687-4f45-9708-019B960494DF}">
-                <a14:hiddenLine xmlns="" xmlns:a14="http://schemas.microsoft.com/office/drawing/2010/main" w="9525">
+                <a14:hiddenLine xmlns:a14="http://schemas.microsoft.com/office/drawing/2010/main" xmlns="" w="9525">
                   <a:solidFill>
                     <a:srgbClr val="000000"/>
                   </a:solidFill>
@@ -336,7 +336,7 @@
             </a:ln>
             <a:extLst>
               <a:ext uri="{91240B29-F687-4f45-9708-019B960494DF}">
-                <a14:hiddenLine xmlns="" xmlns:a14="http://schemas.microsoft.com/office/drawing/2010/main" w="9525">
+                <a14:hiddenLine xmlns:a14="http://schemas.microsoft.com/office/drawing/2010/main" xmlns="" w="9525">
                   <a:solidFill>
                     <a:srgbClr val="000000"/>
                   </a:solidFill>
@@ -426,7 +426,7 @@
             </a:ln>
             <a:extLst>
               <a:ext uri="{91240B29-F687-4f45-9708-019B960494DF}">
-                <a14:hiddenLine xmlns="" xmlns:a14="http://schemas.microsoft.com/office/drawing/2010/main" w="9525">
+                <a14:hiddenLine xmlns:a14="http://schemas.microsoft.com/office/drawing/2010/main" xmlns="" w="9525">
                   <a:solidFill>
                     <a:srgbClr val="000000"/>
                   </a:solidFill>
@@ -460,7 +460,7 @@
             </a:ln>
             <a:extLst>
               <a:ext uri="{91240B29-F687-4f45-9708-019B960494DF}">
-                <a14:hiddenLine xmlns="" xmlns:a14="http://schemas.microsoft.com/office/drawing/2010/main" w="9525">
+                <a14:hiddenLine xmlns:a14="http://schemas.microsoft.com/office/drawing/2010/main" xmlns="" w="9525">
                   <a:solidFill>
                     <a:srgbClr val="000000"/>
                   </a:solidFill>
@@ -550,7 +550,7 @@
             </a:ln>
             <a:extLst>
               <a:ext uri="{91240B29-F687-4f45-9708-019B960494DF}">
-                <a14:hiddenLine xmlns="" xmlns:a14="http://schemas.microsoft.com/office/drawing/2010/main" w="9525">
+                <a14:hiddenLine xmlns:a14="http://schemas.microsoft.com/office/drawing/2010/main" xmlns="" w="9525">
                   <a:solidFill>
                     <a:srgbClr val="000000"/>
                   </a:solidFill>
@@ -612,7 +612,7 @@
             </a:ln>
             <a:extLst>
               <a:ext uri="{91240B29-F687-4f45-9708-019B960494DF}">
-                <a14:hiddenLine xmlns="" xmlns:a14="http://schemas.microsoft.com/office/drawing/2010/main" w="9525">
+                <a14:hiddenLine xmlns:a14="http://schemas.microsoft.com/office/drawing/2010/main" xmlns="" w="9525">
                   <a:solidFill>
                     <a:srgbClr val="000000"/>
                   </a:solidFill>
@@ -674,7 +674,7 @@
             </a:ln>
             <a:extLst>
               <a:ext uri="{91240B29-F687-4f45-9708-019B960494DF}">
-                <a14:hiddenLine xmlns="" xmlns:a14="http://schemas.microsoft.com/office/drawing/2010/main" w="9525">
+                <a14:hiddenLine xmlns:a14="http://schemas.microsoft.com/office/drawing/2010/main" xmlns="" w="9525">
                   <a:solidFill>
                     <a:srgbClr val="000000"/>
                   </a:solidFill>
@@ -764,7 +764,7 @@
             </a:ln>
             <a:extLst>
               <a:ext uri="{91240B29-F687-4f45-9708-019B960494DF}">
-                <a14:hiddenLine xmlns="" xmlns:a14="http://schemas.microsoft.com/office/drawing/2010/main" w="9525">
+                <a14:hiddenLine xmlns:a14="http://schemas.microsoft.com/office/drawing/2010/main" xmlns="" w="9525">
                   <a:solidFill>
                     <a:srgbClr val="000000"/>
                   </a:solidFill>
@@ -826,7 +826,7 @@
             </a:ln>
             <a:extLst>
               <a:ext uri="{91240B29-F687-4f45-9708-019B960494DF}">
-                <a14:hiddenLine xmlns="" xmlns:a14="http://schemas.microsoft.com/office/drawing/2010/main" w="9525">
+                <a14:hiddenLine xmlns:a14="http://schemas.microsoft.com/office/drawing/2010/main" xmlns="" w="9525">
                   <a:solidFill>
                     <a:srgbClr val="000000"/>
                   </a:solidFill>
@@ -888,7 +888,7 @@
             </a:ln>
             <a:extLst>
               <a:ext uri="{91240B29-F687-4f45-9708-019B960494DF}">
-                <a14:hiddenLine xmlns="" xmlns:a14="http://schemas.microsoft.com/office/drawing/2010/main" w="9525">
+                <a14:hiddenLine xmlns:a14="http://schemas.microsoft.com/office/drawing/2010/main" xmlns="" w="9525">
                   <a:solidFill>
                     <a:srgbClr val="000000"/>
                   </a:solidFill>
@@ -978,7 +978,7 @@
             </a:ln>
             <a:extLst>
               <a:ext uri="{91240B29-F687-4f45-9708-019B960494DF}">
-                <a14:hiddenLine xmlns="" xmlns:a14="http://schemas.microsoft.com/office/drawing/2010/main" w="9525">
+                <a14:hiddenLine xmlns:a14="http://schemas.microsoft.com/office/drawing/2010/main" xmlns="" w="9525">
                   <a:solidFill>
                     <a:srgbClr val="000000"/>
                   </a:solidFill>
@@ -1068,7 +1068,7 @@
             </a:ln>
             <a:extLst>
               <a:ext uri="{91240B29-F687-4f45-9708-019B960494DF}">
-                <a14:hiddenLine xmlns="" xmlns:a14="http://schemas.microsoft.com/office/drawing/2010/main" w="9525">
+                <a14:hiddenLine xmlns:a14="http://schemas.microsoft.com/office/drawing/2010/main" xmlns="" w="9525">
                   <a:solidFill>
                     <a:srgbClr val="000000"/>
                   </a:solidFill>
@@ -1130,7 +1130,7 @@
             </a:ln>
             <a:extLst>
               <a:ext uri="{91240B29-F687-4f45-9708-019B960494DF}">
-                <a14:hiddenLine xmlns="" xmlns:a14="http://schemas.microsoft.com/office/drawing/2010/main" w="9525">
+                <a14:hiddenLine xmlns:a14="http://schemas.microsoft.com/office/drawing/2010/main" xmlns="" w="9525">
                   <a:solidFill>
                     <a:srgbClr val="000000"/>
                   </a:solidFill>
@@ -1240,7 +1240,7 @@
             </a:ln>
             <a:extLst>
               <a:ext uri="{91240B29-F687-4f45-9708-019B960494DF}">
-                <a14:hiddenLine xmlns="" xmlns:a14="http://schemas.microsoft.com/office/drawing/2010/main" w="9525">
+                <a14:hiddenLine xmlns:a14="http://schemas.microsoft.com/office/drawing/2010/main" xmlns="" w="9525">
                   <a:solidFill>
                     <a:srgbClr val="000000"/>
                   </a:solidFill>
@@ -1302,7 +1302,7 @@
             </a:ln>
             <a:extLst>
               <a:ext uri="{91240B29-F687-4f45-9708-019B960494DF}">
-                <a14:hiddenLine xmlns="" xmlns:a14="http://schemas.microsoft.com/office/drawing/2010/main" w="9525">
+                <a14:hiddenLine xmlns:a14="http://schemas.microsoft.com/office/drawing/2010/main" xmlns="" w="9525">
                   <a:solidFill>
                     <a:srgbClr val="000000"/>
                   </a:solidFill>
@@ -1392,7 +1392,7 @@
             </a:ln>
             <a:extLst>
               <a:ext uri="{91240B29-F687-4f45-9708-019B960494DF}">
-                <a14:hiddenLine xmlns="" xmlns:a14="http://schemas.microsoft.com/office/drawing/2010/main" w="9525">
+                <a14:hiddenLine xmlns:a14="http://schemas.microsoft.com/office/drawing/2010/main" xmlns="" w="9525">
                   <a:solidFill>
                     <a:srgbClr val="000000"/>
                   </a:solidFill>
@@ -1482,7 +1482,7 @@
             </a:ln>
             <a:extLst>
               <a:ext uri="{91240B29-F687-4f45-9708-019B960494DF}">
-                <a14:hiddenLine xmlns="" xmlns:a14="http://schemas.microsoft.com/office/drawing/2010/main" w="9525">
+                <a14:hiddenLine xmlns:a14="http://schemas.microsoft.com/office/drawing/2010/main" xmlns="" w="9525">
                   <a:solidFill>
                     <a:srgbClr val="000000"/>
                   </a:solidFill>
@@ -1544,7 +1544,7 @@
             </a:ln>
             <a:extLst>
               <a:ext uri="{91240B29-F687-4f45-9708-019B960494DF}">
-                <a14:hiddenLine xmlns="" xmlns:a14="http://schemas.microsoft.com/office/drawing/2010/main" w="9525">
+                <a14:hiddenLine xmlns:a14="http://schemas.microsoft.com/office/drawing/2010/main" xmlns="" w="9525">
                   <a:solidFill>
                     <a:srgbClr val="000000"/>
                   </a:solidFill>
@@ -1634,7 +1634,7 @@
             </a:ln>
             <a:extLst>
               <a:ext uri="{91240B29-F687-4f45-9708-019B960494DF}">
-                <a14:hiddenLine xmlns="" xmlns:a14="http://schemas.microsoft.com/office/drawing/2010/main" w="9525">
+                <a14:hiddenLine xmlns:a14="http://schemas.microsoft.com/office/drawing/2010/main" xmlns="" w="9525">
                   <a:solidFill>
                     <a:srgbClr val="000000"/>
                   </a:solidFill>
@@ -1724,7 +1724,7 @@
             </a:ln>
             <a:extLst>
               <a:ext uri="{91240B29-F687-4f45-9708-019B960494DF}">
-                <a14:hiddenLine xmlns="" xmlns:a14="http://schemas.microsoft.com/office/drawing/2010/main" w="9525">
+                <a14:hiddenLine xmlns:a14="http://schemas.microsoft.com/office/drawing/2010/main" xmlns="" w="9525">
                   <a:solidFill>
                     <a:srgbClr val="000000"/>
                   </a:solidFill>
@@ -1780,7 +1780,7 @@
             </a:ln>
             <a:extLst>
               <a:ext uri="{91240B29-F687-4f45-9708-019B960494DF}">
-                <a14:hiddenLine xmlns="" xmlns:a14="http://schemas.microsoft.com/office/drawing/2010/main" w="9525">
+                <a14:hiddenLine xmlns:a14="http://schemas.microsoft.com/office/drawing/2010/main" xmlns="" w="9525">
                   <a:solidFill>
                     <a:srgbClr val="000000"/>
                   </a:solidFill>
@@ -1870,7 +1870,7 @@
             </a:ln>
             <a:extLst>
               <a:ext uri="{91240B29-F687-4f45-9708-019B960494DF}">
-                <a14:hiddenLine xmlns="" xmlns:a14="http://schemas.microsoft.com/office/drawing/2010/main" w="9525">
+                <a14:hiddenLine xmlns:a14="http://schemas.microsoft.com/office/drawing/2010/main" xmlns="" w="9525">
                   <a:solidFill>
                     <a:srgbClr val="000000"/>
                   </a:solidFill>
@@ -1926,7 +1926,7 @@
             </a:ln>
             <a:extLst>
               <a:ext uri="{91240B29-F687-4f45-9708-019B960494DF}">
-                <a14:hiddenLine xmlns="" xmlns:a14="http://schemas.microsoft.com/office/drawing/2010/main" w="9525">
+                <a14:hiddenLine xmlns:a14="http://schemas.microsoft.com/office/drawing/2010/main" xmlns="" w="9525">
                   <a:solidFill>
                     <a:srgbClr val="000000"/>
                   </a:solidFill>
@@ -2016,7 +2016,7 @@
             </a:ln>
             <a:extLst>
               <a:ext uri="{91240B29-F687-4f45-9708-019B960494DF}">
-                <a14:hiddenLine xmlns="" xmlns:a14="http://schemas.microsoft.com/office/drawing/2010/main" w="9525">
+                <a14:hiddenLine xmlns:a14="http://schemas.microsoft.com/office/drawing/2010/main" xmlns="" w="9525">
                   <a:solidFill>
                     <a:srgbClr val="000000"/>
                   </a:solidFill>
@@ -2084,7 +2084,7 @@
             </a:ln>
             <a:extLst>
               <a:ext uri="{91240B29-F687-4f45-9708-019B960494DF}">
-                <a14:hiddenLine xmlns="" xmlns:a14="http://schemas.microsoft.com/office/drawing/2010/main" w="9525">
+                <a14:hiddenLine xmlns:a14="http://schemas.microsoft.com/office/drawing/2010/main" xmlns="" w="9525">
                   <a:solidFill>
                     <a:srgbClr val="000000"/>
                   </a:solidFill>
@@ -2174,7 +2174,7 @@
             </a:ln>
             <a:extLst>
               <a:ext uri="{91240B29-F687-4f45-9708-019B960494DF}">
-                <a14:hiddenLine xmlns="" xmlns:a14="http://schemas.microsoft.com/office/drawing/2010/main" w="9525">
+                <a14:hiddenLine xmlns:a14="http://schemas.microsoft.com/office/drawing/2010/main" xmlns="" w="9525">
                   <a:solidFill>
                     <a:srgbClr val="000000"/>
                   </a:solidFill>
@@ -2242,7 +2242,7 @@
             </a:ln>
             <a:extLst>
               <a:ext uri="{91240B29-F687-4f45-9708-019B960494DF}">
-                <a14:hiddenLine xmlns="" xmlns:a14="http://schemas.microsoft.com/office/drawing/2010/main" w="9525">
+                <a14:hiddenLine xmlns:a14="http://schemas.microsoft.com/office/drawing/2010/main" xmlns="" w="9525">
                   <a:solidFill>
                     <a:srgbClr val="000000"/>
                   </a:solidFill>
@@ -2332,7 +2332,7 @@
             </a:ln>
             <a:extLst>
               <a:ext uri="{91240B29-F687-4f45-9708-019B960494DF}">
-                <a14:hiddenLine xmlns="" xmlns:a14="http://schemas.microsoft.com/office/drawing/2010/main" w="9525">
+                <a14:hiddenLine xmlns:a14="http://schemas.microsoft.com/office/drawing/2010/main" xmlns="" w="9525">
                   <a:solidFill>
                     <a:srgbClr val="000000"/>
                   </a:solidFill>
@@ -2366,7 +2366,7 @@
             </a:ln>
             <a:extLst>
               <a:ext uri="{91240B29-F687-4f45-9708-019B960494DF}">
-                <a14:hiddenLine xmlns="" xmlns:a14="http://schemas.microsoft.com/office/drawing/2010/main" w="9525">
+                <a14:hiddenLine xmlns:a14="http://schemas.microsoft.com/office/drawing/2010/main" xmlns="" w="9525">
                   <a:solidFill>
                     <a:srgbClr val="000000"/>
                   </a:solidFill>
@@ -2456,7 +2456,7 @@
             </a:ln>
             <a:extLst>
               <a:ext uri="{91240B29-F687-4f45-9708-019B960494DF}">
-                <a14:hiddenLine xmlns="" xmlns:a14="http://schemas.microsoft.com/office/drawing/2010/main" w="9525">
+                <a14:hiddenLine xmlns:a14="http://schemas.microsoft.com/office/drawing/2010/main" xmlns="" w="9525">
                   <a:solidFill>
                     <a:srgbClr val="000000"/>
                   </a:solidFill>
@@ -2518,7 +2518,7 @@
             </a:ln>
             <a:extLst>
               <a:ext uri="{91240B29-F687-4f45-9708-019B960494DF}">
-                <a14:hiddenLine xmlns="" xmlns:a14="http://schemas.microsoft.com/office/drawing/2010/main" w="9525">
+                <a14:hiddenLine xmlns:a14="http://schemas.microsoft.com/office/drawing/2010/main" xmlns="" w="9525">
                   <a:solidFill>
                     <a:srgbClr val="000000"/>
                   </a:solidFill>
@@ -2580,7 +2580,7 @@
             </a:ln>
             <a:extLst>
               <a:ext uri="{91240B29-F687-4f45-9708-019B960494DF}">
-                <a14:hiddenLine xmlns="" xmlns:a14="http://schemas.microsoft.com/office/drawing/2010/main" w="9525">
+                <a14:hiddenLine xmlns:a14="http://schemas.microsoft.com/office/drawing/2010/main" xmlns="" w="9525">
                   <a:solidFill>
                     <a:srgbClr val="000000"/>
                   </a:solidFill>
@@ -2670,7 +2670,7 @@
             </a:ln>
             <a:extLst>
               <a:ext uri="{91240B29-F687-4f45-9708-019B960494DF}">
-                <a14:hiddenLine xmlns="" xmlns:a14="http://schemas.microsoft.com/office/drawing/2010/main" w="9525">
+                <a14:hiddenLine xmlns:a14="http://schemas.microsoft.com/office/drawing/2010/main" xmlns="" w="9525">
                   <a:solidFill>
                     <a:srgbClr val="000000"/>
                   </a:solidFill>
@@ -2738,7 +2738,7 @@
             </a:ln>
             <a:extLst>
               <a:ext uri="{91240B29-F687-4f45-9708-019B960494DF}">
-                <a14:hiddenLine xmlns="" xmlns:a14="http://schemas.microsoft.com/office/drawing/2010/main" w="9525">
+                <a14:hiddenLine xmlns:a14="http://schemas.microsoft.com/office/drawing/2010/main" xmlns="" w="9525">
                   <a:solidFill>
                     <a:srgbClr val="000000"/>
                   </a:solidFill>
@@ -2800,7 +2800,7 @@
             </a:ln>
             <a:extLst>
               <a:ext uri="{91240B29-F687-4f45-9708-019B960494DF}">
-                <a14:hiddenLine xmlns="" xmlns:a14="http://schemas.microsoft.com/office/drawing/2010/main" w="9525">
+                <a14:hiddenLine xmlns:a14="http://schemas.microsoft.com/office/drawing/2010/main" xmlns="" w="9525">
                   <a:solidFill>
                     <a:srgbClr val="000000"/>
                   </a:solidFill>
@@ -2890,7 +2890,7 @@
             </a:ln>
             <a:extLst>
               <a:ext uri="{91240B29-F687-4f45-9708-019B960494DF}">
-                <a14:hiddenLine xmlns="" xmlns:a14="http://schemas.microsoft.com/office/drawing/2010/main" w="9525">
+                <a14:hiddenLine xmlns:a14="http://schemas.microsoft.com/office/drawing/2010/main" xmlns="" w="9525">
                   <a:solidFill>
                     <a:srgbClr val="000000"/>
                   </a:solidFill>
@@ -2952,7 +2952,7 @@
             </a:ln>
             <a:extLst>
               <a:ext uri="{91240B29-F687-4f45-9708-019B960494DF}">
-                <a14:hiddenLine xmlns="" xmlns:a14="http://schemas.microsoft.com/office/drawing/2010/main" w="9525">
+                <a14:hiddenLine xmlns:a14="http://schemas.microsoft.com/office/drawing/2010/main" xmlns="" w="9525">
                   <a:solidFill>
                     <a:srgbClr val="000000"/>
                   </a:solidFill>
@@ -3042,7 +3042,7 @@
             </a:ln>
             <a:extLst>
               <a:ext uri="{91240B29-F687-4f45-9708-019B960494DF}">
-                <a14:hiddenLine xmlns="" xmlns:a14="http://schemas.microsoft.com/office/drawing/2010/main" w="9525">
+                <a14:hiddenLine xmlns:a14="http://schemas.microsoft.com/office/drawing/2010/main" xmlns="" w="9525">
                   <a:solidFill>
                     <a:srgbClr val="000000"/>
                   </a:solidFill>
@@ -3104,7 +3104,7 @@
             </a:ln>
             <a:extLst>
               <a:ext uri="{91240B29-F687-4f45-9708-019B960494DF}">
-                <a14:hiddenLine xmlns="" xmlns:a14="http://schemas.microsoft.com/office/drawing/2010/main" w="9525">
+                <a14:hiddenLine xmlns:a14="http://schemas.microsoft.com/office/drawing/2010/main" xmlns="" w="9525">
                   <a:solidFill>
                     <a:srgbClr val="000000"/>
                   </a:solidFill>
@@ -3194,7 +3194,7 @@
             </a:ln>
             <a:extLst>
               <a:ext uri="{91240B29-F687-4f45-9708-019B960494DF}">
-                <a14:hiddenLine xmlns="" xmlns:a14="http://schemas.microsoft.com/office/drawing/2010/main" w="9525">
+                <a14:hiddenLine xmlns:a14="http://schemas.microsoft.com/office/drawing/2010/main" xmlns="" w="9525">
                   <a:solidFill>
                     <a:srgbClr val="000000"/>
                   </a:solidFill>
@@ -3228,7 +3228,7 @@
             </a:ln>
             <a:extLst>
               <a:ext uri="{91240B29-F687-4f45-9708-019B960494DF}">
-                <a14:hiddenLine xmlns="" xmlns:a14="http://schemas.microsoft.com/office/drawing/2010/main" w="9525">
+                <a14:hiddenLine xmlns:a14="http://schemas.microsoft.com/office/drawing/2010/main" xmlns="" w="9525">
                   <a:solidFill>
                     <a:srgbClr val="000000"/>
                   </a:solidFill>
@@ -3293,7 +3293,7 @@
             </a:ln>
             <a:extLst>
               <a:ext uri="{91240B29-F687-4f45-9708-019B960494DF}">
-                <a14:hiddenLine xmlns="" xmlns:a14="http://schemas.microsoft.com/office/drawing/2010/main" w="9525">
+                <a14:hiddenLine xmlns:a14="http://schemas.microsoft.com/office/drawing/2010/main" xmlns="" w="9525">
                   <a:solidFill>
                     <a:srgbClr val="000000"/>
                   </a:solidFill>
@@ -3383,7 +3383,7 @@
             </a:ln>
             <a:extLst>
               <a:ext uri="{91240B29-F687-4f45-9708-019B960494DF}">
-                <a14:hiddenLine xmlns="" xmlns:a14="http://schemas.microsoft.com/office/drawing/2010/main" w="9525">
+                <a14:hiddenLine xmlns:a14="http://schemas.microsoft.com/office/drawing/2010/main" xmlns="" w="9525">
                   <a:solidFill>
                     <a:srgbClr val="000000"/>
                   </a:solidFill>
@@ -3445,7 +3445,7 @@
             </a:ln>
             <a:extLst>
               <a:ext uri="{91240B29-F687-4f45-9708-019B960494DF}">
-                <a14:hiddenLine xmlns="" xmlns:a14="http://schemas.microsoft.com/office/drawing/2010/main" w="9525">
+                <a14:hiddenLine xmlns:a14="http://schemas.microsoft.com/office/drawing/2010/main" xmlns="" w="9525">
                   <a:solidFill>
                     <a:srgbClr val="000000"/>
                   </a:solidFill>
@@ -3535,7 +3535,7 @@
             </a:ln>
             <a:extLst>
               <a:ext uri="{91240B29-F687-4f45-9708-019B960494DF}">
-                <a14:hiddenLine xmlns="" xmlns:a14="http://schemas.microsoft.com/office/drawing/2010/main" w="9525">
+                <a14:hiddenLine xmlns:a14="http://schemas.microsoft.com/office/drawing/2010/main" xmlns="" w="9525">
                   <a:solidFill>
                     <a:srgbClr val="000000"/>
                   </a:solidFill>
@@ -3625,7 +3625,7 @@
             </a:ln>
             <a:extLst>
               <a:ext uri="{91240B29-F687-4f45-9708-019B960494DF}">
-                <a14:hiddenLine xmlns="" xmlns:a14="http://schemas.microsoft.com/office/drawing/2010/main" w="9525">
+                <a14:hiddenLine xmlns:a14="http://schemas.microsoft.com/office/drawing/2010/main" xmlns="" w="9525">
                   <a:solidFill>
                     <a:srgbClr val="000000"/>
                   </a:solidFill>
@@ -3690,7 +3690,7 @@
             </a:ln>
             <a:extLst>
               <a:ext uri="{91240B29-F687-4f45-9708-019B960494DF}">
-                <a14:hiddenLine xmlns="" xmlns:a14="http://schemas.microsoft.com/office/drawing/2010/main" w="9525">
+                <a14:hiddenLine xmlns:a14="http://schemas.microsoft.com/office/drawing/2010/main" xmlns="" w="9525">
                   <a:solidFill>
                     <a:srgbClr val="000000"/>
                   </a:solidFill>
@@ -3752,7 +3752,7 @@
             </a:ln>
             <a:extLst>
               <a:ext uri="{91240B29-F687-4f45-9708-019B960494DF}">
-                <a14:hiddenLine xmlns="" xmlns:a14="http://schemas.microsoft.com/office/drawing/2010/main" w="9525">
+                <a14:hiddenLine xmlns:a14="http://schemas.microsoft.com/office/drawing/2010/main" xmlns="" w="9525">
                   <a:solidFill>
                     <a:srgbClr val="000000"/>
                   </a:solidFill>
@@ -3842,7 +3842,7 @@
             </a:ln>
             <a:extLst>
               <a:ext uri="{91240B29-F687-4f45-9708-019B960494DF}">
-                <a14:hiddenLine xmlns="" xmlns:a14="http://schemas.microsoft.com/office/drawing/2010/main" w="9525">
+                <a14:hiddenLine xmlns:a14="http://schemas.microsoft.com/office/drawing/2010/main" xmlns="" w="9525">
                   <a:solidFill>
                     <a:srgbClr val="000000"/>
                   </a:solidFill>
@@ -3932,7 +3932,7 @@
             </a:ln>
             <a:extLst>
               <a:ext uri="{91240B29-F687-4f45-9708-019B960494DF}">
-                <a14:hiddenLine xmlns="" xmlns:a14="http://schemas.microsoft.com/office/drawing/2010/main" w="9525">
+                <a14:hiddenLine xmlns:a14="http://schemas.microsoft.com/office/drawing/2010/main" xmlns="" w="9525">
                   <a:solidFill>
                     <a:srgbClr val="000000"/>
                   </a:solidFill>
@@ -3994,7 +3994,7 @@
             </a:ln>
             <a:extLst>
               <a:ext uri="{91240B29-F687-4f45-9708-019B960494DF}">
-                <a14:hiddenLine xmlns="" xmlns:a14="http://schemas.microsoft.com/office/drawing/2010/main" w="9525">
+                <a14:hiddenLine xmlns:a14="http://schemas.microsoft.com/office/drawing/2010/main" xmlns="" w="9525">
                   <a:solidFill>
                     <a:srgbClr val="000000"/>
                   </a:solidFill>
@@ -4114,7 +4114,7 @@
             </a:ln>
             <a:extLst>
               <a:ext uri="{91240B29-F687-4f45-9708-019B960494DF}">
-                <a14:hiddenLine xmlns="" xmlns:a14="http://schemas.microsoft.com/office/drawing/2010/main" w="9525">
+                <a14:hiddenLine xmlns:a14="http://schemas.microsoft.com/office/drawing/2010/main" xmlns="" w="9525">
                   <a:solidFill>
                     <a:srgbClr val="000000"/>
                   </a:solidFill>
@@ -4182,7 +4182,7 @@
             </a:ln>
             <a:extLst>
               <a:ext uri="{91240B29-F687-4f45-9708-019B960494DF}">
-                <a14:hiddenLine xmlns="" xmlns:a14="http://schemas.microsoft.com/office/drawing/2010/main" w="9525">
+                <a14:hiddenLine xmlns:a14="http://schemas.microsoft.com/office/drawing/2010/main" xmlns="" w="9525">
                   <a:solidFill>
                     <a:srgbClr val="000000"/>
                   </a:solidFill>
@@ -4272,7 +4272,7 @@
             </a:ln>
             <a:extLst>
               <a:ext uri="{91240B29-F687-4f45-9708-019B960494DF}">
-                <a14:hiddenLine xmlns="" xmlns:a14="http://schemas.microsoft.com/office/drawing/2010/main" w="9525">
+                <a14:hiddenLine xmlns:a14="http://schemas.microsoft.com/office/drawing/2010/main" xmlns="" w="9525">
                   <a:solidFill>
                     <a:srgbClr val="000000"/>
                   </a:solidFill>
@@ -8994,7 +8994,7 @@
           <a:noFill/>
           <a:extLst>
             <a:ext uri="{909E8E84-426E-40dd-AFC4-6F175D3DCCD1}">
-              <a14:hiddenFill xmlns="" xmlns:a14="http://schemas.microsoft.com/office/drawing/2010/main">
+              <a14:hiddenFill xmlns:a14="http://schemas.microsoft.com/office/drawing/2010/main" xmlns="">
                 <a:solidFill>
                   <a:srgbClr val="FFFFFF"/>
                 </a:solidFill>
@@ -9068,7 +9068,7 @@
               </a:ln>
               <a:extLst>
                 <a:ext uri="{91240B29-F687-4f45-9708-019B960494DF}">
-                  <a14:hiddenLine xmlns="" xmlns:a14="http://schemas.microsoft.com/office/drawing/2010/main" w="9525">
+                  <a14:hiddenLine xmlns:a14="http://schemas.microsoft.com/office/drawing/2010/main" xmlns="" w="9525">
                     <a:solidFill>
                       <a:srgbClr val="000000"/>
                     </a:solidFill>
@@ -9158,7 +9158,7 @@
               </a:ln>
               <a:extLst>
                 <a:ext uri="{91240B29-F687-4f45-9708-019B960494DF}">
-                  <a14:hiddenLine xmlns="" xmlns:a14="http://schemas.microsoft.com/office/drawing/2010/main" w="9525">
+                  <a14:hiddenLine xmlns:a14="http://schemas.microsoft.com/office/drawing/2010/main" xmlns="" w="9525">
                     <a:solidFill>
                       <a:srgbClr val="000000"/>
                     </a:solidFill>
@@ -9248,7 +9248,7 @@
               </a:ln>
               <a:extLst>
                 <a:ext uri="{91240B29-F687-4f45-9708-019B960494DF}">
-                  <a14:hiddenLine xmlns="" xmlns:a14="http://schemas.microsoft.com/office/drawing/2010/main" w="9525">
+                  <a14:hiddenLine xmlns:a14="http://schemas.microsoft.com/office/drawing/2010/main" xmlns="" w="9525">
                     <a:solidFill>
                       <a:srgbClr val="000000"/>
                     </a:solidFill>
@@ -9310,7 +9310,7 @@
               </a:ln>
               <a:extLst>
                 <a:ext uri="{91240B29-F687-4f45-9708-019B960494DF}">
-                  <a14:hiddenLine xmlns="" xmlns:a14="http://schemas.microsoft.com/office/drawing/2010/main" w="9525">
+                  <a14:hiddenLine xmlns:a14="http://schemas.microsoft.com/office/drawing/2010/main" xmlns="" w="9525">
                     <a:solidFill>
                       <a:srgbClr val="000000"/>
                     </a:solidFill>
@@ -9400,7 +9400,7 @@
               </a:ln>
               <a:extLst>
                 <a:ext uri="{91240B29-F687-4f45-9708-019B960494DF}">
-                  <a14:hiddenLine xmlns="" xmlns:a14="http://schemas.microsoft.com/office/drawing/2010/main" w="9525">
+                  <a14:hiddenLine xmlns:a14="http://schemas.microsoft.com/office/drawing/2010/main" xmlns="" w="9525">
                     <a:solidFill>
                       <a:srgbClr val="000000"/>
                     </a:solidFill>
@@ -9462,7 +9462,7 @@
               </a:ln>
               <a:extLst>
                 <a:ext uri="{91240B29-F687-4f45-9708-019B960494DF}">
-                  <a14:hiddenLine xmlns="" xmlns:a14="http://schemas.microsoft.com/office/drawing/2010/main" w="9525">
+                  <a14:hiddenLine xmlns:a14="http://schemas.microsoft.com/office/drawing/2010/main" xmlns="" w="9525">
                     <a:solidFill>
                       <a:srgbClr val="000000"/>
                     </a:solidFill>
@@ -9524,7 +9524,7 @@
               </a:ln>
               <a:extLst>
                 <a:ext uri="{91240B29-F687-4f45-9708-019B960494DF}">
-                  <a14:hiddenLine xmlns="" xmlns:a14="http://schemas.microsoft.com/office/drawing/2010/main" w="9525">
+                  <a14:hiddenLine xmlns:a14="http://schemas.microsoft.com/office/drawing/2010/main" xmlns="" w="9525">
                     <a:solidFill>
                       <a:srgbClr val="000000"/>
                     </a:solidFill>
@@ -9614,7 +9614,7 @@
               </a:ln>
               <a:extLst>
                 <a:ext uri="{91240B29-F687-4f45-9708-019B960494DF}">
-                  <a14:hiddenLine xmlns="" xmlns:a14="http://schemas.microsoft.com/office/drawing/2010/main" w="9525">
+                  <a14:hiddenLine xmlns:a14="http://schemas.microsoft.com/office/drawing/2010/main" xmlns="" w="9525">
                     <a:solidFill>
                       <a:srgbClr val="000000"/>
                     </a:solidFill>
@@ -9704,7 +9704,7 @@
               </a:ln>
               <a:extLst>
                 <a:ext uri="{91240B29-F687-4f45-9708-019B960494DF}">
-                  <a14:hiddenLine xmlns="" xmlns:a14="http://schemas.microsoft.com/office/drawing/2010/main" w="9525">
+                  <a14:hiddenLine xmlns:a14="http://schemas.microsoft.com/office/drawing/2010/main" xmlns="" w="9525">
                     <a:solidFill>
                       <a:srgbClr val="000000"/>
                     </a:solidFill>
@@ -9766,7 +9766,7 @@
               </a:ln>
               <a:extLst>
                 <a:ext uri="{91240B29-F687-4f45-9708-019B960494DF}">
-                  <a14:hiddenLine xmlns="" xmlns:a14="http://schemas.microsoft.com/office/drawing/2010/main" w="9525">
+                  <a14:hiddenLine xmlns:a14="http://schemas.microsoft.com/office/drawing/2010/main" xmlns="" w="9525">
                     <a:solidFill>
                       <a:srgbClr val="000000"/>
                     </a:solidFill>
@@ -9876,7 +9876,7 @@
               </a:ln>
               <a:extLst>
                 <a:ext uri="{91240B29-F687-4f45-9708-019B960494DF}">
-                  <a14:hiddenLine xmlns="" xmlns:a14="http://schemas.microsoft.com/office/drawing/2010/main" w="9525">
+                  <a14:hiddenLine xmlns:a14="http://schemas.microsoft.com/office/drawing/2010/main" xmlns="" w="9525">
                     <a:solidFill>
                       <a:srgbClr val="000000"/>
                     </a:solidFill>
@@ -9960,7 +9960,7 @@
               </a:ln>
               <a:extLst>
                 <a:ext uri="{91240B29-F687-4f45-9708-019B960494DF}">
-                  <a14:hiddenLine xmlns="" xmlns:a14="http://schemas.microsoft.com/office/drawing/2010/main" w="9525">
+                  <a14:hiddenLine xmlns:a14="http://schemas.microsoft.com/office/drawing/2010/main" xmlns="" w="9525">
                     <a:solidFill>
                       <a:srgbClr val="000000"/>
                     </a:solidFill>
@@ -10022,7 +10022,7 @@
               </a:ln>
               <a:extLst>
                 <a:ext uri="{91240B29-F687-4f45-9708-019B960494DF}">
-                  <a14:hiddenLine xmlns="" xmlns:a14="http://schemas.microsoft.com/office/drawing/2010/main" w="9525">
+                  <a14:hiddenLine xmlns:a14="http://schemas.microsoft.com/office/drawing/2010/main" xmlns="" w="9525">
                     <a:solidFill>
                       <a:srgbClr val="000000"/>
                     </a:solidFill>
@@ -10084,7 +10084,7 @@
               </a:ln>
               <a:extLst>
                 <a:ext uri="{91240B29-F687-4f45-9708-019B960494DF}">
-                  <a14:hiddenLine xmlns="" xmlns:a14="http://schemas.microsoft.com/office/drawing/2010/main" w="9525">
+                  <a14:hiddenLine xmlns:a14="http://schemas.microsoft.com/office/drawing/2010/main" xmlns="" w="9525">
                     <a:solidFill>
                       <a:srgbClr val="000000"/>
                     </a:solidFill>
@@ -10174,7 +10174,7 @@
               </a:ln>
               <a:extLst>
                 <a:ext uri="{91240B29-F687-4f45-9708-019B960494DF}">
-                  <a14:hiddenLine xmlns="" xmlns:a14="http://schemas.microsoft.com/office/drawing/2010/main" w="9525">
+                  <a14:hiddenLine xmlns:a14="http://schemas.microsoft.com/office/drawing/2010/main" xmlns="" w="9525">
                     <a:solidFill>
                       <a:srgbClr val="000000"/>
                     </a:solidFill>
@@ -10208,7 +10208,7 @@
               </a:ln>
               <a:extLst>
                 <a:ext uri="{91240B29-F687-4f45-9708-019B960494DF}">
-                  <a14:hiddenLine xmlns="" xmlns:a14="http://schemas.microsoft.com/office/drawing/2010/main" w="9525">
+                  <a14:hiddenLine xmlns:a14="http://schemas.microsoft.com/office/drawing/2010/main" xmlns="" w="9525">
                     <a:solidFill>
                       <a:srgbClr val="000000"/>
                     </a:solidFill>
@@ -10273,7 +10273,7 @@
               </a:ln>
               <a:extLst>
                 <a:ext uri="{91240B29-F687-4f45-9708-019B960494DF}">
-                  <a14:hiddenLine xmlns="" xmlns:a14="http://schemas.microsoft.com/office/drawing/2010/main" w="9525">
+                  <a14:hiddenLine xmlns:a14="http://schemas.microsoft.com/office/drawing/2010/main" xmlns="" w="9525">
                     <a:solidFill>
                       <a:srgbClr val="000000"/>
                     </a:solidFill>
@@ -10363,7 +10363,7 @@
               </a:ln>
               <a:extLst>
                 <a:ext uri="{91240B29-F687-4f45-9708-019B960494DF}">
-                  <a14:hiddenLine xmlns="" xmlns:a14="http://schemas.microsoft.com/office/drawing/2010/main" w="9525">
+                  <a14:hiddenLine xmlns:a14="http://schemas.microsoft.com/office/drawing/2010/main" xmlns="" w="9525">
                     <a:solidFill>
                       <a:srgbClr val="000000"/>
                     </a:solidFill>
@@ -10425,7 +10425,7 @@
               </a:ln>
               <a:extLst>
                 <a:ext uri="{91240B29-F687-4f45-9708-019B960494DF}">
-                  <a14:hiddenLine xmlns="" xmlns:a14="http://schemas.microsoft.com/office/drawing/2010/main" w="9525">
+                  <a14:hiddenLine xmlns:a14="http://schemas.microsoft.com/office/drawing/2010/main" xmlns="" w="9525">
                     <a:solidFill>
                       <a:srgbClr val="000000"/>
                     </a:solidFill>
@@ -10515,7 +10515,7 @@
               </a:ln>
               <a:extLst>
                 <a:ext uri="{91240B29-F687-4f45-9708-019B960494DF}">
-                  <a14:hiddenLine xmlns="" xmlns:a14="http://schemas.microsoft.com/office/drawing/2010/main" w="9525">
+                  <a14:hiddenLine xmlns:a14="http://schemas.microsoft.com/office/drawing/2010/main" xmlns="" w="9525">
                     <a:solidFill>
                       <a:srgbClr val="000000"/>
                     </a:solidFill>
@@ -10580,7 +10580,7 @@
               </a:ln>
               <a:extLst>
                 <a:ext uri="{91240B29-F687-4f45-9708-019B960494DF}">
-                  <a14:hiddenLine xmlns="" xmlns:a14="http://schemas.microsoft.com/office/drawing/2010/main" w="9525">
+                  <a14:hiddenLine xmlns:a14="http://schemas.microsoft.com/office/drawing/2010/main" xmlns="" w="9525">
                     <a:solidFill>
                       <a:srgbClr val="000000"/>
                     </a:solidFill>
@@ -10642,7 +10642,7 @@
               </a:ln>
               <a:extLst>
                 <a:ext uri="{91240B29-F687-4f45-9708-019B960494DF}">
-                  <a14:hiddenLine xmlns="" xmlns:a14="http://schemas.microsoft.com/office/drawing/2010/main" w="9525">
+                  <a14:hiddenLine xmlns:a14="http://schemas.microsoft.com/office/drawing/2010/main" xmlns="" w="9525">
                     <a:solidFill>
                       <a:srgbClr val="000000"/>
                     </a:solidFill>
@@ -10732,7 +10732,7 @@
               </a:ln>
               <a:extLst>
                 <a:ext uri="{91240B29-F687-4f45-9708-019B960494DF}">
-                  <a14:hiddenLine xmlns="" xmlns:a14="http://schemas.microsoft.com/office/drawing/2010/main" w="9525">
+                  <a14:hiddenLine xmlns:a14="http://schemas.microsoft.com/office/drawing/2010/main" xmlns="" w="9525">
                     <a:solidFill>
                       <a:srgbClr val="000000"/>
                     </a:solidFill>
@@ -10822,7 +10822,7 @@
               </a:ln>
               <a:extLst>
                 <a:ext uri="{91240B29-F687-4f45-9708-019B960494DF}">
-                  <a14:hiddenLine xmlns="" xmlns:a14="http://schemas.microsoft.com/office/drawing/2010/main" w="9525">
+                  <a14:hiddenLine xmlns:a14="http://schemas.microsoft.com/office/drawing/2010/main" xmlns="" w="9525">
                     <a:solidFill>
                       <a:srgbClr val="000000"/>
                     </a:solidFill>
@@ -10887,7 +10887,7 @@
               </a:ln>
               <a:extLst>
                 <a:ext uri="{91240B29-F687-4f45-9708-019B960494DF}">
-                  <a14:hiddenLine xmlns="" xmlns:a14="http://schemas.microsoft.com/office/drawing/2010/main" w="9525">
+                  <a14:hiddenLine xmlns:a14="http://schemas.microsoft.com/office/drawing/2010/main" xmlns="" w="9525">
                     <a:solidFill>
                       <a:srgbClr val="000000"/>
                     </a:solidFill>
@@ -11007,7 +11007,7 @@
               </a:ln>
               <a:extLst>
                 <a:ext uri="{91240B29-F687-4f45-9708-019B960494DF}">
-                  <a14:hiddenLine xmlns="" xmlns:a14="http://schemas.microsoft.com/office/drawing/2010/main" w="9525">
+                  <a14:hiddenLine xmlns:a14="http://schemas.microsoft.com/office/drawing/2010/main" xmlns="" w="9525">
                     <a:solidFill>
                       <a:srgbClr val="000000"/>
                     </a:solidFill>
@@ -11105,7 +11105,7 @@
               </a:ln>
               <a:extLst>
                 <a:ext uri="{91240B29-F687-4f45-9708-019B960494DF}">
-                  <a14:hiddenLine xmlns="" xmlns:a14="http://schemas.microsoft.com/office/drawing/2010/main" w="9525">
+                  <a14:hiddenLine xmlns:a14="http://schemas.microsoft.com/office/drawing/2010/main" xmlns="" w="9525">
                     <a:solidFill>
                       <a:srgbClr val="000000"/>
                     </a:solidFill>
@@ -11220,7 +11220,7 @@
               </a:ln>
               <a:extLst>
                 <a:ext uri="{91240B29-F687-4f45-9708-019B960494DF}">
-                  <a14:hiddenLine xmlns="" xmlns:a14="http://schemas.microsoft.com/office/drawing/2010/main" w="9525">
+                  <a14:hiddenLine xmlns:a14="http://schemas.microsoft.com/office/drawing/2010/main" xmlns="" w="9525">
                     <a:solidFill>
                       <a:srgbClr val="000000"/>
                     </a:solidFill>
@@ -11310,7 +11310,7 @@
               </a:ln>
               <a:extLst>
                 <a:ext uri="{91240B29-F687-4f45-9708-019B960494DF}">
-                  <a14:hiddenLine xmlns="" xmlns:a14="http://schemas.microsoft.com/office/drawing/2010/main" w="9525">
+                  <a14:hiddenLine xmlns:a14="http://schemas.microsoft.com/office/drawing/2010/main" xmlns="" w="9525">
                     <a:solidFill>
                       <a:srgbClr val="000000"/>
                     </a:solidFill>
@@ -11375,7 +11375,7 @@
               </a:ln>
               <a:extLst>
                 <a:ext uri="{91240B29-F687-4f45-9708-019B960494DF}">
-                  <a14:hiddenLine xmlns="" xmlns:a14="http://schemas.microsoft.com/office/drawing/2010/main" w="9525">
+                  <a14:hiddenLine xmlns:a14="http://schemas.microsoft.com/office/drawing/2010/main" xmlns="" w="9525">
                     <a:solidFill>
                       <a:srgbClr val="000000"/>
                     </a:solidFill>
@@ -11465,7 +11465,7 @@
               </a:ln>
               <a:extLst>
                 <a:ext uri="{91240B29-F687-4f45-9708-019B960494DF}">
-                  <a14:hiddenLine xmlns="" xmlns:a14="http://schemas.microsoft.com/office/drawing/2010/main" w="9525">
+                  <a14:hiddenLine xmlns:a14="http://schemas.microsoft.com/office/drawing/2010/main" xmlns="" w="9525">
                     <a:solidFill>
                       <a:srgbClr val="000000"/>
                     </a:solidFill>
@@ -11533,7 +11533,7 @@
               </a:ln>
               <a:extLst>
                 <a:ext uri="{91240B29-F687-4f45-9708-019B960494DF}">
-                  <a14:hiddenLine xmlns="" xmlns:a14="http://schemas.microsoft.com/office/drawing/2010/main" w="9525">
+                  <a14:hiddenLine xmlns:a14="http://schemas.microsoft.com/office/drawing/2010/main" xmlns="" w="9525">
                     <a:solidFill>
                       <a:srgbClr val="000000"/>
                     </a:solidFill>
@@ -11623,7 +11623,7 @@
               </a:ln>
               <a:extLst>
                 <a:ext uri="{91240B29-F687-4f45-9708-019B960494DF}">
-                  <a14:hiddenLine xmlns="" xmlns:a14="http://schemas.microsoft.com/office/drawing/2010/main" w="9525">
+                  <a14:hiddenLine xmlns:a14="http://schemas.microsoft.com/office/drawing/2010/main" xmlns="" w="9525">
                     <a:solidFill>
                       <a:srgbClr val="000000"/>
                     </a:solidFill>
@@ -11691,7 +11691,7 @@
               </a:ln>
               <a:extLst>
                 <a:ext uri="{91240B29-F687-4f45-9708-019B960494DF}">
-                  <a14:hiddenLine xmlns="" xmlns:a14="http://schemas.microsoft.com/office/drawing/2010/main" w="9525">
+                  <a14:hiddenLine xmlns:a14="http://schemas.microsoft.com/office/drawing/2010/main" xmlns="" w="9525">
                     <a:solidFill>
                       <a:srgbClr val="000000"/>
                     </a:solidFill>
@@ -11781,7 +11781,7 @@
               </a:ln>
               <a:extLst>
                 <a:ext uri="{91240B29-F687-4f45-9708-019B960494DF}">
-                  <a14:hiddenLine xmlns="" xmlns:a14="http://schemas.microsoft.com/office/drawing/2010/main" w="9525">
+                  <a14:hiddenLine xmlns:a14="http://schemas.microsoft.com/office/drawing/2010/main" xmlns="" w="9525">
                     <a:solidFill>
                       <a:srgbClr val="000000"/>
                     </a:solidFill>
@@ -11815,7 +11815,7 @@
               </a:ln>
               <a:extLst>
                 <a:ext uri="{91240B29-F687-4f45-9708-019B960494DF}">
-                  <a14:hiddenLine xmlns="" xmlns:a14="http://schemas.microsoft.com/office/drawing/2010/main" w="9525">
+                  <a14:hiddenLine xmlns:a14="http://schemas.microsoft.com/office/drawing/2010/main" xmlns="" w="9525">
                     <a:solidFill>
                       <a:srgbClr val="000000"/>
                     </a:solidFill>
@@ -16519,7 +16519,7 @@
         </p:nvCxnSpPr>
         <p:spPr>
           <a:xfrm flipH="1">
-            <a:off x="5575846" y="5260761"/>
+            <a:off x="5575846" y="4943261"/>
             <a:ext cx="4947774" cy="21410"/>
           </a:xfrm>
           <a:prstGeom prst="line">
@@ -16562,7 +16562,7 @@
         </p:nvCxnSpPr>
         <p:spPr>
           <a:xfrm flipH="1">
-            <a:off x="866274" y="4537269"/>
+            <a:off x="866274" y="4283269"/>
             <a:ext cx="9657346" cy="0"/>
           </a:xfrm>
           <a:prstGeom prst="line">
@@ -16648,7 +16648,7 @@
         </p:nvCxnSpPr>
         <p:spPr>
           <a:xfrm flipH="1">
-            <a:off x="843425" y="4860651"/>
+            <a:off x="843425" y="4568551"/>
             <a:ext cx="9680195" cy="6355"/>
           </a:xfrm>
           <a:prstGeom prst="line">
@@ -16734,7 +16734,7 @@
         </p:nvCxnSpPr>
         <p:spPr>
           <a:xfrm flipH="1">
-            <a:off x="5575847" y="5598696"/>
+            <a:off x="5575847" y="5293896"/>
             <a:ext cx="4947773" cy="0"/>
           </a:xfrm>
           <a:prstGeom prst="line">
@@ -16932,7 +16932,7 @@
         <p:spPr>
           <a:xfrm>
             <a:off x="866274" y="2520242"/>
-            <a:ext cx="5646816" cy="2123658"/>
+            <a:ext cx="5438273" cy="1815882"/>
           </a:xfrm>
           <a:prstGeom prst="rect">
             <a:avLst/>
@@ -16950,7 +16950,7 @@
               <a:buChar char="§"/>
             </a:pPr>
             <a:r>
-              <a:rPr lang="es-ES" sz="1600" u="sng" dirty="0">
+              <a:rPr lang="es-ES" sz="1400" u="sng" dirty="0">
                 <a:latin typeface="Times New Roman" panose="02020603050405020304" pitchFamily="18" charset="0"/>
                 <a:cs typeface="Times New Roman" panose="02020603050405020304" pitchFamily="18" charset="0"/>
               </a:rPr>
@@ -16963,7 +16963,7 @@
               <a:buChar char="Ø"/>
             </a:pPr>
             <a:r>
-              <a:rPr lang="es-ES" sz="1600" dirty="0">
+              <a:rPr lang="es-ES" sz="1400" dirty="0">
                 <a:latin typeface="Times New Roman" panose="02020603050405020304" pitchFamily="18" charset="0"/>
                 <a:cs typeface="Times New Roman" panose="02020603050405020304" pitchFamily="18" charset="0"/>
               </a:rPr>
@@ -16976,7 +16976,7 @@
               <a:buChar char="Ø"/>
             </a:pPr>
             <a:r>
-              <a:rPr lang="es-ES" sz="1600" dirty="0">
+              <a:rPr lang="es-ES" sz="1400" dirty="0">
                 <a:latin typeface="Times New Roman" panose="02020603050405020304" pitchFamily="18" charset="0"/>
                 <a:cs typeface="Times New Roman" panose="02020603050405020304" pitchFamily="18" charset="0"/>
               </a:rPr>
@@ -16989,7 +16989,7 @@
               <a:buChar char="Ø"/>
             </a:pPr>
             <a:r>
-              <a:rPr lang="es-ES" sz="1600" dirty="0">
+              <a:rPr lang="es-ES" sz="1400" dirty="0">
                 <a:latin typeface="Times New Roman" panose="02020603050405020304" pitchFamily="18" charset="0"/>
                 <a:cs typeface="Times New Roman" panose="02020603050405020304" pitchFamily="18" charset="0"/>
               </a:rPr>
@@ -17002,7 +17002,7 @@
               <a:buChar char="Ø"/>
             </a:pPr>
             <a:r>
-              <a:rPr lang="es-ES" sz="1600" dirty="0">
+              <a:rPr lang="es-ES" sz="1400" dirty="0">
                 <a:latin typeface="Times New Roman" panose="02020603050405020304" pitchFamily="18" charset="0"/>
                 <a:cs typeface="Times New Roman" panose="02020603050405020304" pitchFamily="18" charset="0"/>
               </a:rPr>
@@ -17015,7 +17015,7 @@
               <a:buChar char="§"/>
             </a:pPr>
             <a:r>
-              <a:rPr lang="es-ES" sz="1600" u="sng" dirty="0">
+              <a:rPr lang="es-ES" sz="1400" u="sng" dirty="0">
                 <a:latin typeface="Times New Roman" panose="02020603050405020304" pitchFamily="18" charset="0"/>
                 <a:cs typeface="Times New Roman" panose="02020603050405020304" pitchFamily="18" charset="0"/>
               </a:rPr>
@@ -17028,7 +17028,7 @@
               <a:buChar char="Ø"/>
             </a:pPr>
             <a:r>
-              <a:rPr lang="es-ES" sz="1600" dirty="0">
+              <a:rPr lang="es-ES" sz="1400" dirty="0">
                 <a:latin typeface="Times New Roman" panose="02020603050405020304" pitchFamily="18" charset="0"/>
                 <a:cs typeface="Times New Roman" panose="02020603050405020304" pitchFamily="18" charset="0"/>
               </a:rPr>
@@ -17041,7 +17041,7 @@
               <a:buChar char="Ø"/>
             </a:pPr>
             <a:r>
-              <a:rPr lang="es-ES" sz="1600" dirty="0">
+              <a:rPr lang="es-ES" sz="1400" dirty="0">
                 <a:latin typeface="Times New Roman" panose="02020603050405020304" pitchFamily="18" charset="0"/>
                 <a:cs typeface="Times New Roman" panose="02020603050405020304" pitchFamily="18" charset="0"/>
               </a:rPr>
@@ -17106,7 +17106,7 @@
         </p:nvSpPr>
         <p:spPr>
           <a:xfrm>
-            <a:off x="320847" y="4504856"/>
+            <a:off x="320847" y="4250856"/>
             <a:ext cx="5222914" cy="400110"/>
           </a:xfrm>
           <a:prstGeom prst="rect">
@@ -17145,7 +17145,7 @@
         </p:nvSpPr>
         <p:spPr>
           <a:xfrm>
-            <a:off x="5319171" y="4494298"/>
+            <a:off x="5319171" y="4252998"/>
             <a:ext cx="5598690" cy="400110"/>
           </a:xfrm>
           <a:prstGeom prst="rect">
@@ -17184,7 +17184,7 @@
         </p:nvSpPr>
         <p:spPr>
           <a:xfrm>
-            <a:off x="5319169" y="4891429"/>
+            <a:off x="5319169" y="4612029"/>
             <a:ext cx="5060063" cy="369332"/>
           </a:xfrm>
           <a:prstGeom prst="rect">
@@ -17226,7 +17226,7 @@
         </p:nvSpPr>
         <p:spPr>
           <a:xfrm>
-            <a:off x="705855" y="4870710"/>
+            <a:off x="705855" y="4540510"/>
             <a:ext cx="5598692" cy="1077218"/>
           </a:xfrm>
           <a:prstGeom prst="rect">
@@ -17307,7 +17307,7 @@
         </p:nvSpPr>
         <p:spPr>
           <a:xfrm>
-            <a:off x="5319169" y="5255886"/>
+            <a:off x="5319170" y="4914611"/>
             <a:ext cx="5598692" cy="400110"/>
           </a:xfrm>
           <a:prstGeom prst="rect">
@@ -17327,7 +17327,7 @@
                 <a:latin typeface="Times New Roman" panose="02020603050405020304" pitchFamily="18" charset="0"/>
                 <a:cs typeface="Times New Roman" panose="02020603050405020304" pitchFamily="18" charset="0"/>
               </a:rPr>
-              <a:t>PASIVO CORRIENTE              4.620,00€</a:t>
+              <a:t>PASIVO CORRIENTE              6.620,00€</a:t>
             </a:r>
           </a:p>
         </p:txBody>
@@ -17346,8 +17346,8 @@
         </p:nvSpPr>
         <p:spPr>
           <a:xfrm>
-            <a:off x="5391363" y="5678920"/>
-            <a:ext cx="5060063" cy="584775"/>
+            <a:off x="5391363" y="5336020"/>
+            <a:ext cx="5060063" cy="830997"/>
           </a:xfrm>
           <a:prstGeom prst="rect">
             <a:avLst/>
@@ -17383,6 +17383,19 @@
                 <a:cs typeface="Times New Roman" panose="02020603050405020304" pitchFamily="18" charset="0"/>
               </a:rPr>
               <a:t>Proveedores de servidores c/p             2.220,00€</a:t>
+            </a:r>
+          </a:p>
+          <a:p>
+            <a:pPr marL="800100" lvl="1" indent="-342900" algn="just">
+              <a:buFont typeface="Wingdings" panose="05000000000000000000" pitchFamily="2" charset="2"/>
+              <a:buChar char="Ø"/>
+            </a:pPr>
+            <a:r>
+              <a:rPr lang="es-ES" sz="1600" dirty="0">
+                <a:latin typeface="Times New Roman" panose="02020603050405020304" pitchFamily="18" charset="0"/>
+                <a:cs typeface="Times New Roman" panose="02020603050405020304" pitchFamily="18" charset="0"/>
+              </a:rPr>
+              <a:t>Deuda con familiares c/p                     2.000,00€</a:t>
             </a:r>
           </a:p>
         </p:txBody>
@@ -17503,7 +17516,7 @@
                 <a:latin typeface="Times New Roman" panose="02020603050405020304" pitchFamily="18" charset="0"/>
                 <a:cs typeface="Times New Roman" panose="02020603050405020304" pitchFamily="18" charset="0"/>
               </a:rPr>
-              <a:t>TOTAL                                        22.620,00€</a:t>
+              <a:t>TOTAL                                        24.620,00€</a:t>
             </a:r>
           </a:p>
         </p:txBody>
@@ -17571,8 +17584,8 @@
           </a:p>
         </p:txBody>
       </p:sp>
-      <mc:AlternateContent xmlns:mc="http://schemas.openxmlformats.org/markup-compatibility/2006" xmlns:a14="http://schemas.microsoft.com/office/drawing/2010/main">
-        <mc:Choice Requires="a14">
+      <mc:AlternateContent xmlns:mc="http://schemas.openxmlformats.org/markup-compatibility/2006">
+        <mc:Choice xmlns:a14="http://schemas.microsoft.com/office/drawing/2010/main" Requires="a14">
           <p:sp>
             <p:nvSpPr>
               <p:cNvPr id="4" name="CuadroTexto 3">
@@ -17665,7 +17678,7 @@
                       <a:rPr lang="es-ES" sz="2400" i="1" smtClean="0">
                         <a:latin typeface="Cambria Math" panose="02040503050406030204" pitchFamily="18" charset="0"/>
                       </a:rPr>
-                      <m:t>=598.06€−4620.00€= −4.021.94€&gt;0</m:t>
+                      <m:t>=598.06€−6620.00€= −6.021.94€&gt;0</m:t>
                     </m:r>
                   </m:oMath>
                 </a14:m>
@@ -17674,7 +17687,7 @@
             </p:txBody>
           </p:sp>
         </mc:Choice>
-        <mc:Fallback xmlns="">
+        <mc:Fallback>
           <p:sp>
             <p:nvSpPr>
               <p:cNvPr id="4" name="CuadroTexto 3">
@@ -17719,8 +17732,8 @@
           </p:sp>
         </mc:Fallback>
       </mc:AlternateContent>
-      <mc:AlternateContent xmlns:mc="http://schemas.openxmlformats.org/markup-compatibility/2006" xmlns:a14="http://schemas.microsoft.com/office/drawing/2010/main">
-        <mc:Choice Requires="a14">
+      <mc:AlternateContent xmlns:mc="http://schemas.openxmlformats.org/markup-compatibility/2006">
+        <mc:Choice xmlns:a14="http://schemas.microsoft.com/office/drawing/2010/main" Requires="a14">
           <p:sp>
             <p:nvSpPr>
               <p:cNvPr id="5" name="Rectángulo 4">
@@ -17736,7 +17749,7 @@
             <p:spPr>
               <a:xfrm>
                 <a:off x="984925" y="2938762"/>
-                <a:ext cx="6160276" cy="626454"/>
+                <a:ext cx="5990358" cy="626454"/>
               </a:xfrm>
               <a:prstGeom prst="rect">
                 <a:avLst/>
@@ -17755,7 +17768,7 @@
                 <a14:m>
                   <m:oMath xmlns:m="http://schemas.openxmlformats.org/officeDocument/2006/math">
                     <m:r>
-                      <a:rPr lang="es-ES" sz="2400" i="1">
+                      <a:rPr lang="es-ES" sz="2400" i="1" smtClean="0">
                         <a:latin typeface="Cambria Math" panose="02040503050406030204" pitchFamily="18" charset="0"/>
                       </a:rPr>
                       <m:t>𝑅𝑎𝑡𝑖𝑜</m:t>
@@ -17839,10 +17852,16 @@
                       </m:num>
                       <m:den>
                         <m:r>
+                          <a:rPr lang="es-ES" sz="2400" b="0" i="0" smtClean="0">
+                            <a:latin typeface="Cambria Math" panose="02040503050406030204" pitchFamily="18" charset="0"/>
+                          </a:rPr>
+                          <m:t>6</m:t>
+                        </m:r>
+                        <m:r>
                           <a:rPr lang="es-ES" sz="2400" i="0">
                             <a:latin typeface="Cambria Math" panose="02040503050406030204" pitchFamily="18" charset="0"/>
                           </a:rPr>
-                          <m:t>4620.00€</m:t>
+                          <m:t>620.00€</m:t>
                         </m:r>
                       </m:den>
                     </m:f>
@@ -17850,7 +17869,13 @@
                       <a:rPr lang="es-ES" sz="2400" i="0">
                         <a:latin typeface="Cambria Math" panose="02040503050406030204" pitchFamily="18" charset="0"/>
                       </a:rPr>
-                      <m:t>=0.129</m:t>
+                      <m:t>=0.</m:t>
+                    </m:r>
+                    <m:r>
+                      <a:rPr lang="es-ES" sz="2400" b="0" i="0" smtClean="0">
+                        <a:latin typeface="Cambria Math" panose="02040503050406030204" pitchFamily="18" charset="0"/>
+                      </a:rPr>
+                      <m:t>09</m:t>
                     </m:r>
                   </m:oMath>
                 </a14:m>
@@ -17859,7 +17884,7 @@
             </p:txBody>
           </p:sp>
         </mc:Choice>
-        <mc:Fallback xmlns="">
+        <mc:Fallback>
           <p:sp>
             <p:nvSpPr>
               <p:cNvPr id="5" name="Rectángulo 4">
@@ -17877,7 +17902,7 @@
             <p:spPr>
               <a:xfrm>
                 <a:off x="984925" y="2938762"/>
-                <a:ext cx="6160276" cy="626454"/>
+                <a:ext cx="5990358" cy="626454"/>
               </a:xfrm>
               <a:prstGeom prst="rect">
                 <a:avLst/>
@@ -18175,8 +18200,8 @@
           </a:p>
         </p:txBody>
       </p:sp>
-      <mc:AlternateContent xmlns:mc="http://schemas.openxmlformats.org/markup-compatibility/2006" xmlns:a14="http://schemas.microsoft.com/office/drawing/2010/main">
-        <mc:Choice Requires="a14">
+      <mc:AlternateContent xmlns:mc="http://schemas.openxmlformats.org/markup-compatibility/2006">
+        <mc:Choice xmlns:a14="http://schemas.microsoft.com/office/drawing/2010/main" Requires="a14">
           <p:sp>
             <p:nvSpPr>
               <p:cNvPr id="12" name="Rectángulo 11">
@@ -18211,7 +18236,7 @@
                 <a14:m>
                   <m:oMath xmlns:m="http://schemas.openxmlformats.org/officeDocument/2006/math">
                     <m:r>
-                      <a:rPr lang="es-ES" sz="2400" i="1">
+                      <a:rPr lang="es-ES" sz="2400" i="1" smtClean="0">
                         <a:latin typeface="Cambria Math" panose="02040503050406030204" pitchFamily="18" charset="0"/>
                       </a:rPr>
                       <m:t>𝑅𝑎𝑡𝑖𝑜</m:t>
@@ -18302,7 +18327,19 @@
                           <a:rPr lang="es-ES" sz="2400" i="0">
                             <a:latin typeface="Cambria Math" panose="02040503050406030204" pitchFamily="18" charset="0"/>
                           </a:rPr>
-                          <m:t>14620.00€</m:t>
+                          <m:t>1</m:t>
+                        </m:r>
+                        <m:r>
+                          <a:rPr lang="es-ES" sz="2400" b="0" i="0" smtClean="0">
+                            <a:latin typeface="Cambria Math" panose="02040503050406030204" pitchFamily="18" charset="0"/>
+                          </a:rPr>
+                          <m:t>6</m:t>
+                        </m:r>
+                        <m:r>
+                          <a:rPr lang="es-ES" sz="2400" i="0">
+                            <a:latin typeface="Cambria Math" panose="02040503050406030204" pitchFamily="18" charset="0"/>
+                          </a:rPr>
+                          <m:t>620.00€</m:t>
                         </m:r>
                       </m:num>
                       <m:den>
@@ -18310,7 +18347,19 @@
                           <a:rPr lang="es-ES" sz="2400" i="0">
                             <a:latin typeface="Cambria Math" panose="02040503050406030204" pitchFamily="18" charset="0"/>
                           </a:rPr>
-                          <m:t>22620.00€</m:t>
+                          <m:t>2</m:t>
+                        </m:r>
+                        <m:r>
+                          <a:rPr lang="es-ES" sz="2400" b="0" i="0" smtClean="0">
+                            <a:latin typeface="Cambria Math" panose="02040503050406030204" pitchFamily="18" charset="0"/>
+                          </a:rPr>
+                          <m:t>4</m:t>
+                        </m:r>
+                        <m:r>
+                          <a:rPr lang="es-ES" sz="2400" i="0">
+                            <a:latin typeface="Cambria Math" panose="02040503050406030204" pitchFamily="18" charset="0"/>
+                          </a:rPr>
+                          <m:t>620.00€</m:t>
                         </m:r>
                       </m:den>
                     </m:f>
@@ -18318,7 +18367,13 @@
                       <a:rPr lang="es-ES" sz="2400" i="0">
                         <a:latin typeface="Cambria Math" panose="02040503050406030204" pitchFamily="18" charset="0"/>
                       </a:rPr>
-                      <m:t>=0.646</m:t>
+                      <m:t>=0.6</m:t>
+                    </m:r>
+                    <m:r>
+                      <a:rPr lang="es-ES" sz="2400" b="0" i="0" smtClean="0">
+                        <a:latin typeface="Cambria Math" panose="02040503050406030204" pitchFamily="18" charset="0"/>
+                      </a:rPr>
+                      <m:t>8</m:t>
                     </m:r>
                   </m:oMath>
                 </a14:m>
@@ -18327,7 +18382,7 @@
             </p:txBody>
           </p:sp>
         </mc:Choice>
-        <mc:Fallback xmlns="">
+        <mc:Fallback>
           <p:sp>
             <p:nvSpPr>
               <p:cNvPr id="12" name="Rectángulo 11">
